--- a/Lecture4.pptx
+++ b/Lecture4.pptx
@@ -5,24 +5,51 @@
     <p:sldMasterId id="2147483648" r:id="rId1"/>
   </p:sldMasterIdLst>
   <p:notesMasterIdLst>
-    <p:notesMasterId r:id="rId7"/>
+    <p:notesMasterId r:id="rId34"/>
   </p:notesMasterIdLst>
   <p:sldIdLst>
     <p:sldId id="256" r:id="rId2"/>
     <p:sldId id="257" r:id="rId3"/>
     <p:sldId id="260" r:id="rId4"/>
     <p:sldId id="262" r:id="rId5"/>
-    <p:sldId id="261" r:id="rId6"/>
+    <p:sldId id="263" r:id="rId6"/>
+    <p:sldId id="266" r:id="rId7"/>
+    <p:sldId id="267" r:id="rId8"/>
+    <p:sldId id="268" r:id="rId9"/>
+    <p:sldId id="269" r:id="rId10"/>
+    <p:sldId id="270" r:id="rId11"/>
+    <p:sldId id="271" r:id="rId12"/>
+    <p:sldId id="272" r:id="rId13"/>
+    <p:sldId id="273" r:id="rId14"/>
+    <p:sldId id="274" r:id="rId15"/>
+    <p:sldId id="277" r:id="rId16"/>
+    <p:sldId id="276" r:id="rId17"/>
+    <p:sldId id="261" r:id="rId18"/>
+    <p:sldId id="275" r:id="rId19"/>
+    <p:sldId id="264" r:id="rId20"/>
+    <p:sldId id="278" r:id="rId21"/>
+    <p:sldId id="279" r:id="rId22"/>
+    <p:sldId id="287" r:id="rId23"/>
+    <p:sldId id="288" r:id="rId24"/>
+    <p:sldId id="290" r:id="rId25"/>
+    <p:sldId id="289" r:id="rId26"/>
+    <p:sldId id="280" r:id="rId27"/>
+    <p:sldId id="265" r:id="rId28"/>
+    <p:sldId id="282" r:id="rId29"/>
+    <p:sldId id="283" r:id="rId30"/>
+    <p:sldId id="284" r:id="rId31"/>
+    <p:sldId id="285" r:id="rId32"/>
+    <p:sldId id="286" r:id="rId33"/>
   </p:sldIdLst>
   <p:sldSz cx="12192000" cy="6858000"/>
   <p:notesSz cx="6858000" cy="9144000"/>
   <p:embeddedFontLst>
     <p:embeddedFont>
       <p:font typeface="Century Gothic" panose="020B0502020202020204" pitchFamily="34" charset="0"/>
-      <p:regular r:id="rId8"/>
-      <p:bold r:id="rId9"/>
-      <p:italic r:id="rId10"/>
-      <p:boldItalic r:id="rId11"/>
+      <p:regular r:id="rId35"/>
+      <p:bold r:id="rId36"/>
+      <p:italic r:id="rId37"/>
+      <p:boldItalic r:id="rId38"/>
     </p:embeddedFont>
   </p:embeddedFontLst>
   <p:defaultTextStyle>
@@ -259,7 +286,7 @@
       <p15:sldGuideLst xmlns:p15="http://schemas.microsoft.com/office/powerpoint/2012/main"/>
     </p:ext>
     <p:ext uri="GoogleSlidesCustomDataVersion2">
-      <go:slidesCustomData xmlns:go="http://customooxmlschemas.google.com/" xmlns:ahyp="http://schemas.microsoft.com/office/drawing/2018/hyperlinkcolor" xmlns:p15="http://schemas.microsoft.com/office/powerpoint/2012/main" xmlns:p14="http://schemas.microsoft.com/office/powerpoint/2010/main" xmlns:com="http://schemas.openxmlformats.org/drawingml/2006/compatibility" xmlns:pvml="urn:schemas-microsoft-com:office:powerpoint" xmlns:v="urn:schemas-microsoft-com:vml" xmlns:o="urn:schemas-microsoft-com:office:office" xmlns:dgm="http://schemas.openxmlformats.org/drawingml/2006/diagram" xmlns:c="http://schemas.openxmlformats.org/drawingml/2006/chart" xmlns:mv="urn:schemas-microsoft-com:mac:vml" xmlns:mc="http://schemas.openxmlformats.org/markup-compatibility/2006" xmlns="" r:id="rId38" roundtripDataSignature="AMtx7mhEk3kr15p5MvOwX8Siehu9UxAE2A=="/>
+      <go:slidesCustomData xmlns:go="http://customooxmlschemas.google.com/" xmlns:ahyp="http://schemas.microsoft.com/office/drawing/2018/hyperlinkcolor" xmlns:p15="http://schemas.microsoft.com/office/powerpoint/2012/main" xmlns:p14="http://schemas.microsoft.com/office/powerpoint/2010/main" xmlns:com="http://schemas.openxmlformats.org/drawingml/2006/compatibility" xmlns:pvml="urn:schemas-microsoft-com:office:powerpoint" xmlns:v="urn:schemas-microsoft-com:vml" xmlns:o="urn:schemas-microsoft-com:office:office" xmlns:dgm="http://schemas.openxmlformats.org/drawingml/2006/diagram" xmlns:c="http://schemas.openxmlformats.org/drawingml/2006/chart" xmlns:mv="urn:schemas-microsoft-com:mac:vml" xmlns:mc="http://schemas.openxmlformats.org/markup-compatibility/2006" xmlns="" r:id="rId39" roundtripDataSignature="AMtx7mhEk3kr15p5MvOwX8Siehu9UxAE2A=="/>
     </p:ext>
   </p:extLst>
 </p:presentation>
@@ -1779,6 +1806,511 @@
     <p:extLst>
       <p:ext uri="{BB962C8B-B14F-4D97-AF65-F5344CB8AC3E}">
         <p14:creationId xmlns:p14="http://schemas.microsoft.com/office/powerpoint/2010/main" val="3836182176"/>
+      </p:ext>
+    </p:extLst>
+  </p:cSld>
+  <p:clrMapOvr>
+    <a:masterClrMapping/>
+  </p:clrMapOvr>
+</p:notes>
+</file>
+
+<file path=ppt/notesSlides/notesSlide4.xml><?xml version="1.0" encoding="utf-8"?>
+<p:notes xmlns:a="http://schemas.openxmlformats.org/drawingml/2006/main" xmlns:r="http://schemas.openxmlformats.org/officeDocument/2006/relationships" xmlns:p="http://schemas.openxmlformats.org/presentationml/2006/main">
+  <p:cSld>
+    <p:spTree>
+      <p:nvGrpSpPr>
+        <p:cNvPr id="1" name=""/>
+        <p:cNvGrpSpPr/>
+        <p:nvPr/>
+      </p:nvGrpSpPr>
+      <p:grpSpPr>
+        <a:xfrm>
+          <a:off x="0" y="0"/>
+          <a:ext cx="0" cy="0"/>
+          <a:chOff x="0" y="0"/>
+          <a:chExt cx="0" cy="0"/>
+        </a:xfrm>
+      </p:grpSpPr>
+      <p:sp>
+        <p:nvSpPr>
+          <p:cNvPr id="2" name="Slide Image Placeholder 1"/>
+          <p:cNvSpPr>
+            <a:spLocks noGrp="1" noRot="1" noChangeAspect="1"/>
+          </p:cNvSpPr>
+          <p:nvPr>
+            <p:ph type="sldImg"/>
+          </p:nvPr>
+        </p:nvSpPr>
+        <p:spPr/>
+      </p:sp>
+      <p:sp>
+        <p:nvSpPr>
+          <p:cNvPr id="3" name="Notes Placeholder 2"/>
+          <p:cNvSpPr>
+            <a:spLocks noGrp="1"/>
+          </p:cNvSpPr>
+          <p:nvPr>
+            <p:ph type="body" idx="1"/>
+          </p:nvPr>
+        </p:nvSpPr>
+        <p:spPr/>
+        <p:txBody>
+          <a:bodyPr/>
+          <a:lstStyle/>
+          <a:p>
+            <a:endParaRPr lang="en-US" dirty="0"/>
+          </a:p>
+        </p:txBody>
+      </p:sp>
+      <p:sp>
+        <p:nvSpPr>
+          <p:cNvPr id="4" name="Slide Number Placeholder 3"/>
+          <p:cNvSpPr>
+            <a:spLocks noGrp="1"/>
+          </p:cNvSpPr>
+          <p:nvPr>
+            <p:ph type="sldNum" idx="12"/>
+          </p:nvPr>
+        </p:nvSpPr>
+        <p:spPr/>
+        <p:txBody>
+          <a:bodyPr/>
+          <a:lstStyle/>
+          <a:p>
+            <a:pPr marL="0" marR="0" lvl="0" indent="0" algn="r" rtl="0">
+              <a:spcBef>
+                <a:spcPts val="0"/>
+              </a:spcBef>
+              <a:spcAft>
+                <a:spcPts val="0"/>
+              </a:spcAft>
+              <a:buNone/>
+            </a:pPr>
+            <a:fld id="{00000000-1234-1234-1234-123412341234}" type="slidenum">
+              <a:rPr lang="en-US" sz="1200" b="0" i="0" u="none" strike="noStrike" cap="none" smtClean="0">
+                <a:solidFill>
+                  <a:schemeClr val="dk1"/>
+                </a:solidFill>
+                <a:latin typeface="Calibri"/>
+                <a:ea typeface="Calibri"/>
+                <a:cs typeface="Calibri"/>
+                <a:sym typeface="Calibri"/>
+              </a:rPr>
+              <a:t>6</a:t>
+            </a:fld>
+            <a:endParaRPr lang="en-US" sz="1200" b="0" i="0" u="none" strike="noStrike" cap="none">
+              <a:solidFill>
+                <a:schemeClr val="dk1"/>
+              </a:solidFill>
+              <a:latin typeface="Calibri"/>
+              <a:ea typeface="Calibri"/>
+              <a:cs typeface="Calibri"/>
+              <a:sym typeface="Calibri"/>
+            </a:endParaRPr>
+          </a:p>
+        </p:txBody>
+      </p:sp>
+    </p:spTree>
+    <p:extLst>
+      <p:ext uri="{BB962C8B-B14F-4D97-AF65-F5344CB8AC3E}">
+        <p14:creationId xmlns:p14="http://schemas.microsoft.com/office/powerpoint/2010/main" val="997907439"/>
+      </p:ext>
+    </p:extLst>
+  </p:cSld>
+  <p:clrMapOvr>
+    <a:masterClrMapping/>
+  </p:clrMapOvr>
+</p:notes>
+</file>
+
+<file path=ppt/notesSlides/notesSlide5.xml><?xml version="1.0" encoding="utf-8"?>
+<p:notes xmlns:a="http://schemas.openxmlformats.org/drawingml/2006/main" xmlns:r="http://schemas.openxmlformats.org/officeDocument/2006/relationships" xmlns:p="http://schemas.openxmlformats.org/presentationml/2006/main">
+  <p:cSld>
+    <p:spTree>
+      <p:nvGrpSpPr>
+        <p:cNvPr id="1" name=""/>
+        <p:cNvGrpSpPr/>
+        <p:nvPr/>
+      </p:nvGrpSpPr>
+      <p:grpSpPr>
+        <a:xfrm>
+          <a:off x="0" y="0"/>
+          <a:ext cx="0" cy="0"/>
+          <a:chOff x="0" y="0"/>
+          <a:chExt cx="0" cy="0"/>
+        </a:xfrm>
+      </p:grpSpPr>
+      <p:sp>
+        <p:nvSpPr>
+          <p:cNvPr id="2" name="Slide Image Placeholder 1"/>
+          <p:cNvSpPr>
+            <a:spLocks noGrp="1" noRot="1" noChangeAspect="1"/>
+          </p:cNvSpPr>
+          <p:nvPr>
+            <p:ph type="sldImg"/>
+          </p:nvPr>
+        </p:nvSpPr>
+        <p:spPr/>
+      </p:sp>
+      <p:sp>
+        <p:nvSpPr>
+          <p:cNvPr id="3" name="Notes Placeholder 2"/>
+          <p:cNvSpPr>
+            <a:spLocks noGrp="1"/>
+          </p:cNvSpPr>
+          <p:nvPr>
+            <p:ph type="body" idx="1"/>
+          </p:nvPr>
+        </p:nvSpPr>
+        <p:spPr/>
+        <p:txBody>
+          <a:bodyPr/>
+          <a:lstStyle/>
+          <a:p>
+            <a:r>
+              <a:rPr lang="en-US" dirty="0"/>
+              <a:t>This is</a:t>
+            </a:r>
+            <a:r>
+              <a:rPr lang="en-US" baseline="0" dirty="0"/>
+              <a:t> done to try and move scientific progress as quickly and efficiently as possible. Cites molecular biology and particle biophysics as examples. </a:t>
+            </a:r>
+            <a:endParaRPr lang="en-US" dirty="0"/>
+          </a:p>
+        </p:txBody>
+      </p:sp>
+      <p:sp>
+        <p:nvSpPr>
+          <p:cNvPr id="4" name="Slide Number Placeholder 3"/>
+          <p:cNvSpPr>
+            <a:spLocks noGrp="1"/>
+          </p:cNvSpPr>
+          <p:nvPr>
+            <p:ph type="sldNum" sz="quarter" idx="10"/>
+          </p:nvPr>
+        </p:nvSpPr>
+        <p:spPr/>
+        <p:txBody>
+          <a:bodyPr/>
+          <a:lstStyle/>
+          <a:p>
+            <a:fld id="{D8031097-A294-924B-8DE9-232E27627013}" type="slidenum">
+              <a:rPr lang="en-US" smtClean="0"/>
+              <a:t>7</a:t>
+            </a:fld>
+            <a:endParaRPr lang="en-US"/>
+          </a:p>
+        </p:txBody>
+      </p:sp>
+    </p:spTree>
+    <p:extLst>
+      <p:ext uri="{BB962C8B-B14F-4D97-AF65-F5344CB8AC3E}">
+        <p14:creationId xmlns:p14="http://schemas.microsoft.com/office/powerpoint/2010/main" val="1952959005"/>
+      </p:ext>
+    </p:extLst>
+  </p:cSld>
+  <p:clrMapOvr>
+    <a:masterClrMapping/>
+  </p:clrMapOvr>
+</p:notes>
+</file>
+
+<file path=ppt/notesSlides/notesSlide6.xml><?xml version="1.0" encoding="utf-8"?>
+<p:notes xmlns:a="http://schemas.openxmlformats.org/drawingml/2006/main" xmlns:r="http://schemas.openxmlformats.org/officeDocument/2006/relationships" xmlns:p="http://schemas.openxmlformats.org/presentationml/2006/main">
+  <p:cSld>
+    <p:spTree>
+      <p:nvGrpSpPr>
+        <p:cNvPr id="1" name=""/>
+        <p:cNvGrpSpPr/>
+        <p:nvPr/>
+      </p:nvGrpSpPr>
+      <p:grpSpPr>
+        <a:xfrm>
+          <a:off x="0" y="0"/>
+          <a:ext cx="0" cy="0"/>
+          <a:chOff x="0" y="0"/>
+          <a:chExt cx="0" cy="0"/>
+        </a:xfrm>
+      </p:grpSpPr>
+      <p:sp>
+        <p:nvSpPr>
+          <p:cNvPr id="2" name="Slide Image Placeholder 1"/>
+          <p:cNvSpPr>
+            <a:spLocks noGrp="1" noRot="1" noChangeAspect="1"/>
+          </p:cNvSpPr>
+          <p:nvPr>
+            <p:ph type="sldImg"/>
+          </p:nvPr>
+        </p:nvSpPr>
+        <p:spPr/>
+      </p:sp>
+      <p:sp>
+        <p:nvSpPr>
+          <p:cNvPr id="3" name="Notes Placeholder 2"/>
+          <p:cNvSpPr>
+            <a:spLocks noGrp="1"/>
+          </p:cNvSpPr>
+          <p:nvPr>
+            <p:ph type="body" idx="1"/>
+          </p:nvPr>
+        </p:nvSpPr>
+        <p:spPr/>
+        <p:txBody>
+          <a:bodyPr/>
+          <a:lstStyle/>
+          <a:p>
+            <a:endParaRPr lang="en-US" dirty="0"/>
+          </a:p>
+        </p:txBody>
+      </p:sp>
+      <p:sp>
+        <p:nvSpPr>
+          <p:cNvPr id="4" name="Slide Number Placeholder 3"/>
+          <p:cNvSpPr>
+            <a:spLocks noGrp="1"/>
+          </p:cNvSpPr>
+          <p:nvPr>
+            <p:ph type="sldNum" sz="quarter" idx="10"/>
+          </p:nvPr>
+        </p:nvSpPr>
+        <p:spPr/>
+        <p:txBody>
+          <a:bodyPr/>
+          <a:lstStyle/>
+          <a:p>
+            <a:fld id="{D8031097-A294-924B-8DE9-232E27627013}" type="slidenum">
+              <a:rPr lang="en-US" smtClean="0"/>
+              <a:t>8</a:t>
+            </a:fld>
+            <a:endParaRPr lang="en-US"/>
+          </a:p>
+        </p:txBody>
+      </p:sp>
+    </p:spTree>
+    <p:extLst>
+      <p:ext uri="{BB962C8B-B14F-4D97-AF65-F5344CB8AC3E}">
+        <p14:creationId xmlns:p14="http://schemas.microsoft.com/office/powerpoint/2010/main" val="763143849"/>
+      </p:ext>
+    </p:extLst>
+  </p:cSld>
+  <p:clrMapOvr>
+    <a:masterClrMapping/>
+  </p:clrMapOvr>
+</p:notes>
+</file>
+
+<file path=ppt/notesSlides/notesSlide7.xml><?xml version="1.0" encoding="utf-8"?>
+<p:notes xmlns:a="http://schemas.openxmlformats.org/drawingml/2006/main" xmlns:r="http://schemas.openxmlformats.org/officeDocument/2006/relationships" xmlns:p="http://schemas.openxmlformats.org/presentationml/2006/main">
+  <p:cSld>
+    <p:spTree>
+      <p:nvGrpSpPr>
+        <p:cNvPr id="1" name=""/>
+        <p:cNvGrpSpPr/>
+        <p:nvPr/>
+      </p:nvGrpSpPr>
+      <p:grpSpPr>
+        <a:xfrm>
+          <a:off x="0" y="0"/>
+          <a:ext cx="0" cy="0"/>
+          <a:chOff x="0" y="0"/>
+          <a:chExt cx="0" cy="0"/>
+        </a:xfrm>
+      </p:grpSpPr>
+      <p:sp>
+        <p:nvSpPr>
+          <p:cNvPr id="2" name="Slide Image Placeholder 1"/>
+          <p:cNvSpPr>
+            <a:spLocks noGrp="1" noRot="1" noChangeAspect="1"/>
+          </p:cNvSpPr>
+          <p:nvPr>
+            <p:ph type="sldImg"/>
+          </p:nvPr>
+        </p:nvSpPr>
+        <p:spPr/>
+      </p:sp>
+      <p:sp>
+        <p:nvSpPr>
+          <p:cNvPr id="3" name="Notes Placeholder 2"/>
+          <p:cNvSpPr>
+            <a:spLocks noGrp="1"/>
+          </p:cNvSpPr>
+          <p:nvPr>
+            <p:ph type="body" idx="1"/>
+          </p:nvPr>
+        </p:nvSpPr>
+        <p:spPr/>
+        <p:txBody>
+          <a:bodyPr/>
+          <a:lstStyle/>
+          <a:p>
+            <a:r>
+              <a:rPr lang="en-US" dirty="0"/>
+              <a:t>I love the language</a:t>
+            </a:r>
+            <a:r>
+              <a:rPr lang="en-US" baseline="0" dirty="0"/>
+              <a:t> of these really old papers, and I point it out because I think that it’s lovely and emotional.</a:t>
+            </a:r>
+          </a:p>
+          <a:p>
+            <a:endParaRPr lang="en-US" baseline="0" dirty="0"/>
+          </a:p>
+          <a:p>
+            <a:r>
+              <a:rPr lang="en-US" baseline="0" dirty="0"/>
+              <a:t>Do folks think that there’s a danger of getting too attached to one hypothesis? Is this mollified by having multiple hypotheses?</a:t>
+            </a:r>
+          </a:p>
+          <a:p>
+            <a:endParaRPr lang="en-US" baseline="0" dirty="0"/>
+          </a:p>
+          <a:p>
+            <a:r>
+              <a:rPr lang="en-US" baseline="0" dirty="0"/>
+              <a:t>Draw backs: it’s hard</a:t>
+            </a:r>
+          </a:p>
+          <a:p>
+            <a:endParaRPr lang="en-US" baseline="0" dirty="0"/>
+          </a:p>
+          <a:p>
+            <a:r>
+              <a:rPr lang="en-US" baseline="0" dirty="0"/>
+              <a:t>Do multiple working hypotheses fit in with Strong inference? Why or why not?</a:t>
+            </a:r>
+          </a:p>
+          <a:p>
+            <a:endParaRPr lang="en-US" baseline="0" dirty="0"/>
+          </a:p>
+          <a:p>
+            <a:endParaRPr lang="en-US" dirty="0"/>
+          </a:p>
+        </p:txBody>
+      </p:sp>
+      <p:sp>
+        <p:nvSpPr>
+          <p:cNvPr id="4" name="Slide Number Placeholder 3"/>
+          <p:cNvSpPr>
+            <a:spLocks noGrp="1"/>
+          </p:cNvSpPr>
+          <p:nvPr>
+            <p:ph type="sldNum" sz="quarter" idx="10"/>
+          </p:nvPr>
+        </p:nvSpPr>
+        <p:spPr/>
+        <p:txBody>
+          <a:bodyPr/>
+          <a:lstStyle/>
+          <a:p>
+            <a:fld id="{D8031097-A294-924B-8DE9-232E27627013}" type="slidenum">
+              <a:rPr lang="en-US" smtClean="0"/>
+              <a:t>13</a:t>
+            </a:fld>
+            <a:endParaRPr lang="en-US"/>
+          </a:p>
+        </p:txBody>
+      </p:sp>
+    </p:spTree>
+    <p:extLst>
+      <p:ext uri="{BB962C8B-B14F-4D97-AF65-F5344CB8AC3E}">
+        <p14:creationId xmlns:p14="http://schemas.microsoft.com/office/powerpoint/2010/main" val="1146483486"/>
+      </p:ext>
+    </p:extLst>
+  </p:cSld>
+  <p:clrMapOvr>
+    <a:masterClrMapping/>
+  </p:clrMapOvr>
+</p:notes>
+</file>
+
+<file path=ppt/notesSlides/notesSlide8.xml><?xml version="1.0" encoding="utf-8"?>
+<p:notes xmlns:a="http://schemas.openxmlformats.org/drawingml/2006/main" xmlns:r="http://schemas.openxmlformats.org/officeDocument/2006/relationships" xmlns:p="http://schemas.openxmlformats.org/presentationml/2006/main">
+  <p:cSld>
+    <p:spTree>
+      <p:nvGrpSpPr>
+        <p:cNvPr id="1" name=""/>
+        <p:cNvGrpSpPr/>
+        <p:nvPr/>
+      </p:nvGrpSpPr>
+      <p:grpSpPr>
+        <a:xfrm>
+          <a:off x="0" y="0"/>
+          <a:ext cx="0" cy="0"/>
+          <a:chOff x="0" y="0"/>
+          <a:chExt cx="0" cy="0"/>
+        </a:xfrm>
+      </p:grpSpPr>
+      <p:sp>
+        <p:nvSpPr>
+          <p:cNvPr id="2" name="Slide Image Placeholder 1"/>
+          <p:cNvSpPr>
+            <a:spLocks noGrp="1" noRot="1" noChangeAspect="1"/>
+          </p:cNvSpPr>
+          <p:nvPr>
+            <p:ph type="sldImg"/>
+          </p:nvPr>
+        </p:nvSpPr>
+        <p:spPr/>
+      </p:sp>
+      <p:sp>
+        <p:nvSpPr>
+          <p:cNvPr id="3" name="Notes Placeholder 2"/>
+          <p:cNvSpPr>
+            <a:spLocks noGrp="1"/>
+          </p:cNvSpPr>
+          <p:nvPr>
+            <p:ph type="body" idx="1"/>
+          </p:nvPr>
+        </p:nvSpPr>
+        <p:spPr/>
+        <p:txBody>
+          <a:bodyPr/>
+          <a:lstStyle/>
+          <a:p>
+            <a:r>
+              <a:rPr lang="en-US" dirty="0"/>
+              <a:t>Do people use strong</a:t>
+            </a:r>
+            <a:r>
+              <a:rPr lang="en-US" baseline="0" dirty="0"/>
+              <a:t> inference or multiple competing hypotheses? Is there reason to believe that one leads to “</a:t>
+            </a:r>
+            <a:r>
+              <a:rPr lang="en-US" baseline="0"/>
+              <a:t>better science”?</a:t>
+            </a:r>
+            <a:endParaRPr lang="en-US"/>
+          </a:p>
+        </p:txBody>
+      </p:sp>
+      <p:sp>
+        <p:nvSpPr>
+          <p:cNvPr id="4" name="Slide Number Placeholder 3"/>
+          <p:cNvSpPr>
+            <a:spLocks noGrp="1"/>
+          </p:cNvSpPr>
+          <p:nvPr>
+            <p:ph type="sldNum" sz="quarter" idx="10"/>
+          </p:nvPr>
+        </p:nvSpPr>
+        <p:spPr/>
+        <p:txBody>
+          <a:bodyPr/>
+          <a:lstStyle/>
+          <a:p>
+            <a:fld id="{D8031097-A294-924B-8DE9-232E27627013}" type="slidenum">
+              <a:rPr lang="en-US" smtClean="0"/>
+              <a:t>14</a:t>
+            </a:fld>
+            <a:endParaRPr lang="en-US"/>
+          </a:p>
+        </p:txBody>
+      </p:sp>
+    </p:spTree>
+    <p:extLst>
+      <p:ext uri="{BB962C8B-B14F-4D97-AF65-F5344CB8AC3E}">
+        <p14:creationId xmlns:p14="http://schemas.microsoft.com/office/powerpoint/2010/main" val="2676774349"/>
       </p:ext>
     </p:extLst>
   </p:cSld>
@@ -19347,6 +19879,1604 @@
 </p:sld>
 </file>
 
+<file path=ppt/slides/slide10.xml><?xml version="1.0" encoding="utf-8"?>
+<p:sld xmlns:a="http://schemas.openxmlformats.org/drawingml/2006/main" xmlns:r="http://schemas.openxmlformats.org/officeDocument/2006/relationships" xmlns:p="http://schemas.openxmlformats.org/presentationml/2006/main">
+  <p:cSld>
+    <p:spTree>
+      <p:nvGrpSpPr>
+        <p:cNvPr id="1" name=""/>
+        <p:cNvGrpSpPr/>
+        <p:nvPr/>
+      </p:nvGrpSpPr>
+      <p:grpSpPr>
+        <a:xfrm>
+          <a:off x="0" y="0"/>
+          <a:ext cx="0" cy="0"/>
+          <a:chOff x="0" y="0"/>
+          <a:chExt cx="0" cy="0"/>
+        </a:xfrm>
+      </p:grpSpPr>
+      <p:sp>
+        <p:nvSpPr>
+          <p:cNvPr id="3" name="Content Placeholder 2"/>
+          <p:cNvSpPr>
+            <a:spLocks noGrp="1"/>
+          </p:cNvSpPr>
+          <p:nvPr>
+            <p:ph idx="1"/>
+          </p:nvPr>
+        </p:nvSpPr>
+        <p:spPr>
+          <a:xfrm>
+            <a:off x="1981200" y="1600201"/>
+            <a:ext cx="4114800" cy="4525963"/>
+          </a:xfrm>
+        </p:spPr>
+        <p:txBody>
+          <a:bodyPr>
+            <a:normAutofit/>
+          </a:bodyPr>
+          <a:lstStyle/>
+          <a:p>
+            <a:pPr marL="0" indent="0">
+              <a:buNone/>
+            </a:pPr>
+            <a:r>
+              <a:rPr lang="en-US" sz="2000" dirty="0"/>
+              <a:t>Logic tree</a:t>
+            </a:r>
+          </a:p>
+          <a:p>
+            <a:pPr marL="0" indent="0">
+              <a:buNone/>
+            </a:pPr>
+            <a:r>
+              <a:rPr lang="en-US" sz="2000" dirty="0"/>
+              <a:t>	derived from Francis Bacon</a:t>
+            </a:r>
+          </a:p>
+          <a:p>
+            <a:pPr marL="0" indent="0">
+              <a:buNone/>
+            </a:pPr>
+            <a:endParaRPr lang="en-US" sz="2000" dirty="0"/>
+          </a:p>
+          <a:p>
+            <a:pPr marL="0" indent="0">
+              <a:buNone/>
+            </a:pPr>
+            <a:r>
+              <a:rPr lang="en-US" sz="2000" dirty="0"/>
+              <a:t>Experiment at each branch</a:t>
+            </a:r>
+          </a:p>
+          <a:p>
+            <a:pPr marL="0" indent="0">
+              <a:buNone/>
+            </a:pPr>
+            <a:r>
+              <a:rPr lang="en-US" sz="2000" dirty="0"/>
+              <a:t>	Are experiments necessary?</a:t>
+            </a:r>
+          </a:p>
+          <a:p>
+            <a:pPr marL="0" indent="0">
+              <a:buNone/>
+            </a:pPr>
+            <a:endParaRPr lang="en-US" sz="2000" dirty="0"/>
+          </a:p>
+          <a:p>
+            <a:pPr marL="0" indent="0">
+              <a:buNone/>
+            </a:pPr>
+            <a:r>
+              <a:rPr lang="en-US" sz="2000" dirty="0"/>
+              <a:t>Increases the rate of progress</a:t>
+            </a:r>
+          </a:p>
+          <a:p>
+            <a:pPr marL="0" indent="0">
+              <a:buNone/>
+            </a:pPr>
+            <a:r>
+              <a:rPr lang="en-US" sz="2000" dirty="0"/>
+              <a:t>	Does this lead to “good science?</a:t>
+            </a:r>
+            <a:r>
+              <a:rPr lang="en-US" dirty="0"/>
+              <a:t>”</a:t>
+            </a:r>
+          </a:p>
+        </p:txBody>
+      </p:sp>
+      <p:cxnSp>
+        <p:nvCxnSpPr>
+          <p:cNvPr id="5" name="Straight Arrow Connector 4"/>
+          <p:cNvCxnSpPr/>
+          <p:nvPr/>
+        </p:nvCxnSpPr>
+        <p:spPr>
+          <a:xfrm flipH="1" flipV="1">
+            <a:off x="8789973" y="1811409"/>
+            <a:ext cx="29536" cy="4430073"/>
+          </a:xfrm>
+          <a:prstGeom prst="straightConnector1">
+            <a:avLst/>
+          </a:prstGeom>
+          <a:ln w="152400">
+            <a:solidFill>
+              <a:schemeClr val="accent6">
+                <a:lumMod val="50000"/>
+              </a:schemeClr>
+            </a:solidFill>
+            <a:tailEnd type="none"/>
+          </a:ln>
+        </p:spPr>
+        <p:style>
+          <a:lnRef idx="2">
+            <a:schemeClr val="accent1"/>
+          </a:lnRef>
+          <a:fillRef idx="0">
+            <a:schemeClr val="accent1"/>
+          </a:fillRef>
+          <a:effectRef idx="1">
+            <a:schemeClr val="accent1"/>
+          </a:effectRef>
+          <a:fontRef idx="minor">
+            <a:schemeClr val="tx1"/>
+          </a:fontRef>
+        </p:style>
+      </p:cxnSp>
+      <p:cxnSp>
+        <p:nvCxnSpPr>
+          <p:cNvPr id="7" name="Straight Arrow Connector 6"/>
+          <p:cNvCxnSpPr/>
+          <p:nvPr/>
+        </p:nvCxnSpPr>
+        <p:spPr>
+          <a:xfrm flipH="1" flipV="1">
+            <a:off x="7844805" y="2205193"/>
+            <a:ext cx="945168" cy="2726957"/>
+          </a:xfrm>
+          <a:prstGeom prst="straightConnector1">
+            <a:avLst/>
+          </a:prstGeom>
+          <a:ln w="152400">
+            <a:solidFill>
+              <a:schemeClr val="accent6">
+                <a:lumMod val="50000"/>
+              </a:schemeClr>
+            </a:solidFill>
+            <a:tailEnd type="none"/>
+          </a:ln>
+        </p:spPr>
+        <p:style>
+          <a:lnRef idx="2">
+            <a:schemeClr val="accent1"/>
+          </a:lnRef>
+          <a:fillRef idx="0">
+            <a:schemeClr val="accent1"/>
+          </a:fillRef>
+          <a:effectRef idx="1">
+            <a:schemeClr val="accent1"/>
+          </a:effectRef>
+          <a:fontRef idx="minor">
+            <a:schemeClr val="tx1"/>
+          </a:fontRef>
+        </p:style>
+      </p:cxnSp>
+      <p:cxnSp>
+        <p:nvCxnSpPr>
+          <p:cNvPr id="9" name="Straight Arrow Connector 8"/>
+          <p:cNvCxnSpPr/>
+          <p:nvPr/>
+        </p:nvCxnSpPr>
+        <p:spPr>
+          <a:xfrm flipV="1">
+            <a:off x="8789973" y="1600202"/>
+            <a:ext cx="994394" cy="2357330"/>
+          </a:xfrm>
+          <a:prstGeom prst="straightConnector1">
+            <a:avLst/>
+          </a:prstGeom>
+          <a:ln w="152400">
+            <a:solidFill>
+              <a:schemeClr val="accent6">
+                <a:lumMod val="50000"/>
+              </a:schemeClr>
+            </a:solidFill>
+            <a:tailEnd type="none"/>
+          </a:ln>
+        </p:spPr>
+        <p:style>
+          <a:lnRef idx="2">
+            <a:schemeClr val="accent1"/>
+          </a:lnRef>
+          <a:fillRef idx="0">
+            <a:schemeClr val="accent1"/>
+          </a:fillRef>
+          <a:effectRef idx="1">
+            <a:schemeClr val="accent1"/>
+          </a:effectRef>
+          <a:fontRef idx="minor">
+            <a:schemeClr val="tx1"/>
+          </a:fontRef>
+        </p:style>
+      </p:cxnSp>
+      <p:cxnSp>
+        <p:nvCxnSpPr>
+          <p:cNvPr id="12" name="Straight Arrow Connector 11"/>
+          <p:cNvCxnSpPr/>
+          <p:nvPr/>
+        </p:nvCxnSpPr>
+        <p:spPr>
+          <a:xfrm flipH="1" flipV="1">
+            <a:off x="9173948" y="1417638"/>
+            <a:ext cx="137836" cy="1329008"/>
+          </a:xfrm>
+          <a:prstGeom prst="straightConnector1">
+            <a:avLst/>
+          </a:prstGeom>
+          <a:ln w="152400">
+            <a:solidFill>
+              <a:schemeClr val="accent6">
+                <a:lumMod val="50000"/>
+              </a:schemeClr>
+            </a:solidFill>
+            <a:tailEnd type="none"/>
+          </a:ln>
+        </p:spPr>
+        <p:style>
+          <a:lnRef idx="2">
+            <a:schemeClr val="accent1"/>
+          </a:lnRef>
+          <a:fillRef idx="0">
+            <a:schemeClr val="accent1"/>
+          </a:fillRef>
+          <a:effectRef idx="1">
+            <a:schemeClr val="accent1"/>
+          </a:effectRef>
+          <a:fontRef idx="minor">
+            <a:schemeClr val="tx1"/>
+          </a:fontRef>
+        </p:style>
+      </p:cxnSp>
+      <p:sp>
+        <p:nvSpPr>
+          <p:cNvPr id="16" name="Multiply 15"/>
+          <p:cNvSpPr/>
+          <p:nvPr/>
+        </p:nvSpPr>
+        <p:spPr>
+          <a:xfrm>
+            <a:off x="8327235" y="3957532"/>
+            <a:ext cx="462739" cy="521764"/>
+          </a:xfrm>
+          <a:prstGeom prst="mathMultiply">
+            <a:avLst/>
+          </a:prstGeom>
+        </p:spPr>
+        <p:style>
+          <a:lnRef idx="1">
+            <a:schemeClr val="accent1"/>
+          </a:lnRef>
+          <a:fillRef idx="3">
+            <a:schemeClr val="accent1"/>
+          </a:fillRef>
+          <a:effectRef idx="2">
+            <a:schemeClr val="accent1"/>
+          </a:effectRef>
+          <a:fontRef idx="minor">
+            <a:schemeClr val="lt1"/>
+          </a:fontRef>
+        </p:style>
+        <p:txBody>
+          <a:bodyPr rtlCol="0" anchor="ctr"/>
+          <a:lstStyle/>
+          <a:p>
+            <a:pPr algn="ctr"/>
+            <a:endParaRPr lang="en-US"/>
+          </a:p>
+        </p:txBody>
+      </p:sp>
+      <p:sp>
+        <p:nvSpPr>
+          <p:cNvPr id="17" name="Multiply 16"/>
+          <p:cNvSpPr/>
+          <p:nvPr/>
+        </p:nvSpPr>
+        <p:spPr>
+          <a:xfrm>
+            <a:off x="8558604" y="2908890"/>
+            <a:ext cx="462739" cy="521764"/>
+          </a:xfrm>
+          <a:prstGeom prst="mathMultiply">
+            <a:avLst/>
+          </a:prstGeom>
+        </p:spPr>
+        <p:style>
+          <a:lnRef idx="1">
+            <a:schemeClr val="accent1"/>
+          </a:lnRef>
+          <a:fillRef idx="3">
+            <a:schemeClr val="accent1"/>
+          </a:fillRef>
+          <a:effectRef idx="2">
+            <a:schemeClr val="accent1"/>
+          </a:effectRef>
+          <a:fontRef idx="minor">
+            <a:schemeClr val="lt1"/>
+          </a:fontRef>
+        </p:style>
+        <p:txBody>
+          <a:bodyPr rtlCol="0" anchor="ctr"/>
+          <a:lstStyle/>
+          <a:p>
+            <a:pPr algn="ctr"/>
+            <a:endParaRPr lang="en-US"/>
+          </a:p>
+        </p:txBody>
+      </p:sp>
+    </p:spTree>
+    <p:extLst>
+      <p:ext uri="{BB962C8B-B14F-4D97-AF65-F5344CB8AC3E}">
+        <p14:creationId xmlns:p14="http://schemas.microsoft.com/office/powerpoint/2010/main" val="425491626"/>
+      </p:ext>
+    </p:extLst>
+  </p:cSld>
+  <p:clrMapOvr>
+    <a:masterClrMapping/>
+  </p:clrMapOvr>
+</p:sld>
+</file>
+
+<file path=ppt/slides/slide11.xml><?xml version="1.0" encoding="utf-8"?>
+<p:sld xmlns:a="http://schemas.openxmlformats.org/drawingml/2006/main" xmlns:r="http://schemas.openxmlformats.org/officeDocument/2006/relationships" xmlns:p="http://schemas.openxmlformats.org/presentationml/2006/main">
+  <p:cSld>
+    <p:spTree>
+      <p:nvGrpSpPr>
+        <p:cNvPr id="1" name=""/>
+        <p:cNvGrpSpPr/>
+        <p:nvPr/>
+      </p:nvGrpSpPr>
+      <p:grpSpPr>
+        <a:xfrm>
+          <a:off x="0" y="0"/>
+          <a:ext cx="0" cy="0"/>
+          <a:chOff x="0" y="0"/>
+          <a:chExt cx="0" cy="0"/>
+        </a:xfrm>
+      </p:grpSpPr>
+      <p:sp>
+        <p:nvSpPr>
+          <p:cNvPr id="3" name="Content Placeholder 2"/>
+          <p:cNvSpPr>
+            <a:spLocks noGrp="1"/>
+          </p:cNvSpPr>
+          <p:nvPr>
+            <p:ph idx="1"/>
+          </p:nvPr>
+        </p:nvSpPr>
+        <p:spPr>
+          <a:xfrm>
+            <a:off x="1981200" y="1600201"/>
+            <a:ext cx="4114800" cy="4525963"/>
+          </a:xfrm>
+        </p:spPr>
+        <p:txBody>
+          <a:bodyPr>
+            <a:normAutofit/>
+          </a:bodyPr>
+          <a:lstStyle/>
+          <a:p>
+            <a:pPr marL="0" indent="0">
+              <a:buNone/>
+            </a:pPr>
+            <a:r>
+              <a:rPr lang="en-US" sz="2000" dirty="0"/>
+              <a:t>Logic tree</a:t>
+            </a:r>
+          </a:p>
+          <a:p>
+            <a:pPr marL="0" indent="0">
+              <a:buNone/>
+            </a:pPr>
+            <a:r>
+              <a:rPr lang="en-US" sz="2000" dirty="0"/>
+              <a:t>	derived from Francis Bacon</a:t>
+            </a:r>
+          </a:p>
+          <a:p>
+            <a:pPr marL="0" indent="0">
+              <a:buNone/>
+            </a:pPr>
+            <a:endParaRPr lang="en-US" sz="2000" dirty="0"/>
+          </a:p>
+          <a:p>
+            <a:pPr marL="0" indent="0">
+              <a:buNone/>
+            </a:pPr>
+            <a:r>
+              <a:rPr lang="en-US" sz="2000" dirty="0"/>
+              <a:t>Experiment at each branch</a:t>
+            </a:r>
+          </a:p>
+          <a:p>
+            <a:pPr marL="0" indent="0">
+              <a:buNone/>
+            </a:pPr>
+            <a:r>
+              <a:rPr lang="en-US" sz="2000" dirty="0"/>
+              <a:t>	Are experiments necessary?</a:t>
+            </a:r>
+          </a:p>
+          <a:p>
+            <a:pPr marL="0" indent="0">
+              <a:buNone/>
+            </a:pPr>
+            <a:endParaRPr lang="en-US" sz="2000" dirty="0"/>
+          </a:p>
+          <a:p>
+            <a:pPr marL="0" indent="0">
+              <a:buNone/>
+            </a:pPr>
+            <a:r>
+              <a:rPr lang="en-US" sz="2000" dirty="0"/>
+              <a:t>Increases the rate of progress</a:t>
+            </a:r>
+          </a:p>
+          <a:p>
+            <a:pPr marL="0" indent="0">
+              <a:buNone/>
+            </a:pPr>
+            <a:r>
+              <a:rPr lang="en-US" sz="2000" dirty="0"/>
+              <a:t>	Does this lead to “good science?</a:t>
+            </a:r>
+            <a:r>
+              <a:rPr lang="en-US" dirty="0"/>
+              <a:t>”</a:t>
+            </a:r>
+          </a:p>
+        </p:txBody>
+      </p:sp>
+      <p:grpSp>
+        <p:nvGrpSpPr>
+          <p:cNvPr id="26" name="Group 25"/>
+          <p:cNvGrpSpPr/>
+          <p:nvPr/>
+        </p:nvGrpSpPr>
+        <p:grpSpPr>
+          <a:xfrm>
+            <a:off x="7844805" y="1417639"/>
+            <a:ext cx="1939562" cy="4823843"/>
+            <a:chOff x="6320805" y="1417638"/>
+            <a:chExt cx="1939562" cy="4823843"/>
+          </a:xfrm>
+        </p:grpSpPr>
+        <p:cxnSp>
+          <p:nvCxnSpPr>
+            <p:cNvPr id="5" name="Straight Arrow Connector 4"/>
+            <p:cNvCxnSpPr/>
+            <p:nvPr/>
+          </p:nvCxnSpPr>
+          <p:spPr>
+            <a:xfrm flipH="1" flipV="1">
+              <a:off x="7265973" y="1811408"/>
+              <a:ext cx="29536" cy="4430073"/>
+            </a:xfrm>
+            <a:prstGeom prst="straightConnector1">
+              <a:avLst/>
+            </a:prstGeom>
+            <a:ln w="152400">
+              <a:solidFill>
+                <a:schemeClr val="accent6">
+                  <a:lumMod val="50000"/>
+                </a:schemeClr>
+              </a:solidFill>
+              <a:tailEnd type="none"/>
+            </a:ln>
+          </p:spPr>
+          <p:style>
+            <a:lnRef idx="2">
+              <a:schemeClr val="accent1"/>
+            </a:lnRef>
+            <a:fillRef idx="0">
+              <a:schemeClr val="accent1"/>
+            </a:fillRef>
+            <a:effectRef idx="1">
+              <a:schemeClr val="accent1"/>
+            </a:effectRef>
+            <a:fontRef idx="minor">
+              <a:schemeClr val="tx1"/>
+            </a:fontRef>
+          </p:style>
+        </p:cxnSp>
+        <p:cxnSp>
+          <p:nvCxnSpPr>
+            <p:cNvPr id="7" name="Straight Arrow Connector 6"/>
+            <p:cNvCxnSpPr/>
+            <p:nvPr/>
+          </p:nvCxnSpPr>
+          <p:spPr>
+            <a:xfrm flipH="1" flipV="1">
+              <a:off x="6320805" y="2205192"/>
+              <a:ext cx="945168" cy="2726957"/>
+            </a:xfrm>
+            <a:prstGeom prst="straightConnector1">
+              <a:avLst/>
+            </a:prstGeom>
+            <a:ln w="152400">
+              <a:solidFill>
+                <a:schemeClr val="accent6">
+                  <a:lumMod val="50000"/>
+                </a:schemeClr>
+              </a:solidFill>
+              <a:tailEnd type="none"/>
+            </a:ln>
+          </p:spPr>
+          <p:style>
+            <a:lnRef idx="2">
+              <a:schemeClr val="accent1"/>
+            </a:lnRef>
+            <a:fillRef idx="0">
+              <a:schemeClr val="accent1"/>
+            </a:fillRef>
+            <a:effectRef idx="1">
+              <a:schemeClr val="accent1"/>
+            </a:effectRef>
+            <a:fontRef idx="minor">
+              <a:schemeClr val="tx1"/>
+            </a:fontRef>
+          </p:style>
+        </p:cxnSp>
+        <p:cxnSp>
+          <p:nvCxnSpPr>
+            <p:cNvPr id="9" name="Straight Arrow Connector 8"/>
+            <p:cNvCxnSpPr/>
+            <p:nvPr/>
+          </p:nvCxnSpPr>
+          <p:spPr>
+            <a:xfrm flipV="1">
+              <a:off x="7265973" y="1600202"/>
+              <a:ext cx="994394" cy="2357330"/>
+            </a:xfrm>
+            <a:prstGeom prst="straightConnector1">
+              <a:avLst/>
+            </a:prstGeom>
+            <a:ln w="152400">
+              <a:solidFill>
+                <a:schemeClr val="accent6">
+                  <a:lumMod val="50000"/>
+                </a:schemeClr>
+              </a:solidFill>
+              <a:tailEnd type="none"/>
+            </a:ln>
+          </p:spPr>
+          <p:style>
+            <a:lnRef idx="2">
+              <a:schemeClr val="accent1"/>
+            </a:lnRef>
+            <a:fillRef idx="0">
+              <a:schemeClr val="accent1"/>
+            </a:fillRef>
+            <a:effectRef idx="1">
+              <a:schemeClr val="accent1"/>
+            </a:effectRef>
+            <a:fontRef idx="minor">
+              <a:schemeClr val="tx1"/>
+            </a:fontRef>
+          </p:style>
+        </p:cxnSp>
+        <p:cxnSp>
+          <p:nvCxnSpPr>
+            <p:cNvPr id="12" name="Straight Arrow Connector 11"/>
+            <p:cNvCxnSpPr/>
+            <p:nvPr/>
+          </p:nvCxnSpPr>
+          <p:spPr>
+            <a:xfrm flipH="1" flipV="1">
+              <a:off x="7649948" y="1417638"/>
+              <a:ext cx="137836" cy="1329008"/>
+            </a:xfrm>
+            <a:prstGeom prst="straightConnector1">
+              <a:avLst/>
+            </a:prstGeom>
+            <a:ln w="152400">
+              <a:solidFill>
+                <a:schemeClr val="accent6">
+                  <a:lumMod val="50000"/>
+                </a:schemeClr>
+              </a:solidFill>
+              <a:tailEnd type="none"/>
+            </a:ln>
+          </p:spPr>
+          <p:style>
+            <a:lnRef idx="2">
+              <a:schemeClr val="accent1"/>
+            </a:lnRef>
+            <a:fillRef idx="0">
+              <a:schemeClr val="accent1"/>
+            </a:fillRef>
+            <a:effectRef idx="1">
+              <a:schemeClr val="accent1"/>
+            </a:effectRef>
+            <a:fontRef idx="minor">
+              <a:schemeClr val="tx1"/>
+            </a:fontRef>
+          </p:style>
+        </p:cxnSp>
+        <p:sp>
+          <p:nvSpPr>
+            <p:cNvPr id="16" name="Multiply 15"/>
+            <p:cNvSpPr/>
+            <p:nvPr/>
+          </p:nvSpPr>
+          <p:spPr>
+            <a:xfrm>
+              <a:off x="6803234" y="3957532"/>
+              <a:ext cx="462739" cy="521764"/>
+            </a:xfrm>
+            <a:prstGeom prst="mathMultiply">
+              <a:avLst/>
+            </a:prstGeom>
+          </p:spPr>
+          <p:style>
+            <a:lnRef idx="1">
+              <a:schemeClr val="accent1"/>
+            </a:lnRef>
+            <a:fillRef idx="3">
+              <a:schemeClr val="accent1"/>
+            </a:fillRef>
+            <a:effectRef idx="2">
+              <a:schemeClr val="accent1"/>
+            </a:effectRef>
+            <a:fontRef idx="minor">
+              <a:schemeClr val="lt1"/>
+            </a:fontRef>
+          </p:style>
+          <p:txBody>
+            <a:bodyPr rtlCol="0" anchor="ctr"/>
+            <a:lstStyle/>
+            <a:p>
+              <a:pPr algn="ctr"/>
+              <a:endParaRPr lang="en-US"/>
+            </a:p>
+          </p:txBody>
+        </p:sp>
+        <p:sp>
+          <p:nvSpPr>
+            <p:cNvPr id="17" name="Multiply 16"/>
+            <p:cNvSpPr/>
+            <p:nvPr/>
+          </p:nvSpPr>
+          <p:spPr>
+            <a:xfrm>
+              <a:off x="7034603" y="2908890"/>
+              <a:ext cx="462739" cy="521764"/>
+            </a:xfrm>
+            <a:prstGeom prst="mathMultiply">
+              <a:avLst/>
+            </a:prstGeom>
+          </p:spPr>
+          <p:style>
+            <a:lnRef idx="1">
+              <a:schemeClr val="accent1"/>
+            </a:lnRef>
+            <a:fillRef idx="3">
+              <a:schemeClr val="accent1"/>
+            </a:fillRef>
+            <a:effectRef idx="2">
+              <a:schemeClr val="accent1"/>
+            </a:effectRef>
+            <a:fontRef idx="minor">
+              <a:schemeClr val="lt1"/>
+            </a:fontRef>
+          </p:style>
+          <p:txBody>
+            <a:bodyPr rtlCol="0" anchor="ctr"/>
+            <a:lstStyle/>
+            <a:p>
+              <a:pPr algn="ctr"/>
+              <a:endParaRPr lang="en-US"/>
+            </a:p>
+          </p:txBody>
+        </p:sp>
+        <p:sp>
+          <p:nvSpPr>
+            <p:cNvPr id="18" name="Multiply 17"/>
+            <p:cNvSpPr/>
+            <p:nvPr/>
+          </p:nvSpPr>
+          <p:spPr>
+            <a:xfrm>
+              <a:off x="7797628" y="1845672"/>
+              <a:ext cx="462739" cy="521764"/>
+            </a:xfrm>
+            <a:prstGeom prst="mathMultiply">
+              <a:avLst/>
+            </a:prstGeom>
+          </p:spPr>
+          <p:style>
+            <a:lnRef idx="1">
+              <a:schemeClr val="accent1"/>
+            </a:lnRef>
+            <a:fillRef idx="3">
+              <a:schemeClr val="accent1"/>
+            </a:fillRef>
+            <a:effectRef idx="2">
+              <a:schemeClr val="accent1"/>
+            </a:effectRef>
+            <a:fontRef idx="minor">
+              <a:schemeClr val="lt1"/>
+            </a:fontRef>
+          </p:style>
+          <p:txBody>
+            <a:bodyPr rtlCol="0" anchor="ctr"/>
+            <a:lstStyle/>
+            <a:p>
+              <a:pPr algn="ctr"/>
+              <a:endParaRPr lang="en-US"/>
+            </a:p>
+          </p:txBody>
+        </p:sp>
+      </p:grpSp>
+    </p:spTree>
+    <p:extLst>
+      <p:ext uri="{BB962C8B-B14F-4D97-AF65-F5344CB8AC3E}">
+        <p14:creationId xmlns:p14="http://schemas.microsoft.com/office/powerpoint/2010/main" val="1694548936"/>
+      </p:ext>
+    </p:extLst>
+  </p:cSld>
+  <p:clrMapOvr>
+    <a:masterClrMapping/>
+  </p:clrMapOvr>
+</p:sld>
+</file>
+
+<file path=ppt/slides/slide12.xml><?xml version="1.0" encoding="utf-8"?>
+<p:sld xmlns:a="http://schemas.openxmlformats.org/drawingml/2006/main" xmlns:r="http://schemas.openxmlformats.org/officeDocument/2006/relationships" xmlns:p="http://schemas.openxmlformats.org/presentationml/2006/main">
+  <p:cSld>
+    <p:spTree>
+      <p:nvGrpSpPr>
+        <p:cNvPr id="1" name=""/>
+        <p:cNvGrpSpPr/>
+        <p:nvPr/>
+      </p:nvGrpSpPr>
+      <p:grpSpPr>
+        <a:xfrm>
+          <a:off x="0" y="0"/>
+          <a:ext cx="0" cy="0"/>
+          <a:chOff x="0" y="0"/>
+          <a:chExt cx="0" cy="0"/>
+        </a:xfrm>
+      </p:grpSpPr>
+      <p:sp>
+        <p:nvSpPr>
+          <p:cNvPr id="3" name="Content Placeholder 2"/>
+          <p:cNvSpPr>
+            <a:spLocks noGrp="1"/>
+          </p:cNvSpPr>
+          <p:nvPr>
+            <p:ph idx="1"/>
+          </p:nvPr>
+        </p:nvSpPr>
+        <p:spPr/>
+        <p:txBody>
+          <a:bodyPr/>
+          <a:lstStyle/>
+          <a:p>
+            <a:pPr marL="0" indent="0">
+              <a:buNone/>
+            </a:pPr>
+            <a:r>
+              <a:rPr lang="en-US" sz="2800" dirty="0"/>
+              <a:t>Multiple hypotheses – T.C. Chamberlin 1887</a:t>
+            </a:r>
+          </a:p>
+          <a:p>
+            <a:pPr marL="0" indent="0">
+              <a:buNone/>
+            </a:pPr>
+            <a:endParaRPr lang="en-US" sz="2800" dirty="0"/>
+          </a:p>
+          <a:p>
+            <a:pPr marL="0" indent="0">
+              <a:buNone/>
+            </a:pPr>
+            <a:r>
+              <a:rPr lang="en-US" sz="2000" dirty="0"/>
+              <a:t>Suggested multiple working hypotheses to keep scientists detached</a:t>
+            </a:r>
+          </a:p>
+          <a:p>
+            <a:pPr marL="0" indent="0">
+              <a:buNone/>
+            </a:pPr>
+            <a:r>
+              <a:rPr lang="en-US" sz="2000" dirty="0"/>
+              <a:t>	Otherwise, all new evidence will be used to prop up a </a:t>
+            </a:r>
+            <a:r>
+              <a:rPr lang="en-US" sz="2000" dirty="0" err="1"/>
+              <a:t>favourite</a:t>
+            </a:r>
+            <a:r>
+              <a:rPr lang="en-US" sz="2000" dirty="0"/>
+              <a:t> theory</a:t>
+            </a:r>
+          </a:p>
+          <a:p>
+            <a:pPr marL="0" indent="0">
+              <a:buNone/>
+            </a:pPr>
+            <a:endParaRPr lang="en-US" sz="2000" dirty="0"/>
+          </a:p>
+          <a:p>
+            <a:pPr marL="0" indent="0">
+              <a:buNone/>
+            </a:pPr>
+            <a:r>
+              <a:rPr lang="en-US" sz="2000" dirty="0"/>
+              <a:t>“Love was long since represented as blind, and what is true in the personal realm is measurable true in the intellectual realm”</a:t>
+            </a:r>
+          </a:p>
+          <a:p>
+            <a:pPr lvl="1"/>
+            <a:endParaRPr lang="en-US" dirty="0"/>
+          </a:p>
+        </p:txBody>
+      </p:sp>
+    </p:spTree>
+    <p:extLst>
+      <p:ext uri="{BB962C8B-B14F-4D97-AF65-F5344CB8AC3E}">
+        <p14:creationId xmlns:p14="http://schemas.microsoft.com/office/powerpoint/2010/main" val="581778966"/>
+      </p:ext>
+    </p:extLst>
+  </p:cSld>
+  <p:clrMapOvr>
+    <a:masterClrMapping/>
+  </p:clrMapOvr>
+</p:sld>
+</file>
+
+<file path=ppt/slides/slide13.xml><?xml version="1.0" encoding="utf-8"?>
+<p:sld xmlns:a="http://schemas.openxmlformats.org/drawingml/2006/main" xmlns:r="http://schemas.openxmlformats.org/officeDocument/2006/relationships" xmlns:p="http://schemas.openxmlformats.org/presentationml/2006/main">
+  <p:cSld>
+    <p:spTree>
+      <p:nvGrpSpPr>
+        <p:cNvPr id="1" name=""/>
+        <p:cNvGrpSpPr/>
+        <p:nvPr/>
+      </p:nvGrpSpPr>
+      <p:grpSpPr>
+        <a:xfrm>
+          <a:off x="0" y="0"/>
+          <a:ext cx="0" cy="0"/>
+          <a:chOff x="0" y="0"/>
+          <a:chExt cx="0" cy="0"/>
+        </a:xfrm>
+      </p:grpSpPr>
+      <p:sp>
+        <p:nvSpPr>
+          <p:cNvPr id="3" name="Content Placeholder 2"/>
+          <p:cNvSpPr>
+            <a:spLocks noGrp="1"/>
+          </p:cNvSpPr>
+          <p:nvPr>
+            <p:ph idx="1"/>
+          </p:nvPr>
+        </p:nvSpPr>
+        <p:spPr/>
+        <p:txBody>
+          <a:bodyPr>
+            <a:normAutofit fontScale="85000" lnSpcReduction="20000"/>
+          </a:bodyPr>
+          <a:lstStyle/>
+          <a:p>
+            <a:pPr marL="0" indent="0">
+              <a:buNone/>
+            </a:pPr>
+            <a:r>
+              <a:rPr lang="en-US" sz="2800" dirty="0"/>
+              <a:t>Family of working hypotheses</a:t>
+            </a:r>
+          </a:p>
+          <a:p>
+            <a:pPr marL="0" indent="0">
+              <a:buNone/>
+            </a:pPr>
+            <a:r>
+              <a:rPr lang="en-US" sz="2000" dirty="0"/>
+              <a:t>	</a:t>
+            </a:r>
+          </a:p>
+          <a:p>
+            <a:pPr marL="0" indent="0">
+              <a:buNone/>
+            </a:pPr>
+            <a:r>
+              <a:rPr lang="en-US" sz="2000" dirty="0"/>
+              <a:t>	Investigator is the parent of these hypotheses</a:t>
+            </a:r>
+          </a:p>
+          <a:p>
+            <a:pPr marL="0" indent="0">
+              <a:buNone/>
+            </a:pPr>
+            <a:r>
+              <a:rPr lang="en-US" sz="2000" dirty="0"/>
+              <a:t>	Not allowed to have a </a:t>
+            </a:r>
+            <a:r>
+              <a:rPr lang="en-US" sz="2000" dirty="0" err="1"/>
+              <a:t>favourite</a:t>
+            </a:r>
+            <a:endParaRPr lang="en-US" sz="2000" dirty="0"/>
+          </a:p>
+          <a:p>
+            <a:pPr marL="0" indent="0">
+              <a:buNone/>
+            </a:pPr>
+            <a:endParaRPr lang="en-US" sz="2000" dirty="0"/>
+          </a:p>
+          <a:p>
+            <a:pPr marL="0" indent="0">
+              <a:buNone/>
+            </a:pPr>
+            <a:r>
+              <a:rPr lang="en-US" sz="2000" dirty="0"/>
+              <a:t>“…knowing full well that some of his [/her] intellectual children will die before maturity, yet feeling that several of them may survive…”</a:t>
+            </a:r>
+          </a:p>
+          <a:p>
+            <a:pPr marL="0" indent="0">
+              <a:buNone/>
+            </a:pPr>
+            <a:endParaRPr lang="en-US" sz="2000" dirty="0"/>
+          </a:p>
+          <a:p>
+            <a:pPr marL="0" indent="0">
+              <a:buNone/>
+            </a:pPr>
+            <a:r>
+              <a:rPr lang="en-US" sz="2000" dirty="0"/>
+              <a:t>	May lead to a more complex understanding of the phenomenon, if 	multiple hypotheses contribute</a:t>
+            </a:r>
+          </a:p>
+          <a:p>
+            <a:pPr marL="0" indent="0">
+              <a:buNone/>
+            </a:pPr>
+            <a:r>
+              <a:rPr lang="en-US" sz="2000" dirty="0"/>
+              <a:t>	Promotes thoroughness </a:t>
+            </a:r>
+          </a:p>
+        </p:txBody>
+      </p:sp>
+    </p:spTree>
+    <p:extLst>
+      <p:ext uri="{BB962C8B-B14F-4D97-AF65-F5344CB8AC3E}">
+        <p14:creationId xmlns:p14="http://schemas.microsoft.com/office/powerpoint/2010/main" val="3854514611"/>
+      </p:ext>
+    </p:extLst>
+  </p:cSld>
+  <p:clrMapOvr>
+    <a:masterClrMapping/>
+  </p:clrMapOvr>
+</p:sld>
+</file>
+
+<file path=ppt/slides/slide14.xml><?xml version="1.0" encoding="utf-8"?>
+<p:sld xmlns:a="http://schemas.openxmlformats.org/drawingml/2006/main" xmlns:r="http://schemas.openxmlformats.org/officeDocument/2006/relationships" xmlns:p="http://schemas.openxmlformats.org/presentationml/2006/main">
+  <p:cSld>
+    <p:spTree>
+      <p:nvGrpSpPr>
+        <p:cNvPr id="1" name=""/>
+        <p:cNvGrpSpPr/>
+        <p:nvPr/>
+      </p:nvGrpSpPr>
+      <p:grpSpPr>
+        <a:xfrm>
+          <a:off x="0" y="0"/>
+          <a:ext cx="0" cy="0"/>
+          <a:chOff x="0" y="0"/>
+          <a:chExt cx="0" cy="0"/>
+        </a:xfrm>
+      </p:grpSpPr>
+      <p:sp>
+        <p:nvSpPr>
+          <p:cNvPr id="3" name="Content Placeholder 2"/>
+          <p:cNvSpPr>
+            <a:spLocks noGrp="1"/>
+          </p:cNvSpPr>
+          <p:nvPr>
+            <p:ph idx="1"/>
+          </p:nvPr>
+        </p:nvSpPr>
+        <p:spPr/>
+        <p:txBody>
+          <a:bodyPr>
+            <a:normAutofit fontScale="77500" lnSpcReduction="20000"/>
+          </a:bodyPr>
+          <a:lstStyle/>
+          <a:p>
+            <a:pPr marL="0" indent="0">
+              <a:buNone/>
+            </a:pPr>
+            <a:r>
+              <a:rPr lang="en-US" sz="2800" dirty="0"/>
+              <a:t>Multiple hypotheses in Ecology and Evolution – Quinn and Dunham 1982</a:t>
+            </a:r>
+          </a:p>
+          <a:p>
+            <a:pPr marL="0" indent="0">
+              <a:buNone/>
+            </a:pPr>
+            <a:endParaRPr lang="en-US" sz="2800" dirty="0"/>
+          </a:p>
+          <a:p>
+            <a:pPr marL="0" indent="0">
+              <a:buNone/>
+            </a:pPr>
+            <a:r>
+              <a:rPr lang="en-US" sz="2000" dirty="0"/>
+              <a:t>The simplicity of Strong Inference doesn’t account for the complex problems in Ecology/Evolution [Biology?!]</a:t>
+            </a:r>
+          </a:p>
+          <a:p>
+            <a:pPr marL="0" indent="0">
+              <a:buNone/>
+            </a:pPr>
+            <a:r>
+              <a:rPr lang="en-US" sz="2000" dirty="0"/>
+              <a:t>	Often have multiple competing factors</a:t>
+            </a:r>
+          </a:p>
+          <a:p>
+            <a:pPr marL="0" indent="0">
+              <a:buNone/>
+            </a:pPr>
+            <a:r>
+              <a:rPr lang="en-US" sz="2000" dirty="0"/>
+              <a:t>	Not mutually exclusive</a:t>
+            </a:r>
+          </a:p>
+          <a:p>
+            <a:pPr marL="0" indent="0">
+              <a:buNone/>
+            </a:pPr>
+            <a:r>
+              <a:rPr lang="en-US" sz="2000" dirty="0"/>
+              <a:t>	Rather estimate proportional impacts</a:t>
+            </a:r>
+          </a:p>
+          <a:p>
+            <a:pPr marL="0" indent="0">
+              <a:buNone/>
+            </a:pPr>
+            <a:r>
+              <a:rPr lang="en-US" sz="2000" dirty="0"/>
+              <a:t>	Variables are difficult to falsify, they may just be less important</a:t>
+            </a:r>
+          </a:p>
+          <a:p>
+            <a:pPr marL="0" indent="0">
+              <a:buNone/>
+            </a:pPr>
+            <a:endParaRPr lang="en-US" sz="2000" dirty="0"/>
+          </a:p>
+          <a:p>
+            <a:pPr marL="0" indent="0">
+              <a:buNone/>
+            </a:pPr>
+            <a:r>
+              <a:rPr lang="en-US" sz="2000" dirty="0"/>
+              <a:t>Likely, no single variable will account for all of the variation seen in natural communities</a:t>
+            </a:r>
+          </a:p>
+        </p:txBody>
+      </p:sp>
+    </p:spTree>
+    <p:extLst>
+      <p:ext uri="{BB962C8B-B14F-4D97-AF65-F5344CB8AC3E}">
+        <p14:creationId xmlns:p14="http://schemas.microsoft.com/office/powerpoint/2010/main" val="1069916495"/>
+      </p:ext>
+    </p:extLst>
+  </p:cSld>
+  <p:clrMapOvr>
+    <a:masterClrMapping/>
+  </p:clrMapOvr>
+</p:sld>
+</file>
+
+<file path=ppt/slides/slide15.xml><?xml version="1.0" encoding="utf-8"?>
+<p:sld xmlns:a="http://schemas.openxmlformats.org/drawingml/2006/main" xmlns:r="http://schemas.openxmlformats.org/officeDocument/2006/relationships" xmlns:p="http://schemas.openxmlformats.org/presentationml/2006/main">
+  <p:cSld>
+    <p:spTree>
+      <p:nvGrpSpPr>
+        <p:cNvPr id="1" name=""/>
+        <p:cNvGrpSpPr/>
+        <p:nvPr/>
+      </p:nvGrpSpPr>
+      <p:grpSpPr>
+        <a:xfrm>
+          <a:off x="0" y="0"/>
+          <a:ext cx="0" cy="0"/>
+          <a:chOff x="0" y="0"/>
+          <a:chExt cx="0" cy="0"/>
+        </a:xfrm>
+      </p:grpSpPr>
+      <p:sp>
+        <p:nvSpPr>
+          <p:cNvPr id="2" name="Title 1">
+            <a:extLst>
+              <a:ext uri="{FF2B5EF4-FFF2-40B4-BE49-F238E27FC236}">
+                <a16:creationId xmlns:a16="http://schemas.microsoft.com/office/drawing/2014/main" id="{074B6434-B976-E46D-42F8-E21C2C7C1248}"/>
+              </a:ext>
+            </a:extLst>
+          </p:cNvPr>
+          <p:cNvSpPr>
+            <a:spLocks noGrp="1"/>
+          </p:cNvSpPr>
+          <p:nvPr>
+            <p:ph type="title"/>
+          </p:nvPr>
+        </p:nvSpPr>
+        <p:spPr/>
+        <p:txBody>
+          <a:bodyPr/>
+          <a:lstStyle/>
+          <a:p>
+            <a:r>
+              <a:rPr lang="en-US" dirty="0"/>
+              <a:t>COFFEE</a:t>
+            </a:r>
+          </a:p>
+        </p:txBody>
+      </p:sp>
+      <p:sp>
+        <p:nvSpPr>
+          <p:cNvPr id="3" name="Text Placeholder 2">
+            <a:extLst>
+              <a:ext uri="{FF2B5EF4-FFF2-40B4-BE49-F238E27FC236}">
+                <a16:creationId xmlns:a16="http://schemas.microsoft.com/office/drawing/2014/main" id="{AEE8568E-3389-46CC-43C7-658C69E4FB1C}"/>
+              </a:ext>
+            </a:extLst>
+          </p:cNvPr>
+          <p:cNvSpPr>
+            <a:spLocks noGrp="1"/>
+          </p:cNvSpPr>
+          <p:nvPr>
+            <p:ph type="body" idx="1"/>
+          </p:nvPr>
+        </p:nvSpPr>
+        <p:spPr/>
+        <p:txBody>
+          <a:bodyPr/>
+          <a:lstStyle/>
+          <a:p>
+            <a:endParaRPr lang="en-US"/>
+          </a:p>
+        </p:txBody>
+      </p:sp>
+    </p:spTree>
+    <p:extLst>
+      <p:ext uri="{BB962C8B-B14F-4D97-AF65-F5344CB8AC3E}">
+        <p14:creationId xmlns:p14="http://schemas.microsoft.com/office/powerpoint/2010/main" val="647331968"/>
+      </p:ext>
+    </p:extLst>
+  </p:cSld>
+  <p:clrMapOvr>
+    <a:masterClrMapping/>
+  </p:clrMapOvr>
+</p:sld>
+</file>
+
+<file path=ppt/slides/slide16.xml><?xml version="1.0" encoding="utf-8"?>
+<p:sld xmlns:a="http://schemas.openxmlformats.org/drawingml/2006/main" xmlns:r="http://schemas.openxmlformats.org/officeDocument/2006/relationships" xmlns:p="http://schemas.openxmlformats.org/presentationml/2006/main">
+  <p:cSld>
+    <p:spTree>
+      <p:nvGrpSpPr>
+        <p:cNvPr id="1" name="">
+          <a:extLst>
+            <a:ext uri="{FF2B5EF4-FFF2-40B4-BE49-F238E27FC236}">
+              <a16:creationId xmlns:a16="http://schemas.microsoft.com/office/drawing/2014/main" id="{4D39E965-B40B-4D9B-8693-5BA258ECA8E6}"/>
+            </a:ext>
+          </a:extLst>
+        </p:cNvPr>
+        <p:cNvGrpSpPr/>
+        <p:nvPr/>
+      </p:nvGrpSpPr>
+      <p:grpSpPr>
+        <a:xfrm>
+          <a:off x="0" y="0"/>
+          <a:ext cx="0" cy="0"/>
+          <a:chOff x="0" y="0"/>
+          <a:chExt cx="0" cy="0"/>
+        </a:xfrm>
+      </p:grpSpPr>
+      <p:sp>
+        <p:nvSpPr>
+          <p:cNvPr id="2" name="Title 1">
+            <a:extLst>
+              <a:ext uri="{FF2B5EF4-FFF2-40B4-BE49-F238E27FC236}">
+                <a16:creationId xmlns:a16="http://schemas.microsoft.com/office/drawing/2014/main" id="{2B2E98D8-1F80-2FF5-18A6-73E7B32A23D9}"/>
+              </a:ext>
+            </a:extLst>
+          </p:cNvPr>
+          <p:cNvSpPr>
+            <a:spLocks noGrp="1"/>
+          </p:cNvSpPr>
+          <p:nvPr>
+            <p:ph type="title"/>
+          </p:nvPr>
+        </p:nvSpPr>
+        <p:spPr/>
+        <p:txBody>
+          <a:bodyPr/>
+          <a:lstStyle/>
+          <a:p>
+            <a:r>
+              <a:rPr lang="en-US" dirty="0"/>
+              <a:t>Just because we can do it, should we?</a:t>
+            </a:r>
+          </a:p>
+        </p:txBody>
+      </p:sp>
+      <p:sp>
+        <p:nvSpPr>
+          <p:cNvPr id="3" name="Text Placeholder 2">
+            <a:extLst>
+              <a:ext uri="{FF2B5EF4-FFF2-40B4-BE49-F238E27FC236}">
+                <a16:creationId xmlns:a16="http://schemas.microsoft.com/office/drawing/2014/main" id="{107981F5-4215-1220-EC1B-1EE6DF56B1B5}"/>
+              </a:ext>
+            </a:extLst>
+          </p:cNvPr>
+          <p:cNvSpPr>
+            <a:spLocks noGrp="1"/>
+          </p:cNvSpPr>
+          <p:nvPr>
+            <p:ph type="body" idx="1"/>
+          </p:nvPr>
+        </p:nvSpPr>
+        <p:spPr/>
+        <p:txBody>
+          <a:bodyPr/>
+          <a:lstStyle/>
+          <a:p>
+            <a:r>
+              <a:rPr lang="en-US" dirty="0"/>
+              <a:t>When should we include all the parameters vs only those of specific interest?</a:t>
+            </a:r>
+          </a:p>
+        </p:txBody>
+      </p:sp>
+    </p:spTree>
+    <p:extLst>
+      <p:ext uri="{BB962C8B-B14F-4D97-AF65-F5344CB8AC3E}">
+        <p14:creationId xmlns:p14="http://schemas.microsoft.com/office/powerpoint/2010/main" val="3764744005"/>
+      </p:ext>
+    </p:extLst>
+  </p:cSld>
+  <p:clrMapOvr>
+    <a:masterClrMapping/>
+  </p:clrMapOvr>
+</p:sld>
+</file>
+
+<file path=ppt/slides/slide17.xml><?xml version="1.0" encoding="utf-8"?>
+<p:sld xmlns:a="http://schemas.openxmlformats.org/drawingml/2006/main" xmlns:r="http://schemas.openxmlformats.org/officeDocument/2006/relationships" xmlns:p="http://schemas.openxmlformats.org/presentationml/2006/main">
+  <p:cSld>
+    <p:spTree>
+      <p:nvGrpSpPr>
+        <p:cNvPr id="1" name=""/>
+        <p:cNvGrpSpPr/>
+        <p:nvPr/>
+      </p:nvGrpSpPr>
+      <p:grpSpPr>
+        <a:xfrm>
+          <a:off x="0" y="0"/>
+          <a:ext cx="0" cy="0"/>
+          <a:chOff x="0" y="0"/>
+          <a:chExt cx="0" cy="0"/>
+        </a:xfrm>
+      </p:grpSpPr>
+      <p:sp>
+        <p:nvSpPr>
+          <p:cNvPr id="2" name="Title 1">
+            <a:extLst>
+              <a:ext uri="{FF2B5EF4-FFF2-40B4-BE49-F238E27FC236}">
+                <a16:creationId xmlns:a16="http://schemas.microsoft.com/office/drawing/2014/main" id="{5B8FBCE9-55CF-3C8F-A9DC-E9E63D941C59}"/>
+              </a:ext>
+            </a:extLst>
+          </p:cNvPr>
+          <p:cNvSpPr>
+            <a:spLocks noGrp="1"/>
+          </p:cNvSpPr>
+          <p:nvPr>
+            <p:ph type="title"/>
+          </p:nvPr>
+        </p:nvSpPr>
+        <p:spPr/>
+        <p:txBody>
+          <a:bodyPr/>
+          <a:lstStyle/>
+          <a:p>
+            <a:r>
+              <a:rPr lang="en-US" dirty="0"/>
+              <a:t>Just because we can do it, should we?</a:t>
+            </a:r>
+          </a:p>
+        </p:txBody>
+      </p:sp>
+      <p:sp>
+        <p:nvSpPr>
+          <p:cNvPr id="3" name="Text Placeholder 2">
+            <a:extLst>
+              <a:ext uri="{FF2B5EF4-FFF2-40B4-BE49-F238E27FC236}">
+                <a16:creationId xmlns:a16="http://schemas.microsoft.com/office/drawing/2014/main" id="{E02C7473-0768-98ED-E367-889EC61AD0F0}"/>
+              </a:ext>
+            </a:extLst>
+          </p:cNvPr>
+          <p:cNvSpPr>
+            <a:spLocks noGrp="1"/>
+          </p:cNvSpPr>
+          <p:nvPr>
+            <p:ph type="body" idx="1"/>
+          </p:nvPr>
+        </p:nvSpPr>
+        <p:spPr/>
+        <p:txBody>
+          <a:bodyPr/>
+          <a:lstStyle/>
+          <a:p>
+            <a:r>
+              <a:rPr lang="en-US" dirty="0"/>
+              <a:t>When should we include all the parameters vs only those of specific interest?</a:t>
+            </a:r>
+          </a:p>
+          <a:p>
+            <a:r>
+              <a:rPr lang="en-US" dirty="0"/>
+              <a:t>Pros and cons?</a:t>
+            </a:r>
+          </a:p>
+        </p:txBody>
+      </p:sp>
+    </p:spTree>
+    <p:extLst>
+      <p:ext uri="{BB962C8B-B14F-4D97-AF65-F5344CB8AC3E}">
+        <p14:creationId xmlns:p14="http://schemas.microsoft.com/office/powerpoint/2010/main" val="59987815"/>
+      </p:ext>
+    </p:extLst>
+  </p:cSld>
+  <p:clrMapOvr>
+    <a:masterClrMapping/>
+  </p:clrMapOvr>
+</p:sld>
+</file>
+
+<file path=ppt/slides/slide18.xml><?xml version="1.0" encoding="utf-8"?>
+<p:sld xmlns:a="http://schemas.openxmlformats.org/drawingml/2006/main" xmlns:r="http://schemas.openxmlformats.org/officeDocument/2006/relationships" xmlns:p="http://schemas.openxmlformats.org/presentationml/2006/main">
+  <p:cSld>
+    <p:spTree>
+      <p:nvGrpSpPr>
+        <p:cNvPr id="1" name="">
+          <a:extLst>
+            <a:ext uri="{FF2B5EF4-FFF2-40B4-BE49-F238E27FC236}">
+              <a16:creationId xmlns:a16="http://schemas.microsoft.com/office/drawing/2014/main" id="{74BA8B62-0B07-5486-5144-9FE0F37A3DBE}"/>
+            </a:ext>
+          </a:extLst>
+        </p:cNvPr>
+        <p:cNvGrpSpPr/>
+        <p:nvPr/>
+      </p:nvGrpSpPr>
+      <p:grpSpPr>
+        <a:xfrm>
+          <a:off x="0" y="0"/>
+          <a:ext cx="0" cy="0"/>
+          <a:chOff x="0" y="0"/>
+          <a:chExt cx="0" cy="0"/>
+        </a:xfrm>
+      </p:grpSpPr>
+      <p:sp>
+        <p:nvSpPr>
+          <p:cNvPr id="2" name="Title 1">
+            <a:extLst>
+              <a:ext uri="{FF2B5EF4-FFF2-40B4-BE49-F238E27FC236}">
+                <a16:creationId xmlns:a16="http://schemas.microsoft.com/office/drawing/2014/main" id="{0BAA1B46-AA46-D6C4-6050-585384F7205C}"/>
+              </a:ext>
+            </a:extLst>
+          </p:cNvPr>
+          <p:cNvSpPr>
+            <a:spLocks noGrp="1"/>
+          </p:cNvSpPr>
+          <p:nvPr>
+            <p:ph type="title"/>
+          </p:nvPr>
+        </p:nvSpPr>
+        <p:spPr/>
+        <p:txBody>
+          <a:bodyPr/>
+          <a:lstStyle/>
+          <a:p>
+            <a:r>
+              <a:rPr lang="en-US" dirty="0"/>
+              <a:t>Just because we can do it, should we?</a:t>
+            </a:r>
+          </a:p>
+        </p:txBody>
+      </p:sp>
+      <p:sp>
+        <p:nvSpPr>
+          <p:cNvPr id="3" name="Text Placeholder 2">
+            <a:extLst>
+              <a:ext uri="{FF2B5EF4-FFF2-40B4-BE49-F238E27FC236}">
+                <a16:creationId xmlns:a16="http://schemas.microsoft.com/office/drawing/2014/main" id="{1E6CAD5A-3D16-824E-A5A2-9D468FC31BD0}"/>
+              </a:ext>
+            </a:extLst>
+          </p:cNvPr>
+          <p:cNvSpPr>
+            <a:spLocks noGrp="1"/>
+          </p:cNvSpPr>
+          <p:nvPr>
+            <p:ph type="body" idx="1"/>
+          </p:nvPr>
+        </p:nvSpPr>
+        <p:spPr/>
+        <p:txBody>
+          <a:bodyPr/>
+          <a:lstStyle/>
+          <a:p>
+            <a:r>
+              <a:rPr lang="en-US" dirty="0"/>
+              <a:t>When should we include all the parameters vs only those of specific interest?</a:t>
+            </a:r>
+          </a:p>
+          <a:p>
+            <a:r>
+              <a:rPr lang="en-US" dirty="0"/>
+              <a:t>Pros and cons?</a:t>
+            </a:r>
+          </a:p>
+          <a:p>
+            <a:r>
+              <a:rPr lang="en-US" dirty="0"/>
+              <a:t>Hypothesis generating vs hypothesis testing?</a:t>
+            </a:r>
+          </a:p>
+        </p:txBody>
+      </p:sp>
+    </p:spTree>
+    <p:extLst>
+      <p:ext uri="{BB962C8B-B14F-4D97-AF65-F5344CB8AC3E}">
+        <p14:creationId xmlns:p14="http://schemas.microsoft.com/office/powerpoint/2010/main" val="48832925"/>
+      </p:ext>
+    </p:extLst>
+  </p:cSld>
+  <p:clrMapOvr>
+    <a:masterClrMapping/>
+  </p:clrMapOvr>
+</p:sld>
+</file>
+
+<file path=ppt/slides/slide19.xml><?xml version="1.0" encoding="utf-8"?>
+<p:sld xmlns:a="http://schemas.openxmlformats.org/drawingml/2006/main" xmlns:r="http://schemas.openxmlformats.org/officeDocument/2006/relationships" xmlns:p="http://schemas.openxmlformats.org/presentationml/2006/main">
+  <p:cSld>
+    <p:spTree>
+      <p:nvGrpSpPr>
+        <p:cNvPr id="1" name=""/>
+        <p:cNvGrpSpPr/>
+        <p:nvPr/>
+      </p:nvGrpSpPr>
+      <p:grpSpPr>
+        <a:xfrm>
+          <a:off x="0" y="0"/>
+          <a:ext cx="0" cy="0"/>
+          <a:chOff x="0" y="0"/>
+          <a:chExt cx="0" cy="0"/>
+        </a:xfrm>
+      </p:grpSpPr>
+      <p:sp>
+        <p:nvSpPr>
+          <p:cNvPr id="2" name="Title 1">
+            <a:extLst>
+              <a:ext uri="{FF2B5EF4-FFF2-40B4-BE49-F238E27FC236}">
+                <a16:creationId xmlns:a16="http://schemas.microsoft.com/office/drawing/2014/main" id="{A0A3B7C9-E0B6-7C7C-72E0-C17FAB7A48C7}"/>
+              </a:ext>
+            </a:extLst>
+          </p:cNvPr>
+          <p:cNvSpPr>
+            <a:spLocks noGrp="1"/>
+          </p:cNvSpPr>
+          <p:nvPr>
+            <p:ph type="title"/>
+          </p:nvPr>
+        </p:nvSpPr>
+        <p:spPr/>
+        <p:txBody>
+          <a:bodyPr/>
+          <a:lstStyle/>
+          <a:p>
+            <a:r>
+              <a:rPr lang="en-US" dirty="0"/>
+              <a:t>Model Selection</a:t>
+            </a:r>
+          </a:p>
+        </p:txBody>
+      </p:sp>
+      <p:sp>
+        <p:nvSpPr>
+          <p:cNvPr id="3" name="Text Placeholder 2">
+            <a:extLst>
+              <a:ext uri="{FF2B5EF4-FFF2-40B4-BE49-F238E27FC236}">
+                <a16:creationId xmlns:a16="http://schemas.microsoft.com/office/drawing/2014/main" id="{8570DC03-DDBB-9DBB-E9E3-0CA4669E6A01}"/>
+              </a:ext>
+            </a:extLst>
+          </p:cNvPr>
+          <p:cNvSpPr>
+            <a:spLocks noGrp="1"/>
+          </p:cNvSpPr>
+          <p:nvPr>
+            <p:ph type="body" idx="1"/>
+          </p:nvPr>
+        </p:nvSpPr>
+        <p:spPr/>
+        <p:txBody>
+          <a:bodyPr/>
+          <a:lstStyle/>
+          <a:p>
+            <a:r>
+              <a:rPr lang="en-US" dirty="0"/>
+              <a:t>Drop 1 based on </a:t>
+            </a:r>
+            <a:r>
+              <a:rPr lang="en-US" dirty="0" err="1"/>
+              <a:t>pvalues</a:t>
+            </a:r>
+            <a:endParaRPr lang="en-US" dirty="0"/>
+          </a:p>
+          <a:p>
+            <a:r>
+              <a:rPr lang="en-US" dirty="0"/>
+              <a:t>Likelihood ratio tests</a:t>
+            </a:r>
+          </a:p>
+          <a:p>
+            <a:r>
+              <a:rPr lang="en-US" dirty="0"/>
+              <a:t>AIC</a:t>
+            </a:r>
+          </a:p>
+          <a:p>
+            <a:r>
+              <a:rPr lang="en-US" dirty="0"/>
+              <a:t>Model Averaging</a:t>
+            </a:r>
+          </a:p>
+          <a:p>
+            <a:r>
+              <a:rPr lang="en-US" dirty="0"/>
+              <a:t>Sparse Modelling approach</a:t>
+            </a:r>
+          </a:p>
+        </p:txBody>
+      </p:sp>
+    </p:spTree>
+    <p:extLst>
+      <p:ext uri="{BB962C8B-B14F-4D97-AF65-F5344CB8AC3E}">
+        <p14:creationId xmlns:p14="http://schemas.microsoft.com/office/powerpoint/2010/main" val="108130139"/>
+      </p:ext>
+    </p:extLst>
+  </p:cSld>
+  <p:clrMapOvr>
+    <a:masterClrMapping/>
+  </p:clrMapOvr>
+</p:sld>
+</file>
+
 <file path=ppt/slides/slide2.xml><?xml version="1.0" encoding="utf-8"?>
 <p:sld xmlns:a="http://schemas.openxmlformats.org/drawingml/2006/main" xmlns:r="http://schemas.openxmlformats.org/officeDocument/2006/relationships" xmlns:p="http://schemas.openxmlformats.org/presentationml/2006/main">
   <p:cSld>
@@ -19465,6 +21595,28 @@
               <a:t>Multiple regression!</a:t>
             </a:r>
           </a:p>
+          <a:p>
+            <a:pPr marL="800100" lvl="1">
+              <a:spcBef>
+                <a:spcPts val="0"/>
+              </a:spcBef>
+            </a:pPr>
+            <a:r>
+              <a:rPr lang="en-US" dirty="0"/>
+              <a:t>Strong Inference vs Multiple competing hypotheses</a:t>
+            </a:r>
+          </a:p>
+          <a:p>
+            <a:pPr marL="800100" lvl="1">
+              <a:spcBef>
+                <a:spcPts val="0"/>
+              </a:spcBef>
+            </a:pPr>
+            <a:r>
+              <a:rPr lang="en-US" dirty="0"/>
+              <a:t>Model Selection</a:t>
+            </a:r>
+          </a:p>
         </p:txBody>
       </p:sp>
     </p:spTree>
@@ -19472,6 +21624,2209 @@
   <p:clrMapOvr>
     <a:masterClrMapping/>
   </p:clrMapOvr>
+</p:sld>
+</file>
+
+<file path=ppt/slides/slide20.xml><?xml version="1.0" encoding="utf-8"?>
+<p:sld xmlns:a="http://schemas.openxmlformats.org/drawingml/2006/main" xmlns:r="http://schemas.openxmlformats.org/officeDocument/2006/relationships" xmlns:p="http://schemas.openxmlformats.org/presentationml/2006/main">
+  <p:cSld>
+    <p:spTree>
+      <p:nvGrpSpPr>
+        <p:cNvPr id="1" name=""/>
+        <p:cNvGrpSpPr/>
+        <p:nvPr/>
+      </p:nvGrpSpPr>
+      <p:grpSpPr>
+        <a:xfrm>
+          <a:off x="0" y="0"/>
+          <a:ext cx="0" cy="0"/>
+          <a:chOff x="0" y="0"/>
+          <a:chExt cx="0" cy="0"/>
+        </a:xfrm>
+      </p:grpSpPr>
+      <p:sp>
+        <p:nvSpPr>
+          <p:cNvPr id="2" name="Title 1">
+            <a:extLst>
+              <a:ext uri="{FF2B5EF4-FFF2-40B4-BE49-F238E27FC236}">
+                <a16:creationId xmlns:a16="http://schemas.microsoft.com/office/drawing/2014/main" id="{0CB52C8F-42DC-0972-7BCF-C3037D803FF9}"/>
+              </a:ext>
+            </a:extLst>
+          </p:cNvPr>
+          <p:cNvSpPr>
+            <a:spLocks noGrp="1"/>
+          </p:cNvSpPr>
+          <p:nvPr>
+            <p:ph type="title"/>
+          </p:nvPr>
+        </p:nvSpPr>
+        <p:spPr/>
+        <p:txBody>
+          <a:bodyPr/>
+          <a:lstStyle/>
+          <a:p>
+            <a:r>
+              <a:rPr lang="en-US" dirty="0"/>
+              <a:t>Drop 1 - </a:t>
+            </a:r>
+            <a:r>
+              <a:rPr lang="en-US" dirty="0" err="1"/>
+              <a:t>pvalues</a:t>
+            </a:r>
+            <a:endParaRPr lang="en-US" dirty="0"/>
+          </a:p>
+        </p:txBody>
+      </p:sp>
+      <p:sp>
+        <p:nvSpPr>
+          <p:cNvPr id="3" name="Text Placeholder 2">
+            <a:extLst>
+              <a:ext uri="{FF2B5EF4-FFF2-40B4-BE49-F238E27FC236}">
+                <a16:creationId xmlns:a16="http://schemas.microsoft.com/office/drawing/2014/main" id="{49C91311-F49F-96F2-2325-9E255D80BD1C}"/>
+              </a:ext>
+            </a:extLst>
+          </p:cNvPr>
+          <p:cNvSpPr>
+            <a:spLocks noGrp="1"/>
+          </p:cNvSpPr>
+          <p:nvPr>
+            <p:ph type="body" idx="1"/>
+          </p:nvPr>
+        </p:nvSpPr>
+        <p:spPr/>
+        <p:txBody>
+          <a:bodyPr/>
+          <a:lstStyle/>
+          <a:p>
+            <a:r>
+              <a:rPr lang="en-US" dirty="0"/>
+              <a:t>Please don’t do this. It has been shown to be anticonservative, and you can do better!</a:t>
+            </a:r>
+          </a:p>
+        </p:txBody>
+      </p:sp>
+    </p:spTree>
+    <p:extLst>
+      <p:ext uri="{BB962C8B-B14F-4D97-AF65-F5344CB8AC3E}">
+        <p14:creationId xmlns:p14="http://schemas.microsoft.com/office/powerpoint/2010/main" val="2349478096"/>
+      </p:ext>
+    </p:extLst>
+  </p:cSld>
+  <p:clrMapOvr>
+    <a:masterClrMapping/>
+  </p:clrMapOvr>
+</p:sld>
+</file>
+
+<file path=ppt/slides/slide21.xml><?xml version="1.0" encoding="utf-8"?>
+<p:sld xmlns:a="http://schemas.openxmlformats.org/drawingml/2006/main" xmlns:r="http://schemas.openxmlformats.org/officeDocument/2006/relationships" xmlns:p="http://schemas.openxmlformats.org/presentationml/2006/main">
+  <p:cSld>
+    <p:spTree>
+      <p:nvGrpSpPr>
+        <p:cNvPr id="1" name=""/>
+        <p:cNvGrpSpPr/>
+        <p:nvPr/>
+      </p:nvGrpSpPr>
+      <p:grpSpPr>
+        <a:xfrm>
+          <a:off x="0" y="0"/>
+          <a:ext cx="0" cy="0"/>
+          <a:chOff x="0" y="0"/>
+          <a:chExt cx="0" cy="0"/>
+        </a:xfrm>
+      </p:grpSpPr>
+      <p:sp>
+        <p:nvSpPr>
+          <p:cNvPr id="2" name="Title 1">
+            <a:extLst>
+              <a:ext uri="{FF2B5EF4-FFF2-40B4-BE49-F238E27FC236}">
+                <a16:creationId xmlns:a16="http://schemas.microsoft.com/office/drawing/2014/main" id="{E5F7AD2E-0B75-7E4D-BBA0-F37C4E3A06DC}"/>
+              </a:ext>
+            </a:extLst>
+          </p:cNvPr>
+          <p:cNvSpPr>
+            <a:spLocks noGrp="1"/>
+          </p:cNvSpPr>
+          <p:nvPr>
+            <p:ph type="title"/>
+          </p:nvPr>
+        </p:nvSpPr>
+        <p:spPr/>
+        <p:txBody>
+          <a:bodyPr/>
+          <a:lstStyle/>
+          <a:p>
+            <a:r>
+              <a:rPr lang="en-US" dirty="0" err="1"/>
+              <a:t>Logliklihood</a:t>
+            </a:r>
+            <a:endParaRPr lang="en-US" dirty="0"/>
+          </a:p>
+        </p:txBody>
+      </p:sp>
+      <p:sp>
+        <p:nvSpPr>
+          <p:cNvPr id="3" name="Text Placeholder 2">
+            <a:extLst>
+              <a:ext uri="{FF2B5EF4-FFF2-40B4-BE49-F238E27FC236}">
+                <a16:creationId xmlns:a16="http://schemas.microsoft.com/office/drawing/2014/main" id="{7B8239F2-3D5D-B726-EC98-696AF4874A4B}"/>
+              </a:ext>
+            </a:extLst>
+          </p:cNvPr>
+          <p:cNvSpPr>
+            <a:spLocks noGrp="1"/>
+          </p:cNvSpPr>
+          <p:nvPr>
+            <p:ph type="body" idx="1"/>
+          </p:nvPr>
+        </p:nvSpPr>
+        <p:spPr/>
+        <p:txBody>
+          <a:bodyPr/>
+          <a:lstStyle/>
+          <a:p>
+            <a:r>
+              <a:rPr lang="en-US" dirty="0"/>
+              <a:t>Compares the goodness of fit of two or more models using a log-likelihood ratio test</a:t>
+            </a:r>
+          </a:p>
+          <a:p>
+            <a:r>
+              <a:rPr lang="en-US" dirty="0"/>
+              <a:t>This is a hypothesis test – one model is a ‘null’ and the other is an ‘alternative’</a:t>
+            </a:r>
+          </a:p>
+          <a:p>
+            <a:r>
+              <a:rPr lang="en-US" dirty="0"/>
+              <a:t>Does adding more complexity to the model make the model more accurate?</a:t>
+            </a:r>
+          </a:p>
+          <a:p>
+            <a:r>
+              <a:rPr lang="en-US" dirty="0"/>
+              <a:t>Can only be used when exactly the same data has been put in both models</a:t>
+            </a:r>
+          </a:p>
+          <a:p>
+            <a:r>
+              <a:rPr lang="en-US" dirty="0"/>
+              <a:t>2ln(likelihood </a:t>
+            </a:r>
+            <a:r>
+              <a:rPr lang="en-US" baseline="-25000" dirty="0"/>
+              <a:t>model1</a:t>
+            </a:r>
+            <a:r>
+              <a:rPr lang="en-US" dirty="0"/>
+              <a:t>)/2ln(likelihood </a:t>
+            </a:r>
+            <a:r>
+              <a:rPr lang="en-US" baseline="-25000" dirty="0"/>
+              <a:t>model2</a:t>
+            </a:r>
+            <a:r>
+              <a:rPr lang="en-US" dirty="0"/>
+              <a:t>) = ?</a:t>
+            </a:r>
+          </a:p>
+          <a:p>
+            <a:endParaRPr lang="en-US" dirty="0"/>
+          </a:p>
+        </p:txBody>
+      </p:sp>
+    </p:spTree>
+    <p:extLst>
+      <p:ext uri="{BB962C8B-B14F-4D97-AF65-F5344CB8AC3E}">
+        <p14:creationId xmlns:p14="http://schemas.microsoft.com/office/powerpoint/2010/main" val="3278042008"/>
+      </p:ext>
+    </p:extLst>
+  </p:cSld>
+  <p:clrMapOvr>
+    <a:masterClrMapping/>
+  </p:clrMapOvr>
+</p:sld>
+</file>
+
+<file path=ppt/slides/slide22.xml><?xml version="1.0" encoding="utf-8"?>
+<p:sld xmlns:a="http://schemas.openxmlformats.org/drawingml/2006/main" xmlns:r="http://schemas.openxmlformats.org/officeDocument/2006/relationships" xmlns:p="http://schemas.openxmlformats.org/presentationml/2006/main">
+  <p:cSld>
+    <p:spTree>
+      <p:nvGrpSpPr>
+        <p:cNvPr id="1" name=""/>
+        <p:cNvGrpSpPr/>
+        <p:nvPr/>
+      </p:nvGrpSpPr>
+      <p:grpSpPr>
+        <a:xfrm>
+          <a:off x="0" y="0"/>
+          <a:ext cx="0" cy="0"/>
+          <a:chOff x="0" y="0"/>
+          <a:chExt cx="0" cy="0"/>
+        </a:xfrm>
+      </p:grpSpPr>
+      <p:sp>
+        <p:nvSpPr>
+          <p:cNvPr id="2" name="Title 1">
+            <a:extLst>
+              <a:ext uri="{FF2B5EF4-FFF2-40B4-BE49-F238E27FC236}">
+                <a16:creationId xmlns:a16="http://schemas.microsoft.com/office/drawing/2014/main" id="{027690EC-CCB8-9205-8A3A-4BD5C6E71488}"/>
+              </a:ext>
+            </a:extLst>
+          </p:cNvPr>
+          <p:cNvSpPr>
+            <a:spLocks noGrp="1"/>
+          </p:cNvSpPr>
+          <p:nvPr>
+            <p:ph type="title"/>
+          </p:nvPr>
+        </p:nvSpPr>
+        <p:spPr/>
+        <p:txBody>
+          <a:bodyPr/>
+          <a:lstStyle/>
+          <a:p>
+            <a:r>
+              <a:rPr lang="en-US" dirty="0"/>
+              <a:t>AIC</a:t>
+            </a:r>
+          </a:p>
+        </p:txBody>
+      </p:sp>
+      <p:sp>
+        <p:nvSpPr>
+          <p:cNvPr id="3" name="Text Placeholder 2">
+            <a:extLst>
+              <a:ext uri="{FF2B5EF4-FFF2-40B4-BE49-F238E27FC236}">
+                <a16:creationId xmlns:a16="http://schemas.microsoft.com/office/drawing/2014/main" id="{8392424B-A989-4481-3F26-FD363F025D0F}"/>
+              </a:ext>
+            </a:extLst>
+          </p:cNvPr>
+          <p:cNvSpPr>
+            <a:spLocks noGrp="1"/>
+          </p:cNvSpPr>
+          <p:nvPr>
+            <p:ph type="body" idx="1"/>
+          </p:nvPr>
+        </p:nvSpPr>
+        <p:spPr/>
+        <p:txBody>
+          <a:bodyPr/>
+          <a:lstStyle/>
+          <a:p>
+            <a:r>
+              <a:rPr lang="en-US" dirty="0"/>
+              <a:t>Is a loglikelihood ratio test, where there is a penalty for parsimony</a:t>
+            </a:r>
+          </a:p>
+          <a:p>
+            <a:r>
+              <a:rPr lang="en-US" dirty="0"/>
+              <a:t>The fit of the more complex model must be better enough to overcome that it’s more complicated</a:t>
+            </a:r>
+          </a:p>
+          <a:p>
+            <a:r>
+              <a:rPr lang="en-US" dirty="0"/>
+              <a:t>AIC =2k-2ln(likelihood)</a:t>
+            </a:r>
+          </a:p>
+          <a:p>
+            <a:r>
+              <a:rPr lang="en-US" dirty="0"/>
+              <a:t>Lowest AIC is the best model – there are bunch of general rules for how much lower really matters (Burnham and Anderson 2002)</a:t>
+            </a:r>
+          </a:p>
+        </p:txBody>
+      </p:sp>
+      <p:sp>
+        <p:nvSpPr>
+          <p:cNvPr id="4" name="AutoShape 2" descr="{\displaystyle \mathrm {AIC} \,=\,2k-2\ln({\hat {L}})}">
+            <a:extLst>
+              <a:ext uri="{FF2B5EF4-FFF2-40B4-BE49-F238E27FC236}">
+                <a16:creationId xmlns:a16="http://schemas.microsoft.com/office/drawing/2014/main" id="{C96AFE0E-2D00-3BD7-DCF0-BB7A821778CD}"/>
+              </a:ext>
+            </a:extLst>
+          </p:cNvPr>
+          <p:cNvSpPr>
+            <a:spLocks noChangeAspect="1" noChangeArrowheads="1"/>
+          </p:cNvSpPr>
+          <p:nvPr/>
+        </p:nvSpPr>
+        <p:spPr bwMode="auto">
+          <a:xfrm>
+            <a:off x="5943600" y="3276600"/>
+            <a:ext cx="304800" cy="304800"/>
+          </a:xfrm>
+          <a:prstGeom prst="rect">
+            <a:avLst/>
+          </a:prstGeom>
+          <a:noFill/>
+          <a:extLst>
+            <a:ext uri="{909E8E84-426E-40DD-AFC4-6F175D3DCCD1}">
+              <a14:hiddenFill xmlns:a14="http://schemas.microsoft.com/office/drawing/2010/main">
+                <a:solidFill>
+                  <a:srgbClr val="FFFFFF"/>
+                </a:solidFill>
+              </a14:hiddenFill>
+            </a:ext>
+          </a:extLst>
+        </p:spPr>
+        <p:txBody>
+          <a:bodyPr vert="horz" wrap="square" lIns="91440" tIns="45720" rIns="91440" bIns="45720" numCol="1" anchor="t" anchorCtr="0" compatLnSpc="1">
+            <a:prstTxWarp prst="textNoShape">
+              <a:avLst/>
+            </a:prstTxWarp>
+          </a:bodyPr>
+          <a:lstStyle/>
+          <a:p>
+            <a:endParaRPr lang="en-US"/>
+          </a:p>
+        </p:txBody>
+      </p:sp>
+    </p:spTree>
+    <p:extLst>
+      <p:ext uri="{BB962C8B-B14F-4D97-AF65-F5344CB8AC3E}">
+        <p14:creationId xmlns:p14="http://schemas.microsoft.com/office/powerpoint/2010/main" val="2697917463"/>
+      </p:ext>
+    </p:extLst>
+  </p:cSld>
+  <p:clrMapOvr>
+    <a:masterClrMapping/>
+  </p:clrMapOvr>
+</p:sld>
+</file>
+
+<file path=ppt/slides/slide23.xml><?xml version="1.0" encoding="utf-8"?>
+<p:sld xmlns:a="http://schemas.openxmlformats.org/drawingml/2006/main" xmlns:r="http://schemas.openxmlformats.org/officeDocument/2006/relationships" xmlns:p="http://schemas.openxmlformats.org/presentationml/2006/main">
+  <p:cSld>
+    <p:spTree>
+      <p:nvGrpSpPr>
+        <p:cNvPr id="1" name=""/>
+        <p:cNvGrpSpPr/>
+        <p:nvPr/>
+      </p:nvGrpSpPr>
+      <p:grpSpPr>
+        <a:xfrm>
+          <a:off x="0" y="0"/>
+          <a:ext cx="0" cy="0"/>
+          <a:chOff x="0" y="0"/>
+          <a:chExt cx="0" cy="0"/>
+        </a:xfrm>
+      </p:grpSpPr>
+      <p:sp>
+        <p:nvSpPr>
+          <p:cNvPr id="2" name="Title 1">
+            <a:extLst>
+              <a:ext uri="{FF2B5EF4-FFF2-40B4-BE49-F238E27FC236}">
+                <a16:creationId xmlns:a16="http://schemas.microsoft.com/office/drawing/2014/main" id="{92A920E3-E183-0C38-9F4E-BBC9F53C00A9}"/>
+              </a:ext>
+            </a:extLst>
+          </p:cNvPr>
+          <p:cNvSpPr>
+            <a:spLocks noGrp="1"/>
+          </p:cNvSpPr>
+          <p:nvPr>
+            <p:ph type="title"/>
+          </p:nvPr>
+        </p:nvSpPr>
+        <p:spPr/>
+        <p:txBody>
+          <a:bodyPr/>
+          <a:lstStyle/>
+          <a:p>
+            <a:r>
+              <a:rPr lang="en-US" dirty="0"/>
+              <a:t>Model Averaging</a:t>
+            </a:r>
+          </a:p>
+        </p:txBody>
+      </p:sp>
+      <p:sp>
+        <p:nvSpPr>
+          <p:cNvPr id="3" name="Text Placeholder 2">
+            <a:extLst>
+              <a:ext uri="{FF2B5EF4-FFF2-40B4-BE49-F238E27FC236}">
+                <a16:creationId xmlns:a16="http://schemas.microsoft.com/office/drawing/2014/main" id="{A4E3BD8B-F821-4347-F146-1ADAE6B955EE}"/>
+              </a:ext>
+            </a:extLst>
+          </p:cNvPr>
+          <p:cNvSpPr>
+            <a:spLocks noGrp="1"/>
+          </p:cNvSpPr>
+          <p:nvPr>
+            <p:ph type="body" idx="1"/>
+          </p:nvPr>
+        </p:nvSpPr>
+        <p:spPr/>
+        <p:txBody>
+          <a:bodyPr/>
+          <a:lstStyle/>
+          <a:p>
+            <a:r>
+              <a:rPr lang="en-US" dirty="0"/>
+              <a:t>Or multimodal inference</a:t>
+            </a:r>
+          </a:p>
+          <a:p>
+            <a:r>
+              <a:rPr lang="en-US" dirty="0"/>
+              <a:t>Models can be ranked and weighed according to their fit (usually AIC) to the observed data</a:t>
+            </a:r>
+          </a:p>
+          <a:p>
+            <a:r>
+              <a:rPr lang="en-US" dirty="0"/>
+              <a:t>Best supported models can be averaged to get parameter estimates</a:t>
+            </a:r>
+          </a:p>
+          <a:p>
+            <a:endParaRPr lang="en-US" dirty="0"/>
+          </a:p>
+          <a:p>
+            <a:pPr marL="114300" indent="0">
+              <a:buNone/>
+            </a:pPr>
+            <a:endParaRPr lang="en-US" b="1" dirty="0"/>
+          </a:p>
+        </p:txBody>
+      </p:sp>
+    </p:spTree>
+    <p:extLst>
+      <p:ext uri="{BB962C8B-B14F-4D97-AF65-F5344CB8AC3E}">
+        <p14:creationId xmlns:p14="http://schemas.microsoft.com/office/powerpoint/2010/main" val="114976513"/>
+      </p:ext>
+    </p:extLst>
+  </p:cSld>
+  <p:clrMapOvr>
+    <a:masterClrMapping/>
+  </p:clrMapOvr>
+</p:sld>
+</file>
+
+<file path=ppt/slides/slide24.xml><?xml version="1.0" encoding="utf-8"?>
+<p:sld xmlns:a="http://schemas.openxmlformats.org/drawingml/2006/main" xmlns:r="http://schemas.openxmlformats.org/officeDocument/2006/relationships" xmlns:p="http://schemas.openxmlformats.org/presentationml/2006/main">
+  <p:cSld>
+    <p:spTree>
+      <p:nvGrpSpPr>
+        <p:cNvPr id="1" name="">
+          <a:extLst>
+            <a:ext uri="{FF2B5EF4-FFF2-40B4-BE49-F238E27FC236}">
+              <a16:creationId xmlns:a16="http://schemas.microsoft.com/office/drawing/2014/main" id="{765BA38F-112F-F4F2-B8F0-14FFC044558E}"/>
+            </a:ext>
+          </a:extLst>
+        </p:cNvPr>
+        <p:cNvGrpSpPr/>
+        <p:nvPr/>
+      </p:nvGrpSpPr>
+      <p:grpSpPr>
+        <a:xfrm>
+          <a:off x="0" y="0"/>
+          <a:ext cx="0" cy="0"/>
+          <a:chOff x="0" y="0"/>
+          <a:chExt cx="0" cy="0"/>
+        </a:xfrm>
+      </p:grpSpPr>
+      <p:sp>
+        <p:nvSpPr>
+          <p:cNvPr id="2" name="Title 1">
+            <a:extLst>
+              <a:ext uri="{FF2B5EF4-FFF2-40B4-BE49-F238E27FC236}">
+                <a16:creationId xmlns:a16="http://schemas.microsoft.com/office/drawing/2014/main" id="{F485C1D5-F44E-D5DD-345D-DD3F01628A9B}"/>
+              </a:ext>
+            </a:extLst>
+          </p:cNvPr>
+          <p:cNvSpPr>
+            <a:spLocks noGrp="1"/>
+          </p:cNvSpPr>
+          <p:nvPr>
+            <p:ph type="title"/>
+          </p:nvPr>
+        </p:nvSpPr>
+        <p:spPr/>
+        <p:txBody>
+          <a:bodyPr/>
+          <a:lstStyle/>
+          <a:p>
+            <a:r>
+              <a:rPr lang="en-US" dirty="0"/>
+              <a:t>Model Averaging</a:t>
+            </a:r>
+          </a:p>
+        </p:txBody>
+      </p:sp>
+      <p:sp>
+        <p:nvSpPr>
+          <p:cNvPr id="3" name="Text Placeholder 2">
+            <a:extLst>
+              <a:ext uri="{FF2B5EF4-FFF2-40B4-BE49-F238E27FC236}">
+                <a16:creationId xmlns:a16="http://schemas.microsoft.com/office/drawing/2014/main" id="{C399DF39-CC09-8607-4A07-D4F725E54B3D}"/>
+              </a:ext>
+            </a:extLst>
+          </p:cNvPr>
+          <p:cNvSpPr>
+            <a:spLocks noGrp="1"/>
+          </p:cNvSpPr>
+          <p:nvPr>
+            <p:ph type="body" idx="1"/>
+          </p:nvPr>
+        </p:nvSpPr>
+        <p:spPr/>
+        <p:txBody>
+          <a:bodyPr/>
+          <a:lstStyle/>
+          <a:p>
+            <a:r>
+              <a:rPr lang="en-US" dirty="0"/>
+              <a:t>Or multimodal inference</a:t>
+            </a:r>
+          </a:p>
+          <a:p>
+            <a:r>
+              <a:rPr lang="en-US" dirty="0"/>
+              <a:t>Models can be ranked and weighed according to their fit (usually AIC) to the observed data</a:t>
+            </a:r>
+          </a:p>
+          <a:p>
+            <a:r>
+              <a:rPr lang="en-US" dirty="0"/>
+              <a:t>Best supported models can be averaged to get parameter estimates</a:t>
+            </a:r>
+          </a:p>
+          <a:p>
+            <a:endParaRPr lang="en-US" dirty="0"/>
+          </a:p>
+          <a:p>
+            <a:pPr marL="114300" indent="0">
+              <a:buNone/>
+            </a:pPr>
+            <a:r>
+              <a:rPr lang="en-US" b="1" dirty="0"/>
+              <a:t>In general – trying everything and averaging together is NOT a good plan. An assumption of all of these model selection tools is that each model is hypotheses testing, not hypothesis generating!</a:t>
+            </a:r>
+          </a:p>
+        </p:txBody>
+      </p:sp>
+    </p:spTree>
+    <p:extLst>
+      <p:ext uri="{BB962C8B-B14F-4D97-AF65-F5344CB8AC3E}">
+        <p14:creationId xmlns:p14="http://schemas.microsoft.com/office/powerpoint/2010/main" val="2667918679"/>
+      </p:ext>
+    </p:extLst>
+  </p:cSld>
+  <p:clrMapOvr>
+    <a:masterClrMapping/>
+  </p:clrMapOvr>
+</p:sld>
+</file>
+
+<file path=ppt/slides/slide25.xml><?xml version="1.0" encoding="utf-8"?>
+<p:sld xmlns:a="http://schemas.openxmlformats.org/drawingml/2006/main" xmlns:r="http://schemas.openxmlformats.org/officeDocument/2006/relationships" xmlns:p="http://schemas.openxmlformats.org/presentationml/2006/main">
+  <p:cSld>
+    <p:spTree>
+      <p:nvGrpSpPr>
+        <p:cNvPr id="1" name=""/>
+        <p:cNvGrpSpPr/>
+        <p:nvPr/>
+      </p:nvGrpSpPr>
+      <p:grpSpPr>
+        <a:xfrm>
+          <a:off x="0" y="0"/>
+          <a:ext cx="0" cy="0"/>
+          <a:chOff x="0" y="0"/>
+          <a:chExt cx="0" cy="0"/>
+        </a:xfrm>
+      </p:grpSpPr>
+      <p:sp>
+        <p:nvSpPr>
+          <p:cNvPr id="2" name="Title 1">
+            <a:extLst>
+              <a:ext uri="{FF2B5EF4-FFF2-40B4-BE49-F238E27FC236}">
+                <a16:creationId xmlns:a16="http://schemas.microsoft.com/office/drawing/2014/main" id="{593CA0F8-B437-5436-0D6F-211CF9F8C87D}"/>
+              </a:ext>
+            </a:extLst>
+          </p:cNvPr>
+          <p:cNvSpPr>
+            <a:spLocks noGrp="1"/>
+          </p:cNvSpPr>
+          <p:nvPr>
+            <p:ph type="title"/>
+          </p:nvPr>
+        </p:nvSpPr>
+        <p:spPr/>
+        <p:txBody>
+          <a:bodyPr/>
+          <a:lstStyle/>
+          <a:p>
+            <a:r>
+              <a:rPr lang="en-US" dirty="0"/>
+              <a:t>Sparse Modelling</a:t>
+            </a:r>
+          </a:p>
+        </p:txBody>
+      </p:sp>
+      <p:sp>
+        <p:nvSpPr>
+          <p:cNvPr id="3" name="Text Placeholder 2">
+            <a:extLst>
+              <a:ext uri="{FF2B5EF4-FFF2-40B4-BE49-F238E27FC236}">
+                <a16:creationId xmlns:a16="http://schemas.microsoft.com/office/drawing/2014/main" id="{33A878F5-9E62-CD58-29EF-39FB96A65D80}"/>
+              </a:ext>
+            </a:extLst>
+          </p:cNvPr>
+          <p:cNvSpPr>
+            <a:spLocks noGrp="1"/>
+          </p:cNvSpPr>
+          <p:nvPr>
+            <p:ph type="body" idx="1"/>
+          </p:nvPr>
+        </p:nvSpPr>
+        <p:spPr/>
+        <p:txBody>
+          <a:bodyPr/>
+          <a:lstStyle/>
+          <a:p>
+            <a:r>
+              <a:rPr lang="en-US" dirty="0"/>
+              <a:t>Works when N&lt;&lt;&lt;&lt;P!</a:t>
+            </a:r>
+          </a:p>
+          <a:p>
+            <a:r>
+              <a:rPr lang="en-US" dirty="0"/>
+              <a:t>Uses shrinkage to lower the estimates of those parameters that aren’t important</a:t>
+            </a:r>
+          </a:p>
+          <a:p>
+            <a:r>
+              <a:rPr lang="en-US" dirty="0"/>
+              <a:t>Generally, a whole topic on it’s own, which we could talk about if anyone thinks they’re likely to use them!</a:t>
+            </a:r>
+          </a:p>
+        </p:txBody>
+      </p:sp>
+    </p:spTree>
+    <p:extLst>
+      <p:ext uri="{BB962C8B-B14F-4D97-AF65-F5344CB8AC3E}">
+        <p14:creationId xmlns:p14="http://schemas.microsoft.com/office/powerpoint/2010/main" val="2162216031"/>
+      </p:ext>
+    </p:extLst>
+  </p:cSld>
+  <p:clrMapOvr>
+    <a:masterClrMapping/>
+  </p:clrMapOvr>
+</p:sld>
+</file>
+
+<file path=ppt/slides/slide26.xml><?xml version="1.0" encoding="utf-8"?>
+<p:sld xmlns:a="http://schemas.openxmlformats.org/drawingml/2006/main" xmlns:r="http://schemas.openxmlformats.org/officeDocument/2006/relationships" xmlns:p="http://schemas.openxmlformats.org/presentationml/2006/main">
+  <p:cSld>
+    <p:spTree>
+      <p:nvGrpSpPr>
+        <p:cNvPr id="1" name=""/>
+        <p:cNvGrpSpPr/>
+        <p:nvPr/>
+      </p:nvGrpSpPr>
+      <p:grpSpPr>
+        <a:xfrm>
+          <a:off x="0" y="0"/>
+          <a:ext cx="0" cy="0"/>
+          <a:chOff x="0" y="0"/>
+          <a:chExt cx="0" cy="0"/>
+        </a:xfrm>
+      </p:grpSpPr>
+      <p:sp>
+        <p:nvSpPr>
+          <p:cNvPr id="2" name="Title 1">
+            <a:extLst>
+              <a:ext uri="{FF2B5EF4-FFF2-40B4-BE49-F238E27FC236}">
+                <a16:creationId xmlns:a16="http://schemas.microsoft.com/office/drawing/2014/main" id="{24E8D883-D448-08CA-8648-A1242079C86D}"/>
+              </a:ext>
+            </a:extLst>
+          </p:cNvPr>
+          <p:cNvSpPr>
+            <a:spLocks noGrp="1"/>
+          </p:cNvSpPr>
+          <p:nvPr>
+            <p:ph type="title"/>
+          </p:nvPr>
+        </p:nvSpPr>
+        <p:spPr/>
+        <p:txBody>
+          <a:bodyPr/>
+          <a:lstStyle/>
+          <a:p>
+            <a:r>
+              <a:rPr lang="en-US" dirty="0"/>
+              <a:t>COFFEE</a:t>
+            </a:r>
+          </a:p>
+        </p:txBody>
+      </p:sp>
+      <p:sp>
+        <p:nvSpPr>
+          <p:cNvPr id="3" name="Text Placeholder 2">
+            <a:extLst>
+              <a:ext uri="{FF2B5EF4-FFF2-40B4-BE49-F238E27FC236}">
+                <a16:creationId xmlns:a16="http://schemas.microsoft.com/office/drawing/2014/main" id="{1C288535-98D3-6182-382E-9AD3D1132A60}"/>
+              </a:ext>
+            </a:extLst>
+          </p:cNvPr>
+          <p:cNvSpPr>
+            <a:spLocks noGrp="1"/>
+          </p:cNvSpPr>
+          <p:nvPr>
+            <p:ph type="body" idx="1"/>
+          </p:nvPr>
+        </p:nvSpPr>
+        <p:spPr/>
+        <p:txBody>
+          <a:bodyPr/>
+          <a:lstStyle/>
+          <a:p>
+            <a:endParaRPr lang="en-US"/>
+          </a:p>
+        </p:txBody>
+      </p:sp>
+    </p:spTree>
+    <p:extLst>
+      <p:ext uri="{BB962C8B-B14F-4D97-AF65-F5344CB8AC3E}">
+        <p14:creationId xmlns:p14="http://schemas.microsoft.com/office/powerpoint/2010/main" val="983168786"/>
+      </p:ext>
+    </p:extLst>
+  </p:cSld>
+  <p:clrMapOvr>
+    <a:masterClrMapping/>
+  </p:clrMapOvr>
+</p:sld>
+</file>
+
+<file path=ppt/slides/slide27.xml><?xml version="1.0" encoding="utf-8"?>
+<p:sld xmlns:a="http://schemas.openxmlformats.org/drawingml/2006/main" xmlns:r="http://schemas.openxmlformats.org/officeDocument/2006/relationships" xmlns:p="http://schemas.openxmlformats.org/presentationml/2006/main">
+  <p:cSld>
+    <p:spTree>
+      <p:nvGrpSpPr>
+        <p:cNvPr id="1" name=""/>
+        <p:cNvGrpSpPr/>
+        <p:nvPr/>
+      </p:nvGrpSpPr>
+      <p:grpSpPr>
+        <a:xfrm>
+          <a:off x="0" y="0"/>
+          <a:ext cx="0" cy="0"/>
+          <a:chOff x="0" y="0"/>
+          <a:chExt cx="0" cy="0"/>
+        </a:xfrm>
+      </p:grpSpPr>
+      <p:sp>
+        <p:nvSpPr>
+          <p:cNvPr id="4" name="TextBox 3"/>
+          <p:cNvSpPr txBox="1"/>
+          <p:nvPr/>
+        </p:nvSpPr>
+        <p:spPr>
+          <a:xfrm>
+            <a:off x="1465632" y="6536992"/>
+            <a:ext cx="4681090" cy="307777"/>
+          </a:xfrm>
+          <a:prstGeom prst="rect">
+            <a:avLst/>
+          </a:prstGeom>
+          <a:noFill/>
+        </p:spPr>
+        <p:txBody>
+          <a:bodyPr wrap="none" rtlCol="0">
+            <a:spAutoFit/>
+          </a:bodyPr>
+          <a:lstStyle/>
+          <a:p>
+            <a:r>
+              <a:rPr lang="en-US" dirty="0"/>
+              <a:t>Biol 4463/6463 Scientific Writing – THANKS STEPHEN!!</a:t>
+            </a:r>
+          </a:p>
+        </p:txBody>
+      </p:sp>
+      <p:sp>
+        <p:nvSpPr>
+          <p:cNvPr id="6" name="TextBox 5"/>
+          <p:cNvSpPr txBox="1"/>
+          <p:nvPr/>
+        </p:nvSpPr>
+        <p:spPr>
+          <a:xfrm>
+            <a:off x="4735877" y="116732"/>
+            <a:ext cx="2483372" cy="523220"/>
+          </a:xfrm>
+          <a:prstGeom prst="rect">
+            <a:avLst/>
+          </a:prstGeom>
+          <a:noFill/>
+        </p:spPr>
+        <p:txBody>
+          <a:bodyPr wrap="none" rtlCol="0">
+            <a:spAutoFit/>
+          </a:bodyPr>
+          <a:lstStyle/>
+          <a:p>
+            <a:pPr algn="ctr"/>
+            <a:r>
+              <a:rPr lang="en-US" sz="2800" dirty="0"/>
+              <a:t>What goes in?</a:t>
+            </a:r>
+          </a:p>
+        </p:txBody>
+      </p:sp>
+      <p:sp>
+        <p:nvSpPr>
+          <p:cNvPr id="5" name="TextBox 4"/>
+          <p:cNvSpPr txBox="1"/>
+          <p:nvPr/>
+        </p:nvSpPr>
+        <p:spPr>
+          <a:xfrm>
+            <a:off x="1943763" y="1328558"/>
+            <a:ext cx="8220075" cy="3400931"/>
+          </a:xfrm>
+          <a:prstGeom prst="rect">
+            <a:avLst/>
+          </a:prstGeom>
+          <a:noFill/>
+        </p:spPr>
+        <p:txBody>
+          <a:bodyPr wrap="square" rtlCol="0">
+            <a:spAutoFit/>
+          </a:bodyPr>
+          <a:lstStyle/>
+          <a:p>
+            <a:pPr marL="171450" indent="-171450">
+              <a:spcAft>
+                <a:spcPts val="600"/>
+              </a:spcAft>
+              <a:buFont typeface="Arial" panose="020B0604020202020204" pitchFamily="34" charset="0"/>
+              <a:buChar char="•"/>
+            </a:pPr>
+            <a:r>
+              <a:rPr lang="en-US" sz="2000" b="1" dirty="0"/>
+              <a:t>NOT </a:t>
+            </a:r>
+            <a:r>
+              <a:rPr lang="en-US" sz="2000" dirty="0"/>
+              <a:t>everything you did!</a:t>
+            </a:r>
+          </a:p>
+          <a:p>
+            <a:pPr marL="171450" indent="-171450">
+              <a:spcAft>
+                <a:spcPts val="600"/>
+              </a:spcAft>
+              <a:buFont typeface="Arial" panose="020B0604020202020204" pitchFamily="34" charset="0"/>
+              <a:buChar char="•"/>
+            </a:pPr>
+            <a:r>
+              <a:rPr lang="en-US" sz="2000" dirty="0"/>
+              <a:t>Work backwards:</a:t>
+            </a:r>
+          </a:p>
+          <a:p>
+            <a:pPr marL="628650" lvl="1" indent="-171450">
+              <a:spcAft>
+                <a:spcPts val="600"/>
+              </a:spcAft>
+              <a:buFont typeface="Arial" panose="020B0604020202020204" pitchFamily="34" charset="0"/>
+              <a:buChar char="•"/>
+            </a:pPr>
+            <a:r>
+              <a:rPr lang="en-US" sz="2000" dirty="0"/>
+              <a:t>What’s the main thing you want the reader to learn?</a:t>
+            </a:r>
+          </a:p>
+          <a:p>
+            <a:pPr marL="628650" lvl="1" indent="-171450">
+              <a:spcAft>
+                <a:spcPts val="600"/>
+              </a:spcAft>
+              <a:buFont typeface="Arial" panose="020B0604020202020204" pitchFamily="34" charset="0"/>
+              <a:buChar char="•"/>
+            </a:pPr>
+            <a:r>
+              <a:rPr lang="en-US" sz="2000" dirty="0"/>
+              <a:t>What’s the major result that establishes this thing?</a:t>
+            </a:r>
+          </a:p>
+          <a:p>
+            <a:pPr marL="628650" lvl="1" indent="-171450">
+              <a:spcAft>
+                <a:spcPts val="600"/>
+              </a:spcAft>
+              <a:buFont typeface="Arial" panose="020B0604020202020204" pitchFamily="34" charset="0"/>
+              <a:buChar char="•"/>
+            </a:pPr>
+            <a:r>
+              <a:rPr lang="en-US" sz="2000" dirty="0"/>
+              <a:t>What other results are needed to support or qualify the major one?</a:t>
+            </a:r>
+          </a:p>
+          <a:p>
+            <a:pPr marL="628650" lvl="1" indent="-171450">
+              <a:spcAft>
+                <a:spcPts val="600"/>
+              </a:spcAft>
+              <a:buFont typeface="Arial" panose="020B0604020202020204" pitchFamily="34" charset="0"/>
+              <a:buChar char="•"/>
+            </a:pPr>
+            <a:endParaRPr lang="en-US" sz="2000" dirty="0"/>
+          </a:p>
+          <a:p>
+            <a:pPr marL="628650" lvl="1" indent="-171450">
+              <a:spcAft>
+                <a:spcPts val="600"/>
+              </a:spcAft>
+              <a:buFont typeface="Arial" panose="020B0604020202020204" pitchFamily="34" charset="0"/>
+              <a:buChar char="•"/>
+            </a:pPr>
+            <a:endParaRPr lang="en-US" sz="2000" dirty="0"/>
+          </a:p>
+          <a:p>
+            <a:pPr marL="171450" indent="-171450">
+              <a:spcAft>
+                <a:spcPts val="600"/>
+              </a:spcAft>
+              <a:buFont typeface="Arial" panose="020B0604020202020204" pitchFamily="34" charset="0"/>
+              <a:buChar char="•"/>
+            </a:pPr>
+            <a:r>
+              <a:rPr lang="en-US" sz="2000" dirty="0"/>
+              <a:t>The </a:t>
+            </a:r>
+            <a:r>
+              <a:rPr lang="en-US" sz="2000" i="1" dirty="0"/>
+              <a:t>Results</a:t>
+            </a:r>
+            <a:r>
+              <a:rPr lang="en-US" sz="2000" dirty="0"/>
+              <a:t> section may be shockingly short.</a:t>
+            </a:r>
+          </a:p>
+        </p:txBody>
+      </p:sp>
+      <p:sp>
+        <p:nvSpPr>
+          <p:cNvPr id="7" name="TextBox 6"/>
+          <p:cNvSpPr txBox="1"/>
+          <p:nvPr/>
+        </p:nvSpPr>
+        <p:spPr>
+          <a:xfrm>
+            <a:off x="9862344" y="6533749"/>
+            <a:ext cx="782587" cy="307777"/>
+          </a:xfrm>
+          <a:prstGeom prst="rect">
+            <a:avLst/>
+          </a:prstGeom>
+          <a:noFill/>
+        </p:spPr>
+        <p:txBody>
+          <a:bodyPr wrap="none" rtlCol="0">
+            <a:spAutoFit/>
+          </a:bodyPr>
+          <a:lstStyle/>
+          <a:p>
+            <a:pPr algn="r"/>
+            <a:r>
+              <a:rPr lang="en-US" dirty="0"/>
+              <a:t>Results</a:t>
+            </a:r>
+          </a:p>
+        </p:txBody>
+      </p:sp>
+    </p:spTree>
+    <p:extLst>
+      <p:ext uri="{BB962C8B-B14F-4D97-AF65-F5344CB8AC3E}">
+        <p14:creationId xmlns:p14="http://schemas.microsoft.com/office/powerpoint/2010/main" val="3684745679"/>
+      </p:ext>
+    </p:extLst>
+  </p:cSld>
+  <p:clrMapOvr>
+    <a:masterClrMapping/>
+  </p:clrMapOvr>
+</p:sld>
+</file>
+
+<file path=ppt/slides/slide28.xml><?xml version="1.0" encoding="utf-8"?>
+<p:sld xmlns:a="http://schemas.openxmlformats.org/drawingml/2006/main" xmlns:r="http://schemas.openxmlformats.org/officeDocument/2006/relationships" xmlns:p="http://schemas.openxmlformats.org/presentationml/2006/main">
+  <p:cSld>
+    <p:spTree>
+      <p:nvGrpSpPr>
+        <p:cNvPr id="1" name=""/>
+        <p:cNvGrpSpPr/>
+        <p:nvPr/>
+      </p:nvGrpSpPr>
+      <p:grpSpPr>
+        <a:xfrm>
+          <a:off x="0" y="0"/>
+          <a:ext cx="0" cy="0"/>
+          <a:chOff x="0" y="0"/>
+          <a:chExt cx="0" cy="0"/>
+        </a:xfrm>
+      </p:grpSpPr>
+      <p:sp>
+        <p:nvSpPr>
+          <p:cNvPr id="4" name="TextBox 3"/>
+          <p:cNvSpPr txBox="1"/>
+          <p:nvPr/>
+        </p:nvSpPr>
+        <p:spPr>
+          <a:xfrm>
+            <a:off x="1465632" y="6536992"/>
+            <a:ext cx="2754280" cy="307777"/>
+          </a:xfrm>
+          <a:prstGeom prst="rect">
+            <a:avLst/>
+          </a:prstGeom>
+          <a:noFill/>
+        </p:spPr>
+        <p:txBody>
+          <a:bodyPr wrap="none" rtlCol="0">
+            <a:spAutoFit/>
+          </a:bodyPr>
+          <a:lstStyle/>
+          <a:p>
+            <a:r>
+              <a:rPr lang="en-US" dirty="0" err="1"/>
+              <a:t>Biol</a:t>
+            </a:r>
+            <a:r>
+              <a:rPr lang="en-US" dirty="0"/>
+              <a:t> 4463/6463 Scientific Writing</a:t>
+            </a:r>
+          </a:p>
+        </p:txBody>
+      </p:sp>
+      <p:sp>
+        <p:nvSpPr>
+          <p:cNvPr id="6" name="TextBox 5"/>
+          <p:cNvSpPr txBox="1"/>
+          <p:nvPr/>
+        </p:nvSpPr>
+        <p:spPr>
+          <a:xfrm>
+            <a:off x="4267006" y="116732"/>
+            <a:ext cx="3421129" cy="523220"/>
+          </a:xfrm>
+          <a:prstGeom prst="rect">
+            <a:avLst/>
+          </a:prstGeom>
+          <a:noFill/>
+        </p:spPr>
+        <p:txBody>
+          <a:bodyPr wrap="none" rtlCol="0">
+            <a:spAutoFit/>
+          </a:bodyPr>
+          <a:lstStyle/>
+          <a:p>
+            <a:pPr algn="ctr"/>
+            <a:r>
+              <a:rPr lang="en-US" sz="2800" i="1" dirty="0"/>
+              <a:t>Methods</a:t>
+            </a:r>
+            <a:r>
+              <a:rPr lang="en-US" sz="2800" dirty="0"/>
+              <a:t> vs. </a:t>
+            </a:r>
+            <a:r>
+              <a:rPr lang="en-US" sz="2800" i="1" dirty="0"/>
+              <a:t>Results</a:t>
+            </a:r>
+          </a:p>
+        </p:txBody>
+      </p:sp>
+      <p:sp>
+        <p:nvSpPr>
+          <p:cNvPr id="5" name="TextBox 4"/>
+          <p:cNvSpPr txBox="1"/>
+          <p:nvPr/>
+        </p:nvSpPr>
+        <p:spPr>
+          <a:xfrm>
+            <a:off x="1943763" y="1328558"/>
+            <a:ext cx="8220075" cy="4324261"/>
+          </a:xfrm>
+          <a:prstGeom prst="rect">
+            <a:avLst/>
+          </a:prstGeom>
+          <a:noFill/>
+        </p:spPr>
+        <p:txBody>
+          <a:bodyPr wrap="square" rtlCol="0">
+            <a:spAutoFit/>
+          </a:bodyPr>
+          <a:lstStyle/>
+          <a:p>
+            <a:pPr marL="171450" indent="-171450">
+              <a:spcAft>
+                <a:spcPts val="600"/>
+              </a:spcAft>
+              <a:buFont typeface="Arial" panose="020B0604020202020204" pitchFamily="34" charset="0"/>
+              <a:buChar char="•"/>
+            </a:pPr>
+            <a:r>
+              <a:rPr lang="en-US" sz="2000" dirty="0" err="1"/>
+              <a:t>IMRaD</a:t>
+            </a:r>
+            <a:r>
+              <a:rPr lang="en-US" sz="2000" dirty="0"/>
+              <a:t> canon implies fairly strict separation – but not 100%</a:t>
+            </a:r>
+          </a:p>
+          <a:p>
+            <a:pPr marL="171450" indent="-171450">
+              <a:spcAft>
+                <a:spcPts val="600"/>
+              </a:spcAft>
+              <a:buFont typeface="Arial" panose="020B0604020202020204" pitchFamily="34" charset="0"/>
+              <a:buChar char="•"/>
+            </a:pPr>
+            <a:endParaRPr lang="en-US" sz="2000" dirty="0"/>
+          </a:p>
+          <a:p>
+            <a:pPr marL="171450" indent="-171450">
+              <a:spcAft>
+                <a:spcPts val="600"/>
+              </a:spcAft>
+              <a:buFont typeface="Arial" panose="020B0604020202020204" pitchFamily="34" charset="0"/>
+              <a:buChar char="•"/>
+            </a:pPr>
+            <a:r>
+              <a:rPr lang="en-US" sz="2000" dirty="0"/>
+              <a:t>Some methods might be mentioned in the </a:t>
+            </a:r>
+            <a:r>
+              <a:rPr lang="en-US" sz="2000" i="1" dirty="0"/>
+              <a:t>Results</a:t>
+            </a:r>
+            <a:r>
+              <a:rPr lang="en-US" sz="2000" dirty="0"/>
+              <a:t> section – but as a reminder so the reader can understand. No </a:t>
+            </a:r>
+            <a:r>
+              <a:rPr lang="en-US" sz="2000" i="1" dirty="0"/>
+              <a:t>new</a:t>
+            </a:r>
+            <a:r>
+              <a:rPr lang="en-US" sz="2000" dirty="0"/>
+              <a:t> methods in the </a:t>
+            </a:r>
+            <a:r>
+              <a:rPr lang="en-US" sz="2000" i="1" dirty="0"/>
+              <a:t>Results</a:t>
+            </a:r>
+            <a:r>
+              <a:rPr lang="en-US" sz="2000" dirty="0"/>
+              <a:t>!</a:t>
+            </a:r>
+          </a:p>
+          <a:p>
+            <a:pPr marL="628650" lvl="1" indent="-171450">
+              <a:spcAft>
+                <a:spcPts val="600"/>
+              </a:spcAft>
+              <a:buFont typeface="Arial" panose="020B0604020202020204" pitchFamily="34" charset="0"/>
+              <a:buChar char="•"/>
+            </a:pPr>
+            <a:r>
+              <a:rPr lang="en-US" sz="2000" dirty="0"/>
+              <a:t>This is very noticeable in “Methods-last” papers, which really aren’t.</a:t>
+            </a:r>
+          </a:p>
+          <a:p>
+            <a:pPr marL="628650" lvl="1" indent="-171450">
+              <a:spcAft>
+                <a:spcPts val="600"/>
+              </a:spcAft>
+              <a:buFont typeface="Arial" panose="020B0604020202020204" pitchFamily="34" charset="0"/>
+              <a:buChar char="•"/>
+            </a:pPr>
+            <a:endParaRPr lang="en-US" sz="2000" dirty="0"/>
+          </a:p>
+          <a:p>
+            <a:pPr marL="171450" indent="-171450">
+              <a:spcAft>
+                <a:spcPts val="600"/>
+              </a:spcAft>
+              <a:buFont typeface="Arial" panose="020B0604020202020204" pitchFamily="34" charset="0"/>
+              <a:buChar char="•"/>
+            </a:pPr>
+            <a:r>
+              <a:rPr lang="en-US" sz="2000" dirty="0"/>
+              <a:t>Some results might appear in the </a:t>
+            </a:r>
+            <a:r>
+              <a:rPr lang="en-US" sz="2000" i="1" dirty="0"/>
+              <a:t>Methods</a:t>
+            </a:r>
+            <a:r>
+              <a:rPr lang="en-US" sz="2000" dirty="0"/>
+              <a:t> section:</a:t>
+            </a:r>
+          </a:p>
+          <a:p>
+            <a:pPr marL="628650" lvl="1" indent="-171450">
+              <a:spcAft>
+                <a:spcPts val="600"/>
+              </a:spcAft>
+              <a:buFont typeface="Arial" panose="020B0604020202020204" pitchFamily="34" charset="0"/>
+              <a:buChar char="•"/>
+            </a:pPr>
+            <a:r>
+              <a:rPr lang="en-US" sz="2000" dirty="0"/>
+              <a:t>When they are needed to justify or explain choice of methods; </a:t>
+            </a:r>
+            <a:r>
+              <a:rPr lang="en-US" sz="2000" b="1" i="1" dirty="0"/>
+              <a:t>and</a:t>
+            </a:r>
+          </a:p>
+          <a:p>
+            <a:pPr marL="628650" lvl="1" indent="-171450">
+              <a:spcAft>
+                <a:spcPts val="600"/>
+              </a:spcAft>
+              <a:buFont typeface="Arial" panose="020B0604020202020204" pitchFamily="34" charset="0"/>
+              <a:buChar char="•"/>
+            </a:pPr>
+            <a:r>
+              <a:rPr lang="en-US" sz="2000" dirty="0"/>
+              <a:t>When they don’t need to be further discussed.</a:t>
+            </a:r>
+          </a:p>
+        </p:txBody>
+      </p:sp>
+      <p:sp>
+        <p:nvSpPr>
+          <p:cNvPr id="7" name="TextBox 6"/>
+          <p:cNvSpPr txBox="1"/>
+          <p:nvPr/>
+        </p:nvSpPr>
+        <p:spPr>
+          <a:xfrm>
+            <a:off x="9862344" y="6533749"/>
+            <a:ext cx="782587" cy="307777"/>
+          </a:xfrm>
+          <a:prstGeom prst="rect">
+            <a:avLst/>
+          </a:prstGeom>
+          <a:noFill/>
+        </p:spPr>
+        <p:txBody>
+          <a:bodyPr wrap="none" rtlCol="0">
+            <a:spAutoFit/>
+          </a:bodyPr>
+          <a:lstStyle/>
+          <a:p>
+            <a:pPr algn="r"/>
+            <a:r>
+              <a:rPr lang="en-US" dirty="0"/>
+              <a:t>Results</a:t>
+            </a:r>
+          </a:p>
+        </p:txBody>
+      </p:sp>
+    </p:spTree>
+    <p:extLst>
+      <p:ext uri="{BB962C8B-B14F-4D97-AF65-F5344CB8AC3E}">
+        <p14:creationId xmlns:p14="http://schemas.microsoft.com/office/powerpoint/2010/main" val="3636480379"/>
+      </p:ext>
+    </p:extLst>
+  </p:cSld>
+  <p:clrMapOvr>
+    <a:masterClrMapping/>
+  </p:clrMapOvr>
+  <p:timing>
+    <p:tnLst>
+      <p:par>
+        <p:cTn id="1" dur="indefinite" restart="never" nodeType="tmRoot">
+          <p:childTnLst>
+            <p:seq concurrent="1" nextAc="seek">
+              <p:cTn id="2" dur="indefinite" nodeType="mainSeq">
+                <p:childTnLst>
+                  <p:par>
+                    <p:cTn id="3" fill="hold">
+                      <p:stCondLst>
+                        <p:cond delay="indefinite"/>
+                      </p:stCondLst>
+                      <p:childTnLst>
+                        <p:par>
+                          <p:cTn id="4" fill="hold">
+                            <p:stCondLst>
+                              <p:cond delay="0"/>
+                            </p:stCondLst>
+                            <p:childTnLst>
+                              <p:par>
+                                <p:cTn id="5" presetID="1" presetClass="entr" presetSubtype="0" fill="hold" nodeType="clickEffect">
+                                  <p:stCondLst>
+                                    <p:cond delay="0"/>
+                                  </p:stCondLst>
+                                  <p:childTnLst>
+                                    <p:set>
+                                      <p:cBhvr>
+                                        <p:cTn id="6" dur="1" fill="hold">
+                                          <p:stCondLst>
+                                            <p:cond delay="0"/>
+                                          </p:stCondLst>
+                                        </p:cTn>
+                                        <p:tgtEl>
+                                          <p:spTgt spid="5">
+                                            <p:txEl>
+                                              <p:pRg st="2" end="2"/>
+                                            </p:txEl>
+                                          </p:spTgt>
+                                        </p:tgtEl>
+                                        <p:attrNameLst>
+                                          <p:attrName>style.visibility</p:attrName>
+                                        </p:attrNameLst>
+                                      </p:cBhvr>
+                                      <p:to>
+                                        <p:strVal val="visible"/>
+                                      </p:to>
+                                    </p:set>
+                                  </p:childTnLst>
+                                </p:cTn>
+                              </p:par>
+                            </p:childTnLst>
+                          </p:cTn>
+                        </p:par>
+                      </p:childTnLst>
+                    </p:cTn>
+                  </p:par>
+                  <p:par>
+                    <p:cTn id="7" fill="hold">
+                      <p:stCondLst>
+                        <p:cond delay="indefinite"/>
+                      </p:stCondLst>
+                      <p:childTnLst>
+                        <p:par>
+                          <p:cTn id="8" fill="hold">
+                            <p:stCondLst>
+                              <p:cond delay="0"/>
+                            </p:stCondLst>
+                            <p:childTnLst>
+                              <p:par>
+                                <p:cTn id="9" presetID="1" presetClass="entr" presetSubtype="0" fill="hold" nodeType="clickEffect">
+                                  <p:stCondLst>
+                                    <p:cond delay="0"/>
+                                  </p:stCondLst>
+                                  <p:childTnLst>
+                                    <p:set>
+                                      <p:cBhvr>
+                                        <p:cTn id="10" dur="1" fill="hold">
+                                          <p:stCondLst>
+                                            <p:cond delay="0"/>
+                                          </p:stCondLst>
+                                        </p:cTn>
+                                        <p:tgtEl>
+                                          <p:spTgt spid="5">
+                                            <p:txEl>
+                                              <p:pRg st="3" end="3"/>
+                                            </p:txEl>
+                                          </p:spTgt>
+                                        </p:tgtEl>
+                                        <p:attrNameLst>
+                                          <p:attrName>style.visibility</p:attrName>
+                                        </p:attrNameLst>
+                                      </p:cBhvr>
+                                      <p:to>
+                                        <p:strVal val="visible"/>
+                                      </p:to>
+                                    </p:set>
+                                  </p:childTnLst>
+                                </p:cTn>
+                              </p:par>
+                            </p:childTnLst>
+                          </p:cTn>
+                        </p:par>
+                      </p:childTnLst>
+                    </p:cTn>
+                  </p:par>
+                  <p:par>
+                    <p:cTn id="11" fill="hold">
+                      <p:stCondLst>
+                        <p:cond delay="indefinite"/>
+                      </p:stCondLst>
+                      <p:childTnLst>
+                        <p:par>
+                          <p:cTn id="12" fill="hold">
+                            <p:stCondLst>
+                              <p:cond delay="0"/>
+                            </p:stCondLst>
+                            <p:childTnLst>
+                              <p:par>
+                                <p:cTn id="13" presetID="1" presetClass="entr" presetSubtype="0" fill="hold" nodeType="clickEffect">
+                                  <p:stCondLst>
+                                    <p:cond delay="0"/>
+                                  </p:stCondLst>
+                                  <p:childTnLst>
+                                    <p:set>
+                                      <p:cBhvr>
+                                        <p:cTn id="14" dur="1" fill="hold">
+                                          <p:stCondLst>
+                                            <p:cond delay="0"/>
+                                          </p:stCondLst>
+                                        </p:cTn>
+                                        <p:tgtEl>
+                                          <p:spTgt spid="5">
+                                            <p:txEl>
+                                              <p:pRg st="5" end="5"/>
+                                            </p:txEl>
+                                          </p:spTgt>
+                                        </p:tgtEl>
+                                        <p:attrNameLst>
+                                          <p:attrName>style.visibility</p:attrName>
+                                        </p:attrNameLst>
+                                      </p:cBhvr>
+                                      <p:to>
+                                        <p:strVal val="visible"/>
+                                      </p:to>
+                                    </p:set>
+                                  </p:childTnLst>
+                                </p:cTn>
+                              </p:par>
+                              <p:par>
+                                <p:cTn id="15" presetID="1" presetClass="entr" presetSubtype="0" fill="hold" nodeType="withEffect">
+                                  <p:stCondLst>
+                                    <p:cond delay="0"/>
+                                  </p:stCondLst>
+                                  <p:childTnLst>
+                                    <p:set>
+                                      <p:cBhvr>
+                                        <p:cTn id="16" dur="1" fill="hold">
+                                          <p:stCondLst>
+                                            <p:cond delay="0"/>
+                                          </p:stCondLst>
+                                        </p:cTn>
+                                        <p:tgtEl>
+                                          <p:spTgt spid="5">
+                                            <p:txEl>
+                                              <p:pRg st="6" end="6"/>
+                                            </p:txEl>
+                                          </p:spTgt>
+                                        </p:tgtEl>
+                                        <p:attrNameLst>
+                                          <p:attrName>style.visibility</p:attrName>
+                                        </p:attrNameLst>
+                                      </p:cBhvr>
+                                      <p:to>
+                                        <p:strVal val="visible"/>
+                                      </p:to>
+                                    </p:set>
+                                  </p:childTnLst>
+                                </p:cTn>
+                              </p:par>
+                              <p:par>
+                                <p:cTn id="17" presetID="1" presetClass="entr" presetSubtype="0" fill="hold" nodeType="withEffect">
+                                  <p:stCondLst>
+                                    <p:cond delay="0"/>
+                                  </p:stCondLst>
+                                  <p:childTnLst>
+                                    <p:set>
+                                      <p:cBhvr>
+                                        <p:cTn id="18" dur="1" fill="hold">
+                                          <p:stCondLst>
+                                            <p:cond delay="0"/>
+                                          </p:stCondLst>
+                                        </p:cTn>
+                                        <p:tgtEl>
+                                          <p:spTgt spid="5">
+                                            <p:txEl>
+                                              <p:pRg st="7" end="7"/>
+                                            </p:txEl>
+                                          </p:spTgt>
+                                        </p:tgtEl>
+                                        <p:attrNameLst>
+                                          <p:attrName>style.visibility</p:attrName>
+                                        </p:attrNameLst>
+                                      </p:cBhvr>
+                                      <p:to>
+                                        <p:strVal val="visible"/>
+                                      </p:to>
+                                    </p:set>
+                                  </p:childTnLst>
+                                </p:cTn>
+                              </p:par>
+                            </p:childTnLst>
+                          </p:cTn>
+                        </p:par>
+                      </p:childTnLst>
+                    </p:cTn>
+                  </p:par>
+                </p:childTnLst>
+              </p:cTn>
+              <p:prevCondLst>
+                <p:cond evt="onPrev" delay="0">
+                  <p:tgtEl>
+                    <p:sldTgt/>
+                  </p:tgtEl>
+                </p:cond>
+              </p:prevCondLst>
+              <p:nextCondLst>
+                <p:cond evt="onNext" delay="0">
+                  <p:tgtEl>
+                    <p:sldTgt/>
+                  </p:tgtEl>
+                </p:cond>
+              </p:nextCondLst>
+            </p:seq>
+          </p:childTnLst>
+        </p:cTn>
+      </p:par>
+    </p:tnLst>
+  </p:timing>
+</p:sld>
+</file>
+
+<file path=ppt/slides/slide29.xml><?xml version="1.0" encoding="utf-8"?>
+<p:sld xmlns:a="http://schemas.openxmlformats.org/drawingml/2006/main" xmlns:r="http://schemas.openxmlformats.org/officeDocument/2006/relationships" xmlns:p="http://schemas.openxmlformats.org/presentationml/2006/main">
+  <p:cSld>
+    <p:spTree>
+      <p:nvGrpSpPr>
+        <p:cNvPr id="1" name=""/>
+        <p:cNvGrpSpPr/>
+        <p:nvPr/>
+      </p:nvGrpSpPr>
+      <p:grpSpPr>
+        <a:xfrm>
+          <a:off x="0" y="0"/>
+          <a:ext cx="0" cy="0"/>
+          <a:chOff x="0" y="0"/>
+          <a:chExt cx="0" cy="0"/>
+        </a:xfrm>
+      </p:grpSpPr>
+      <p:sp>
+        <p:nvSpPr>
+          <p:cNvPr id="4" name="TextBox 3"/>
+          <p:cNvSpPr txBox="1"/>
+          <p:nvPr/>
+        </p:nvSpPr>
+        <p:spPr>
+          <a:xfrm>
+            <a:off x="1465632" y="6536992"/>
+            <a:ext cx="2754280" cy="307777"/>
+          </a:xfrm>
+          <a:prstGeom prst="rect">
+            <a:avLst/>
+          </a:prstGeom>
+          <a:noFill/>
+        </p:spPr>
+        <p:txBody>
+          <a:bodyPr wrap="none" rtlCol="0">
+            <a:spAutoFit/>
+          </a:bodyPr>
+          <a:lstStyle/>
+          <a:p>
+            <a:r>
+              <a:rPr lang="en-US" dirty="0" err="1"/>
+              <a:t>Biol</a:t>
+            </a:r>
+            <a:r>
+              <a:rPr lang="en-US" dirty="0"/>
+              <a:t> 4463/6463 Scientific Writing</a:t>
+            </a:r>
+          </a:p>
+        </p:txBody>
+      </p:sp>
+      <p:sp>
+        <p:nvSpPr>
+          <p:cNvPr id="6" name="TextBox 5"/>
+          <p:cNvSpPr txBox="1"/>
+          <p:nvPr/>
+        </p:nvSpPr>
+        <p:spPr>
+          <a:xfrm>
+            <a:off x="4087470" y="116732"/>
+            <a:ext cx="3780202" cy="523220"/>
+          </a:xfrm>
+          <a:prstGeom prst="rect">
+            <a:avLst/>
+          </a:prstGeom>
+          <a:noFill/>
+        </p:spPr>
+        <p:txBody>
+          <a:bodyPr wrap="none" rtlCol="0">
+            <a:spAutoFit/>
+          </a:bodyPr>
+          <a:lstStyle/>
+          <a:p>
+            <a:pPr algn="ctr"/>
+            <a:r>
+              <a:rPr lang="en-US" sz="2800" i="1" dirty="0"/>
+              <a:t>Results</a:t>
+            </a:r>
+            <a:r>
+              <a:rPr lang="en-US" sz="2800" dirty="0"/>
+              <a:t> vs. </a:t>
+            </a:r>
+            <a:r>
+              <a:rPr lang="en-US" sz="2800" i="1" dirty="0"/>
+              <a:t>Discussion</a:t>
+            </a:r>
+          </a:p>
+        </p:txBody>
+      </p:sp>
+      <p:sp>
+        <p:nvSpPr>
+          <p:cNvPr id="5" name="TextBox 4"/>
+          <p:cNvSpPr txBox="1"/>
+          <p:nvPr/>
+        </p:nvSpPr>
+        <p:spPr>
+          <a:xfrm>
+            <a:off x="1943763" y="1328557"/>
+            <a:ext cx="8220075" cy="5170646"/>
+          </a:xfrm>
+          <a:prstGeom prst="rect">
+            <a:avLst/>
+          </a:prstGeom>
+          <a:noFill/>
+        </p:spPr>
+        <p:txBody>
+          <a:bodyPr wrap="square" rtlCol="0">
+            <a:spAutoFit/>
+          </a:bodyPr>
+          <a:lstStyle/>
+          <a:p>
+            <a:pPr marL="171450" indent="-171450">
+              <a:spcAft>
+                <a:spcPts val="600"/>
+              </a:spcAft>
+              <a:buFont typeface="Arial" panose="020B0604020202020204" pitchFamily="34" charset="0"/>
+              <a:buChar char="•"/>
+            </a:pPr>
+            <a:r>
+              <a:rPr lang="en-US" sz="2000" dirty="0" err="1"/>
+              <a:t>IMRaD</a:t>
+            </a:r>
+            <a:r>
+              <a:rPr lang="en-US" sz="2000" dirty="0"/>
+              <a:t> canon implies fairly strict separation – but not 100%</a:t>
+            </a:r>
+          </a:p>
+          <a:p>
+            <a:pPr marL="171450" indent="-171450">
+              <a:spcAft>
+                <a:spcPts val="600"/>
+              </a:spcAft>
+              <a:buFont typeface="Arial" panose="020B0604020202020204" pitchFamily="34" charset="0"/>
+              <a:buChar char="•"/>
+            </a:pPr>
+            <a:endParaRPr lang="en-US" sz="2000" dirty="0"/>
+          </a:p>
+          <a:p>
+            <a:pPr marL="171450" indent="-171450">
+              <a:spcAft>
+                <a:spcPts val="600"/>
+              </a:spcAft>
+              <a:buFont typeface="Arial" panose="020B0604020202020204" pitchFamily="34" charset="0"/>
+              <a:buChar char="•"/>
+            </a:pPr>
+            <a:r>
+              <a:rPr lang="en-US" sz="2000" dirty="0"/>
+              <a:t>The </a:t>
+            </a:r>
+            <a:r>
+              <a:rPr lang="en-US" sz="2000" i="1" dirty="0"/>
+              <a:t>Results</a:t>
+            </a:r>
+            <a:r>
+              <a:rPr lang="en-US" sz="2000" dirty="0"/>
+              <a:t> section should not </a:t>
+            </a:r>
+            <a:r>
+              <a:rPr lang="en-US" sz="2000" i="1" dirty="0"/>
+              <a:t>discuss</a:t>
+            </a:r>
+            <a:r>
+              <a:rPr lang="en-US" sz="2000" dirty="0"/>
+              <a:t> the data, but may </a:t>
+            </a:r>
+            <a:r>
+              <a:rPr lang="en-US" sz="2000" i="1" dirty="0"/>
+              <a:t>comment</a:t>
+            </a:r>
+            <a:r>
+              <a:rPr lang="en-US" sz="2000" dirty="0"/>
+              <a:t> on it:</a:t>
+            </a:r>
+          </a:p>
+          <a:p>
+            <a:pPr marL="628650" lvl="1" indent="-171450">
+              <a:spcAft>
+                <a:spcPts val="600"/>
+              </a:spcAft>
+              <a:buFont typeface="Arial" panose="020B0604020202020204" pitchFamily="34" charset="0"/>
+              <a:buChar char="•"/>
+            </a:pPr>
+            <a:r>
+              <a:rPr lang="en-US" sz="2000" dirty="0"/>
+              <a:t>Draw attention to important features of the data (e.g., key results, comparisons)</a:t>
+            </a:r>
+          </a:p>
+          <a:p>
+            <a:pPr lvl="1">
+              <a:spcAft>
+                <a:spcPts val="600"/>
+              </a:spcAft>
+            </a:pPr>
+            <a:endParaRPr lang="en-US" sz="2000" dirty="0"/>
+          </a:p>
+          <a:p>
+            <a:pPr lvl="1">
+              <a:spcAft>
+                <a:spcPts val="600"/>
+              </a:spcAft>
+            </a:pPr>
+            <a:endParaRPr lang="en-US" sz="2000" dirty="0"/>
+          </a:p>
+          <a:p>
+            <a:pPr lvl="1">
+              <a:spcAft>
+                <a:spcPts val="600"/>
+              </a:spcAft>
+            </a:pPr>
+            <a:endParaRPr lang="en-US" sz="2000" dirty="0"/>
+          </a:p>
+          <a:p>
+            <a:pPr lvl="1">
+              <a:spcAft>
+                <a:spcPts val="600"/>
+              </a:spcAft>
+            </a:pPr>
+            <a:endParaRPr lang="en-US" sz="2000" dirty="0"/>
+          </a:p>
+          <a:p>
+            <a:pPr marL="628650" lvl="1" indent="-171450">
+              <a:spcAft>
+                <a:spcPts val="600"/>
+              </a:spcAft>
+              <a:buFont typeface="Arial" panose="020B0604020202020204" pitchFamily="34" charset="0"/>
+              <a:buChar char="•"/>
+            </a:pPr>
+            <a:r>
+              <a:rPr lang="en-US" sz="2000" dirty="0"/>
+              <a:t>Compare experiment to experiment, experiment to model, etc.</a:t>
+            </a:r>
+          </a:p>
+          <a:p>
+            <a:pPr marL="1085850" lvl="2" indent="-171450">
+              <a:spcAft>
+                <a:spcPts val="600"/>
+              </a:spcAft>
+              <a:buFont typeface="Arial" panose="020B0604020202020204" pitchFamily="34" charset="0"/>
+              <a:buChar char="•"/>
+            </a:pPr>
+            <a:r>
+              <a:rPr lang="en-US" sz="2000" dirty="0"/>
+              <a:t>But  save implications of these comparisons for </a:t>
+            </a:r>
+            <a:r>
+              <a:rPr lang="en-US" sz="2000" i="1" dirty="0"/>
+              <a:t>Discussion</a:t>
+            </a:r>
+          </a:p>
+          <a:p>
+            <a:pPr marL="1085850" lvl="2" indent="-171450">
+              <a:spcAft>
+                <a:spcPts val="600"/>
+              </a:spcAft>
+              <a:buFont typeface="Arial" panose="020B0604020202020204" pitchFamily="34" charset="0"/>
+              <a:buChar char="•"/>
+            </a:pPr>
+            <a:r>
+              <a:rPr lang="en-US" sz="2000" dirty="0"/>
+              <a:t>Also save comparisons of experiment to literature for </a:t>
+            </a:r>
+            <a:r>
+              <a:rPr lang="en-US" sz="2000" i="1" dirty="0"/>
+              <a:t>Discussion</a:t>
+            </a:r>
+          </a:p>
+        </p:txBody>
+      </p:sp>
+      <p:sp>
+        <p:nvSpPr>
+          <p:cNvPr id="7" name="TextBox 6"/>
+          <p:cNvSpPr txBox="1"/>
+          <p:nvPr/>
+        </p:nvSpPr>
+        <p:spPr>
+          <a:xfrm>
+            <a:off x="9862344" y="6533749"/>
+            <a:ext cx="782587" cy="307777"/>
+          </a:xfrm>
+          <a:prstGeom prst="rect">
+            <a:avLst/>
+          </a:prstGeom>
+          <a:noFill/>
+        </p:spPr>
+        <p:txBody>
+          <a:bodyPr wrap="none" rtlCol="0">
+            <a:spAutoFit/>
+          </a:bodyPr>
+          <a:lstStyle/>
+          <a:p>
+            <a:pPr algn="r"/>
+            <a:r>
+              <a:rPr lang="en-US" dirty="0"/>
+              <a:t>Results</a:t>
+            </a:r>
+          </a:p>
+        </p:txBody>
+      </p:sp>
+      <p:sp>
+        <p:nvSpPr>
+          <p:cNvPr id="3" name="TextBox 2"/>
+          <p:cNvSpPr txBox="1"/>
+          <p:nvPr/>
+        </p:nvSpPr>
+        <p:spPr>
+          <a:xfrm>
+            <a:off x="1745416" y="3265167"/>
+            <a:ext cx="8701168" cy="892552"/>
+          </a:xfrm>
+          <a:prstGeom prst="rect">
+            <a:avLst/>
+          </a:prstGeom>
+          <a:noFill/>
+          <a:ln>
+            <a:solidFill>
+              <a:schemeClr val="accent1"/>
+            </a:solidFill>
+          </a:ln>
+        </p:spPr>
+        <p:txBody>
+          <a:bodyPr wrap="square" rtlCol="0">
+            <a:spAutoFit/>
+          </a:bodyPr>
+          <a:lstStyle/>
+          <a:p>
+            <a:pPr>
+              <a:spcAft>
+                <a:spcPts val="600"/>
+              </a:spcAft>
+            </a:pPr>
+            <a:r>
+              <a:rPr lang="en-US" i="1" dirty="0"/>
+              <a:t>“Black kittens weighed 110 g (± 32 SD), </a:t>
+            </a:r>
+            <a:r>
+              <a:rPr lang="en-US" i="1"/>
+              <a:t>while white </a:t>
+            </a:r>
+            <a:r>
+              <a:rPr lang="en-US" i="1" dirty="0"/>
+              <a:t>kittens </a:t>
+            </a:r>
+            <a:r>
+              <a:rPr lang="en-US" i="1"/>
+              <a:t>weighed 90 </a:t>
+            </a:r>
+            <a:r>
+              <a:rPr lang="en-US" i="1" dirty="0"/>
+              <a:t>g </a:t>
+            </a:r>
+            <a:r>
+              <a:rPr lang="en-US" i="1"/>
+              <a:t>(± 11 </a:t>
+            </a:r>
+            <a:r>
+              <a:rPr lang="en-US" i="1" dirty="0"/>
+              <a:t>SD)”</a:t>
+            </a:r>
+          </a:p>
+          <a:p>
+            <a:pPr>
+              <a:spcAft>
+                <a:spcPts val="600"/>
+              </a:spcAft>
+            </a:pPr>
+            <a:r>
+              <a:rPr lang="en-US" i="1" dirty="0"/>
+              <a:t>									vs</a:t>
+            </a:r>
+          </a:p>
+          <a:p>
+            <a:pPr>
+              <a:spcAft>
+                <a:spcPts val="600"/>
+              </a:spcAft>
+            </a:pPr>
+            <a:r>
+              <a:rPr lang="en-US" i="1" dirty="0"/>
+              <a:t>“Black kittens weighed 22% more than white kittens (110 ± 32 g vs. 90 ± 11 g, mean ± SD)”</a:t>
+            </a:r>
+          </a:p>
+        </p:txBody>
+      </p:sp>
+    </p:spTree>
+    <p:extLst>
+      <p:ext uri="{BB962C8B-B14F-4D97-AF65-F5344CB8AC3E}">
+        <p14:creationId xmlns:p14="http://schemas.microsoft.com/office/powerpoint/2010/main" val="249117359"/>
+      </p:ext>
+    </p:extLst>
+  </p:cSld>
+  <p:clrMapOvr>
+    <a:masterClrMapping/>
+  </p:clrMapOvr>
+  <p:timing>
+    <p:tnLst>
+      <p:par>
+        <p:cTn id="1" dur="indefinite" restart="never" nodeType="tmRoot">
+          <p:childTnLst>
+            <p:seq concurrent="1" nextAc="seek">
+              <p:cTn id="2" dur="indefinite" nodeType="mainSeq">
+                <p:childTnLst>
+                  <p:par>
+                    <p:cTn id="3" fill="hold">
+                      <p:stCondLst>
+                        <p:cond delay="indefinite"/>
+                      </p:stCondLst>
+                      <p:childTnLst>
+                        <p:par>
+                          <p:cTn id="4" fill="hold">
+                            <p:stCondLst>
+                              <p:cond delay="0"/>
+                            </p:stCondLst>
+                            <p:childTnLst>
+                              <p:par>
+                                <p:cTn id="5" presetID="1" presetClass="entr" presetSubtype="0" fill="hold" nodeType="clickEffect">
+                                  <p:stCondLst>
+                                    <p:cond delay="0"/>
+                                  </p:stCondLst>
+                                  <p:childTnLst>
+                                    <p:set>
+                                      <p:cBhvr>
+                                        <p:cTn id="6" dur="1" fill="hold">
+                                          <p:stCondLst>
+                                            <p:cond delay="0"/>
+                                          </p:stCondLst>
+                                        </p:cTn>
+                                        <p:tgtEl>
+                                          <p:spTgt spid="5">
+                                            <p:txEl>
+                                              <p:pRg st="2" end="2"/>
+                                            </p:txEl>
+                                          </p:spTgt>
+                                        </p:tgtEl>
+                                        <p:attrNameLst>
+                                          <p:attrName>style.visibility</p:attrName>
+                                        </p:attrNameLst>
+                                      </p:cBhvr>
+                                      <p:to>
+                                        <p:strVal val="visible"/>
+                                      </p:to>
+                                    </p:set>
+                                  </p:childTnLst>
+                                </p:cTn>
+                              </p:par>
+                              <p:par>
+                                <p:cTn id="7" presetID="1" presetClass="entr" presetSubtype="0" fill="hold" nodeType="withEffect">
+                                  <p:stCondLst>
+                                    <p:cond delay="0"/>
+                                  </p:stCondLst>
+                                  <p:childTnLst>
+                                    <p:set>
+                                      <p:cBhvr>
+                                        <p:cTn id="8" dur="1" fill="hold">
+                                          <p:stCondLst>
+                                            <p:cond delay="0"/>
+                                          </p:stCondLst>
+                                        </p:cTn>
+                                        <p:tgtEl>
+                                          <p:spTgt spid="5">
+                                            <p:txEl>
+                                              <p:pRg st="3" end="3"/>
+                                            </p:txEl>
+                                          </p:spTgt>
+                                        </p:tgtEl>
+                                        <p:attrNameLst>
+                                          <p:attrName>style.visibility</p:attrName>
+                                        </p:attrNameLst>
+                                      </p:cBhvr>
+                                      <p:to>
+                                        <p:strVal val="visible"/>
+                                      </p:to>
+                                    </p:set>
+                                  </p:childTnLst>
+                                </p:cTn>
+                              </p:par>
+                              <p:par>
+                                <p:cTn id="9" presetID="1" presetClass="entr" presetSubtype="0" fill="hold" grpId="0" nodeType="withEffect">
+                                  <p:stCondLst>
+                                    <p:cond delay="0"/>
+                                  </p:stCondLst>
+                                  <p:childTnLst>
+                                    <p:set>
+                                      <p:cBhvr>
+                                        <p:cTn id="10" dur="1" fill="hold">
+                                          <p:stCondLst>
+                                            <p:cond delay="0"/>
+                                          </p:stCondLst>
+                                        </p:cTn>
+                                        <p:tgtEl>
+                                          <p:spTgt spid="3"/>
+                                        </p:tgtEl>
+                                        <p:attrNameLst>
+                                          <p:attrName>style.visibility</p:attrName>
+                                        </p:attrNameLst>
+                                      </p:cBhvr>
+                                      <p:to>
+                                        <p:strVal val="visible"/>
+                                      </p:to>
+                                    </p:set>
+                                  </p:childTnLst>
+                                </p:cTn>
+                              </p:par>
+                            </p:childTnLst>
+                          </p:cTn>
+                        </p:par>
+                      </p:childTnLst>
+                    </p:cTn>
+                  </p:par>
+                  <p:par>
+                    <p:cTn id="11" fill="hold">
+                      <p:stCondLst>
+                        <p:cond delay="indefinite"/>
+                      </p:stCondLst>
+                      <p:childTnLst>
+                        <p:par>
+                          <p:cTn id="12" fill="hold">
+                            <p:stCondLst>
+                              <p:cond delay="0"/>
+                            </p:stCondLst>
+                            <p:childTnLst>
+                              <p:par>
+                                <p:cTn id="13" presetID="1" presetClass="entr" presetSubtype="0" fill="hold" nodeType="clickEffect">
+                                  <p:stCondLst>
+                                    <p:cond delay="0"/>
+                                  </p:stCondLst>
+                                  <p:childTnLst>
+                                    <p:set>
+                                      <p:cBhvr>
+                                        <p:cTn id="14" dur="1" fill="hold">
+                                          <p:stCondLst>
+                                            <p:cond delay="0"/>
+                                          </p:stCondLst>
+                                        </p:cTn>
+                                        <p:tgtEl>
+                                          <p:spTgt spid="5">
+                                            <p:txEl>
+                                              <p:pRg st="8" end="8"/>
+                                            </p:txEl>
+                                          </p:spTgt>
+                                        </p:tgtEl>
+                                        <p:attrNameLst>
+                                          <p:attrName>style.visibility</p:attrName>
+                                        </p:attrNameLst>
+                                      </p:cBhvr>
+                                      <p:to>
+                                        <p:strVal val="visible"/>
+                                      </p:to>
+                                    </p:set>
+                                  </p:childTnLst>
+                                </p:cTn>
+                              </p:par>
+                              <p:par>
+                                <p:cTn id="15" presetID="1" presetClass="entr" presetSubtype="0" fill="hold" nodeType="withEffect">
+                                  <p:stCondLst>
+                                    <p:cond delay="0"/>
+                                  </p:stCondLst>
+                                  <p:childTnLst>
+                                    <p:set>
+                                      <p:cBhvr>
+                                        <p:cTn id="16" dur="1" fill="hold">
+                                          <p:stCondLst>
+                                            <p:cond delay="0"/>
+                                          </p:stCondLst>
+                                        </p:cTn>
+                                        <p:tgtEl>
+                                          <p:spTgt spid="5">
+                                            <p:txEl>
+                                              <p:pRg st="9" end="9"/>
+                                            </p:txEl>
+                                          </p:spTgt>
+                                        </p:tgtEl>
+                                        <p:attrNameLst>
+                                          <p:attrName>style.visibility</p:attrName>
+                                        </p:attrNameLst>
+                                      </p:cBhvr>
+                                      <p:to>
+                                        <p:strVal val="visible"/>
+                                      </p:to>
+                                    </p:set>
+                                  </p:childTnLst>
+                                </p:cTn>
+                              </p:par>
+                              <p:par>
+                                <p:cTn id="17" presetID="1" presetClass="entr" presetSubtype="0" fill="hold" nodeType="withEffect">
+                                  <p:stCondLst>
+                                    <p:cond delay="0"/>
+                                  </p:stCondLst>
+                                  <p:childTnLst>
+                                    <p:set>
+                                      <p:cBhvr>
+                                        <p:cTn id="18" dur="1" fill="hold">
+                                          <p:stCondLst>
+                                            <p:cond delay="0"/>
+                                          </p:stCondLst>
+                                        </p:cTn>
+                                        <p:tgtEl>
+                                          <p:spTgt spid="5">
+                                            <p:txEl>
+                                              <p:pRg st="10" end="10"/>
+                                            </p:txEl>
+                                          </p:spTgt>
+                                        </p:tgtEl>
+                                        <p:attrNameLst>
+                                          <p:attrName>style.visibility</p:attrName>
+                                        </p:attrNameLst>
+                                      </p:cBhvr>
+                                      <p:to>
+                                        <p:strVal val="visible"/>
+                                      </p:to>
+                                    </p:set>
+                                  </p:childTnLst>
+                                </p:cTn>
+                              </p:par>
+                            </p:childTnLst>
+                          </p:cTn>
+                        </p:par>
+                      </p:childTnLst>
+                    </p:cTn>
+                  </p:par>
+                </p:childTnLst>
+              </p:cTn>
+              <p:prevCondLst>
+                <p:cond evt="onPrev" delay="0">
+                  <p:tgtEl>
+                    <p:sldTgt/>
+                  </p:tgtEl>
+                </p:cond>
+              </p:prevCondLst>
+              <p:nextCondLst>
+                <p:cond evt="onNext" delay="0">
+                  <p:tgtEl>
+                    <p:sldTgt/>
+                  </p:tgtEl>
+                </p:cond>
+              </p:nextCondLst>
+            </p:seq>
+          </p:childTnLst>
+        </p:cTn>
+      </p:par>
+    </p:tnLst>
+    <p:bldLst>
+      <p:bldP spid="3" grpId="0" animBg="1"/>
+    </p:bldLst>
+  </p:timing>
 </p:sld>
 </file>
 
@@ -19631,6 +23986,1425 @@
   <p:clrMapOvr>
     <a:masterClrMapping/>
   </p:clrMapOvr>
+</p:sld>
+</file>
+
+<file path=ppt/slides/slide30.xml><?xml version="1.0" encoding="utf-8"?>
+<p:sld xmlns:a="http://schemas.openxmlformats.org/drawingml/2006/main" xmlns:r="http://schemas.openxmlformats.org/officeDocument/2006/relationships" xmlns:p="http://schemas.openxmlformats.org/presentationml/2006/main">
+  <p:cSld>
+    <p:spTree>
+      <p:nvGrpSpPr>
+        <p:cNvPr id="1" name=""/>
+        <p:cNvGrpSpPr/>
+        <p:nvPr/>
+      </p:nvGrpSpPr>
+      <p:grpSpPr>
+        <a:xfrm>
+          <a:off x="0" y="0"/>
+          <a:ext cx="0" cy="0"/>
+          <a:chOff x="0" y="0"/>
+          <a:chExt cx="0" cy="0"/>
+        </a:xfrm>
+      </p:grpSpPr>
+      <p:sp>
+        <p:nvSpPr>
+          <p:cNvPr id="4" name="TextBox 3"/>
+          <p:cNvSpPr txBox="1"/>
+          <p:nvPr/>
+        </p:nvSpPr>
+        <p:spPr>
+          <a:xfrm>
+            <a:off x="1465632" y="6536992"/>
+            <a:ext cx="2754280" cy="307777"/>
+          </a:xfrm>
+          <a:prstGeom prst="rect">
+            <a:avLst/>
+          </a:prstGeom>
+          <a:noFill/>
+        </p:spPr>
+        <p:txBody>
+          <a:bodyPr wrap="none" rtlCol="0">
+            <a:spAutoFit/>
+          </a:bodyPr>
+          <a:lstStyle/>
+          <a:p>
+            <a:r>
+              <a:rPr lang="en-US" dirty="0" err="1"/>
+              <a:t>Biol</a:t>
+            </a:r>
+            <a:r>
+              <a:rPr lang="en-US" dirty="0"/>
+              <a:t> 4463/6463 Scientific Writing</a:t>
+            </a:r>
+          </a:p>
+        </p:txBody>
+      </p:sp>
+      <p:sp>
+        <p:nvSpPr>
+          <p:cNvPr id="6" name="TextBox 5"/>
+          <p:cNvSpPr txBox="1"/>
+          <p:nvPr/>
+        </p:nvSpPr>
+        <p:spPr>
+          <a:xfrm>
+            <a:off x="4864918" y="116732"/>
+            <a:ext cx="2225289" cy="523220"/>
+          </a:xfrm>
+          <a:prstGeom prst="rect">
+            <a:avLst/>
+          </a:prstGeom>
+          <a:noFill/>
+        </p:spPr>
+        <p:txBody>
+          <a:bodyPr wrap="none" rtlCol="0">
+            <a:spAutoFit/>
+          </a:bodyPr>
+          <a:lstStyle/>
+          <a:p>
+            <a:pPr algn="ctr"/>
+            <a:r>
+              <a:rPr lang="en-US" sz="2800" dirty="0"/>
+              <a:t>Organization</a:t>
+            </a:r>
+          </a:p>
+        </p:txBody>
+      </p:sp>
+      <p:sp>
+        <p:nvSpPr>
+          <p:cNvPr id="5" name="TextBox 4"/>
+          <p:cNvSpPr txBox="1"/>
+          <p:nvPr/>
+        </p:nvSpPr>
+        <p:spPr>
+          <a:xfrm>
+            <a:off x="1943763" y="1328558"/>
+            <a:ext cx="8220075" cy="2323713"/>
+          </a:xfrm>
+          <a:prstGeom prst="rect">
+            <a:avLst/>
+          </a:prstGeom>
+          <a:noFill/>
+        </p:spPr>
+        <p:txBody>
+          <a:bodyPr wrap="square" rtlCol="0">
+            <a:spAutoFit/>
+          </a:bodyPr>
+          <a:lstStyle/>
+          <a:p>
+            <a:pPr marL="171450" indent="-171450">
+              <a:spcAft>
+                <a:spcPts val="600"/>
+              </a:spcAft>
+              <a:buFont typeface="Arial" panose="020B0604020202020204" pitchFamily="34" charset="0"/>
+              <a:buChar char="•"/>
+            </a:pPr>
+            <a:r>
+              <a:rPr lang="en-US" sz="2000" dirty="0"/>
+              <a:t>Two common organizations:</a:t>
+            </a:r>
+          </a:p>
+          <a:p>
+            <a:pPr lvl="1">
+              <a:spcAft>
+                <a:spcPts val="600"/>
+              </a:spcAft>
+            </a:pPr>
+            <a:r>
+              <a:rPr lang="en-US" sz="2000" dirty="0"/>
+              <a:t>(A) Simple </a:t>
+            </a:r>
+            <a:r>
+              <a:rPr lang="en-US" sz="2000" i="1" dirty="0"/>
+              <a:t>Results</a:t>
+            </a:r>
+            <a:r>
+              <a:rPr lang="en-US" sz="2000" dirty="0"/>
+              <a:t>: put main result first</a:t>
+            </a:r>
+          </a:p>
+          <a:p>
+            <a:pPr lvl="1">
+              <a:spcAft>
+                <a:spcPts val="600"/>
+              </a:spcAft>
+            </a:pPr>
+            <a:r>
+              <a:rPr lang="en-US" sz="2000" dirty="0"/>
+              <a:t>(B) More complex </a:t>
+            </a:r>
+            <a:r>
+              <a:rPr lang="en-US" sz="2000" i="1" dirty="0"/>
+              <a:t>Results</a:t>
+            </a:r>
+            <a:r>
+              <a:rPr lang="en-US" sz="2000" dirty="0"/>
+              <a:t>: put main result last (build up to it)</a:t>
+            </a:r>
+          </a:p>
+          <a:p>
+            <a:pPr marL="1085850" lvl="2" indent="-171450">
+              <a:spcAft>
+                <a:spcPts val="600"/>
+              </a:spcAft>
+              <a:buFont typeface="Arial" panose="020B0604020202020204" pitchFamily="34" charset="0"/>
+              <a:buChar char="•"/>
+            </a:pPr>
+            <a:r>
+              <a:rPr lang="en-US" sz="2000" dirty="0"/>
+              <a:t>Use paragraph or subsection structure mirroring </a:t>
+            </a:r>
+            <a:r>
+              <a:rPr lang="en-US" sz="2000" i="1" dirty="0"/>
+              <a:t>Methods</a:t>
+            </a:r>
+          </a:p>
+          <a:p>
+            <a:pPr marL="171450" indent="-171450">
+              <a:spcAft>
+                <a:spcPts val="600"/>
+              </a:spcAft>
+              <a:buFont typeface="Arial" panose="020B0604020202020204" pitchFamily="34" charset="0"/>
+              <a:buChar char="•"/>
+            </a:pPr>
+            <a:endParaRPr lang="en-US" sz="2000" dirty="0"/>
+          </a:p>
+          <a:p>
+            <a:pPr marL="171450" indent="-171450">
+              <a:spcAft>
+                <a:spcPts val="600"/>
+              </a:spcAft>
+              <a:buFont typeface="Arial" panose="020B0604020202020204" pitchFamily="34" charset="0"/>
+              <a:buChar char="•"/>
+            </a:pPr>
+            <a:r>
+              <a:rPr lang="en-US" sz="2000" dirty="0"/>
+              <a:t>Very effective: state main result briefly first, then use organization (B)</a:t>
+            </a:r>
+          </a:p>
+        </p:txBody>
+      </p:sp>
+      <p:sp>
+        <p:nvSpPr>
+          <p:cNvPr id="7" name="TextBox 6"/>
+          <p:cNvSpPr txBox="1"/>
+          <p:nvPr/>
+        </p:nvSpPr>
+        <p:spPr>
+          <a:xfrm>
+            <a:off x="9862344" y="6533749"/>
+            <a:ext cx="782587" cy="307777"/>
+          </a:xfrm>
+          <a:prstGeom prst="rect">
+            <a:avLst/>
+          </a:prstGeom>
+          <a:noFill/>
+        </p:spPr>
+        <p:txBody>
+          <a:bodyPr wrap="none" rtlCol="0">
+            <a:spAutoFit/>
+          </a:bodyPr>
+          <a:lstStyle/>
+          <a:p>
+            <a:pPr algn="r"/>
+            <a:r>
+              <a:rPr lang="en-US" dirty="0"/>
+              <a:t>Results</a:t>
+            </a:r>
+          </a:p>
+        </p:txBody>
+      </p:sp>
+    </p:spTree>
+    <p:extLst>
+      <p:ext uri="{BB962C8B-B14F-4D97-AF65-F5344CB8AC3E}">
+        <p14:creationId xmlns:p14="http://schemas.microsoft.com/office/powerpoint/2010/main" val="2241548738"/>
+      </p:ext>
+    </p:extLst>
+  </p:cSld>
+  <p:clrMapOvr>
+    <a:masterClrMapping/>
+  </p:clrMapOvr>
+</p:sld>
+</file>
+
+<file path=ppt/slides/slide31.xml><?xml version="1.0" encoding="utf-8"?>
+<p:sld xmlns:a="http://schemas.openxmlformats.org/drawingml/2006/main" xmlns:r="http://schemas.openxmlformats.org/officeDocument/2006/relationships" xmlns:p="http://schemas.openxmlformats.org/presentationml/2006/main">
+  <p:cSld>
+    <p:spTree>
+      <p:nvGrpSpPr>
+        <p:cNvPr id="1" name=""/>
+        <p:cNvGrpSpPr/>
+        <p:nvPr/>
+      </p:nvGrpSpPr>
+      <p:grpSpPr>
+        <a:xfrm>
+          <a:off x="0" y="0"/>
+          <a:ext cx="0" cy="0"/>
+          <a:chOff x="0" y="0"/>
+          <a:chExt cx="0" cy="0"/>
+        </a:xfrm>
+      </p:grpSpPr>
+      <p:sp>
+        <p:nvSpPr>
+          <p:cNvPr id="4" name="TextBox 3"/>
+          <p:cNvSpPr txBox="1"/>
+          <p:nvPr/>
+        </p:nvSpPr>
+        <p:spPr>
+          <a:xfrm>
+            <a:off x="1465632" y="6536992"/>
+            <a:ext cx="2754280" cy="307777"/>
+          </a:xfrm>
+          <a:prstGeom prst="rect">
+            <a:avLst/>
+          </a:prstGeom>
+          <a:noFill/>
+        </p:spPr>
+        <p:txBody>
+          <a:bodyPr wrap="none" rtlCol="0">
+            <a:spAutoFit/>
+          </a:bodyPr>
+          <a:lstStyle/>
+          <a:p>
+            <a:r>
+              <a:rPr lang="en-US" dirty="0" err="1"/>
+              <a:t>Biol</a:t>
+            </a:r>
+            <a:r>
+              <a:rPr lang="en-US" dirty="0"/>
+              <a:t> 4463/6463 Scientific Writing</a:t>
+            </a:r>
+          </a:p>
+        </p:txBody>
+      </p:sp>
+      <p:sp>
+        <p:nvSpPr>
+          <p:cNvPr id="6" name="TextBox 5"/>
+          <p:cNvSpPr txBox="1"/>
+          <p:nvPr/>
+        </p:nvSpPr>
+        <p:spPr>
+          <a:xfrm>
+            <a:off x="3956020" y="116732"/>
+            <a:ext cx="4043094" cy="523220"/>
+          </a:xfrm>
+          <a:prstGeom prst="rect">
+            <a:avLst/>
+          </a:prstGeom>
+          <a:noFill/>
+        </p:spPr>
+        <p:txBody>
+          <a:bodyPr wrap="none" rtlCol="0">
+            <a:spAutoFit/>
+          </a:bodyPr>
+          <a:lstStyle/>
+          <a:p>
+            <a:pPr algn="ctr"/>
+            <a:r>
+              <a:rPr lang="en-US" sz="2800" dirty="0"/>
+              <a:t>Relating graphics to text</a:t>
+            </a:r>
+          </a:p>
+        </p:txBody>
+      </p:sp>
+      <p:sp>
+        <p:nvSpPr>
+          <p:cNvPr id="5" name="TextBox 4"/>
+          <p:cNvSpPr txBox="1"/>
+          <p:nvPr/>
+        </p:nvSpPr>
+        <p:spPr>
+          <a:xfrm>
+            <a:off x="1943763" y="1328557"/>
+            <a:ext cx="8220075" cy="3785652"/>
+          </a:xfrm>
+          <a:prstGeom prst="rect">
+            <a:avLst/>
+          </a:prstGeom>
+          <a:noFill/>
+        </p:spPr>
+        <p:txBody>
+          <a:bodyPr wrap="square" rtlCol="0">
+            <a:spAutoFit/>
+          </a:bodyPr>
+          <a:lstStyle/>
+          <a:p>
+            <a:pPr marL="171450" indent="-171450">
+              <a:spcAft>
+                <a:spcPts val="600"/>
+              </a:spcAft>
+              <a:buFont typeface="Arial" panose="020B0604020202020204" pitchFamily="34" charset="0"/>
+              <a:buChar char="•"/>
+            </a:pPr>
+            <a:r>
+              <a:rPr lang="en-US" sz="2000" dirty="0"/>
+              <a:t>Remember cost of navigation</a:t>
+            </a:r>
+          </a:p>
+          <a:p>
+            <a:pPr marL="171450" indent="-171450">
+              <a:spcAft>
+                <a:spcPts val="600"/>
+              </a:spcAft>
+              <a:buFont typeface="Arial" panose="020B0604020202020204" pitchFamily="34" charset="0"/>
+              <a:buChar char="•"/>
+            </a:pPr>
+            <a:r>
+              <a:rPr lang="en-US" sz="2000" dirty="0"/>
+              <a:t>Good legends/titles help make figures/tables self-contained</a:t>
+            </a:r>
+          </a:p>
+          <a:p>
+            <a:pPr marL="171450" indent="-171450">
+              <a:spcAft>
+                <a:spcPts val="600"/>
+              </a:spcAft>
+              <a:buFont typeface="Arial" panose="020B0604020202020204" pitchFamily="34" charset="0"/>
+              <a:buChar char="•"/>
+            </a:pPr>
+            <a:r>
+              <a:rPr lang="en-US" sz="2000" dirty="0"/>
+              <a:t>Text should tell the reader what to look for:</a:t>
+            </a:r>
+          </a:p>
+          <a:p>
+            <a:pPr lvl="2">
+              <a:spcAft>
+                <a:spcPts val="600"/>
+              </a:spcAft>
+            </a:pPr>
+            <a:r>
+              <a:rPr lang="en-US" sz="2000" i="1" dirty="0"/>
+              <a:t>“Black kittens are bigger than white ones (Fig. 1)”</a:t>
+            </a:r>
+            <a:endParaRPr lang="en-US" sz="2000" dirty="0"/>
+          </a:p>
+          <a:p>
+            <a:pPr lvl="2">
+              <a:spcAft>
+                <a:spcPts val="600"/>
+              </a:spcAft>
+            </a:pPr>
+            <a:r>
+              <a:rPr lang="en-US" sz="2000" dirty="0"/>
+              <a:t> 				not </a:t>
+            </a:r>
+          </a:p>
+          <a:p>
+            <a:pPr lvl="2">
+              <a:spcAft>
+                <a:spcPts val="600"/>
+              </a:spcAft>
+            </a:pPr>
+            <a:r>
+              <a:rPr lang="en-US" sz="2000" i="1" dirty="0"/>
+              <a:t>“Sizes of black and white kittens are shown in Figure 1”</a:t>
+            </a:r>
+          </a:p>
+          <a:p>
+            <a:pPr marL="171450" indent="-171450">
+              <a:spcAft>
+                <a:spcPts val="600"/>
+              </a:spcAft>
+              <a:buFont typeface="Arial" panose="020B0604020202020204" pitchFamily="34" charset="0"/>
+              <a:buChar char="•"/>
+            </a:pPr>
+            <a:r>
+              <a:rPr lang="en-US" sz="2000" dirty="0"/>
+              <a:t>For more complex figures/tables, use pointers:</a:t>
+            </a:r>
+          </a:p>
+          <a:p>
+            <a:pPr lvl="2">
+              <a:spcAft>
+                <a:spcPts val="600"/>
+              </a:spcAft>
+            </a:pPr>
+            <a:r>
+              <a:rPr lang="en-US" sz="2000" i="1" dirty="0"/>
+              <a:t>“Black kittens are larger than white ones (Fig.1, compare left and middle bars)”</a:t>
+            </a:r>
+          </a:p>
+          <a:p>
+            <a:pPr marL="171450" indent="-171450">
+              <a:spcAft>
+                <a:spcPts val="600"/>
+              </a:spcAft>
+              <a:buFont typeface="Arial" panose="020B0604020202020204" pitchFamily="34" charset="0"/>
+              <a:buChar char="•"/>
+            </a:pPr>
+            <a:r>
+              <a:rPr lang="en-US" sz="2000" b="1" dirty="0"/>
+              <a:t>Do not write this sentence:</a:t>
+            </a:r>
+          </a:p>
+        </p:txBody>
+      </p:sp>
+      <p:sp>
+        <p:nvSpPr>
+          <p:cNvPr id="7" name="TextBox 6"/>
+          <p:cNvSpPr txBox="1"/>
+          <p:nvPr/>
+        </p:nvSpPr>
+        <p:spPr>
+          <a:xfrm>
+            <a:off x="9862344" y="6533749"/>
+            <a:ext cx="782587" cy="307777"/>
+          </a:xfrm>
+          <a:prstGeom prst="rect">
+            <a:avLst/>
+          </a:prstGeom>
+          <a:noFill/>
+        </p:spPr>
+        <p:txBody>
+          <a:bodyPr wrap="none" rtlCol="0">
+            <a:spAutoFit/>
+          </a:bodyPr>
+          <a:lstStyle/>
+          <a:p>
+            <a:pPr algn="r"/>
+            <a:r>
+              <a:rPr lang="en-US" dirty="0"/>
+              <a:t>Results</a:t>
+            </a:r>
+          </a:p>
+        </p:txBody>
+      </p:sp>
+      <p:sp>
+        <p:nvSpPr>
+          <p:cNvPr id="2" name="Rectangle 1"/>
+          <p:cNvSpPr/>
+          <p:nvPr/>
+        </p:nvSpPr>
+        <p:spPr>
+          <a:xfrm>
+            <a:off x="2813725" y="5114209"/>
+            <a:ext cx="6792686" cy="1631216"/>
+          </a:xfrm>
+          <a:prstGeom prst="rect">
+            <a:avLst/>
+          </a:prstGeom>
+        </p:spPr>
+        <p:txBody>
+          <a:bodyPr wrap="square">
+            <a:spAutoFit/>
+          </a:bodyPr>
+          <a:lstStyle/>
+          <a:p>
+            <a:r>
+              <a:rPr lang="en-US" sz="2000" i="1" dirty="0"/>
+              <a:t>“Diet overlap between species increased from 2004 – 2009 in four of six comparisons: ribbon snake – green snake, mud snake – milk snake, milk snake – ribbon snake, and milk snake – green snake (Fig. 2A-F, Figs. 3 – 6, Table 3).”</a:t>
+            </a:r>
+            <a:endParaRPr lang="fr-CA" sz="2000" i="1" dirty="0"/>
+          </a:p>
+        </p:txBody>
+      </p:sp>
+    </p:spTree>
+    <p:extLst>
+      <p:ext uri="{BB962C8B-B14F-4D97-AF65-F5344CB8AC3E}">
+        <p14:creationId xmlns:p14="http://schemas.microsoft.com/office/powerpoint/2010/main" val="1992083265"/>
+      </p:ext>
+    </p:extLst>
+  </p:cSld>
+  <p:clrMapOvr>
+    <a:masterClrMapping/>
+  </p:clrMapOvr>
+  <p:timing>
+    <p:tnLst>
+      <p:par>
+        <p:cTn id="1" dur="indefinite" restart="never" nodeType="tmRoot">
+          <p:childTnLst>
+            <p:seq concurrent="1" nextAc="seek">
+              <p:cTn id="2" dur="indefinite" nodeType="mainSeq">
+                <p:childTnLst>
+                  <p:par>
+                    <p:cTn id="3" fill="hold">
+                      <p:stCondLst>
+                        <p:cond delay="indefinite"/>
+                      </p:stCondLst>
+                      <p:childTnLst>
+                        <p:par>
+                          <p:cTn id="4" fill="hold">
+                            <p:stCondLst>
+                              <p:cond delay="0"/>
+                            </p:stCondLst>
+                            <p:childTnLst>
+                              <p:par>
+                                <p:cTn id="5" presetID="1" presetClass="entr" presetSubtype="0" fill="hold" nodeType="clickEffect">
+                                  <p:stCondLst>
+                                    <p:cond delay="0"/>
+                                  </p:stCondLst>
+                                  <p:childTnLst>
+                                    <p:set>
+                                      <p:cBhvr>
+                                        <p:cTn id="6" dur="1" fill="hold">
+                                          <p:stCondLst>
+                                            <p:cond delay="0"/>
+                                          </p:stCondLst>
+                                        </p:cTn>
+                                        <p:tgtEl>
+                                          <p:spTgt spid="5">
+                                            <p:txEl>
+                                              <p:pRg st="1" end="1"/>
+                                            </p:txEl>
+                                          </p:spTgt>
+                                        </p:tgtEl>
+                                        <p:attrNameLst>
+                                          <p:attrName>style.visibility</p:attrName>
+                                        </p:attrNameLst>
+                                      </p:cBhvr>
+                                      <p:to>
+                                        <p:strVal val="visible"/>
+                                      </p:to>
+                                    </p:set>
+                                  </p:childTnLst>
+                                </p:cTn>
+                              </p:par>
+                            </p:childTnLst>
+                          </p:cTn>
+                        </p:par>
+                      </p:childTnLst>
+                    </p:cTn>
+                  </p:par>
+                  <p:par>
+                    <p:cTn id="7" fill="hold">
+                      <p:stCondLst>
+                        <p:cond delay="indefinite"/>
+                      </p:stCondLst>
+                      <p:childTnLst>
+                        <p:par>
+                          <p:cTn id="8" fill="hold">
+                            <p:stCondLst>
+                              <p:cond delay="0"/>
+                            </p:stCondLst>
+                            <p:childTnLst>
+                              <p:par>
+                                <p:cTn id="9" presetID="1" presetClass="entr" presetSubtype="0" fill="hold" nodeType="clickEffect">
+                                  <p:stCondLst>
+                                    <p:cond delay="0"/>
+                                  </p:stCondLst>
+                                  <p:childTnLst>
+                                    <p:set>
+                                      <p:cBhvr>
+                                        <p:cTn id="10" dur="1" fill="hold">
+                                          <p:stCondLst>
+                                            <p:cond delay="0"/>
+                                          </p:stCondLst>
+                                        </p:cTn>
+                                        <p:tgtEl>
+                                          <p:spTgt spid="5">
+                                            <p:txEl>
+                                              <p:pRg st="2" end="2"/>
+                                            </p:txEl>
+                                          </p:spTgt>
+                                        </p:tgtEl>
+                                        <p:attrNameLst>
+                                          <p:attrName>style.visibility</p:attrName>
+                                        </p:attrNameLst>
+                                      </p:cBhvr>
+                                      <p:to>
+                                        <p:strVal val="visible"/>
+                                      </p:to>
+                                    </p:set>
+                                  </p:childTnLst>
+                                </p:cTn>
+                              </p:par>
+                              <p:par>
+                                <p:cTn id="11" presetID="1" presetClass="entr" presetSubtype="0" fill="hold" nodeType="withEffect">
+                                  <p:stCondLst>
+                                    <p:cond delay="0"/>
+                                  </p:stCondLst>
+                                  <p:childTnLst>
+                                    <p:set>
+                                      <p:cBhvr>
+                                        <p:cTn id="12" dur="1" fill="hold">
+                                          <p:stCondLst>
+                                            <p:cond delay="0"/>
+                                          </p:stCondLst>
+                                        </p:cTn>
+                                        <p:tgtEl>
+                                          <p:spTgt spid="5">
+                                            <p:txEl>
+                                              <p:pRg st="3" end="3"/>
+                                            </p:txEl>
+                                          </p:spTgt>
+                                        </p:tgtEl>
+                                        <p:attrNameLst>
+                                          <p:attrName>style.visibility</p:attrName>
+                                        </p:attrNameLst>
+                                      </p:cBhvr>
+                                      <p:to>
+                                        <p:strVal val="visible"/>
+                                      </p:to>
+                                    </p:set>
+                                  </p:childTnLst>
+                                </p:cTn>
+                              </p:par>
+                              <p:par>
+                                <p:cTn id="13" presetID="1" presetClass="entr" presetSubtype="0" fill="hold" nodeType="withEffect">
+                                  <p:stCondLst>
+                                    <p:cond delay="0"/>
+                                  </p:stCondLst>
+                                  <p:childTnLst>
+                                    <p:set>
+                                      <p:cBhvr>
+                                        <p:cTn id="14" dur="1" fill="hold">
+                                          <p:stCondLst>
+                                            <p:cond delay="0"/>
+                                          </p:stCondLst>
+                                        </p:cTn>
+                                        <p:tgtEl>
+                                          <p:spTgt spid="5">
+                                            <p:txEl>
+                                              <p:pRg st="4" end="4"/>
+                                            </p:txEl>
+                                          </p:spTgt>
+                                        </p:tgtEl>
+                                        <p:attrNameLst>
+                                          <p:attrName>style.visibility</p:attrName>
+                                        </p:attrNameLst>
+                                      </p:cBhvr>
+                                      <p:to>
+                                        <p:strVal val="visible"/>
+                                      </p:to>
+                                    </p:set>
+                                  </p:childTnLst>
+                                </p:cTn>
+                              </p:par>
+                              <p:par>
+                                <p:cTn id="15" presetID="1" presetClass="entr" presetSubtype="0" fill="hold" nodeType="withEffect">
+                                  <p:stCondLst>
+                                    <p:cond delay="0"/>
+                                  </p:stCondLst>
+                                  <p:childTnLst>
+                                    <p:set>
+                                      <p:cBhvr>
+                                        <p:cTn id="16" dur="1" fill="hold">
+                                          <p:stCondLst>
+                                            <p:cond delay="0"/>
+                                          </p:stCondLst>
+                                        </p:cTn>
+                                        <p:tgtEl>
+                                          <p:spTgt spid="5">
+                                            <p:txEl>
+                                              <p:pRg st="5" end="5"/>
+                                            </p:txEl>
+                                          </p:spTgt>
+                                        </p:tgtEl>
+                                        <p:attrNameLst>
+                                          <p:attrName>style.visibility</p:attrName>
+                                        </p:attrNameLst>
+                                      </p:cBhvr>
+                                      <p:to>
+                                        <p:strVal val="visible"/>
+                                      </p:to>
+                                    </p:set>
+                                  </p:childTnLst>
+                                </p:cTn>
+                              </p:par>
+                            </p:childTnLst>
+                          </p:cTn>
+                        </p:par>
+                      </p:childTnLst>
+                    </p:cTn>
+                  </p:par>
+                  <p:par>
+                    <p:cTn id="17" fill="hold">
+                      <p:stCondLst>
+                        <p:cond delay="indefinite"/>
+                      </p:stCondLst>
+                      <p:childTnLst>
+                        <p:par>
+                          <p:cTn id="18" fill="hold">
+                            <p:stCondLst>
+                              <p:cond delay="0"/>
+                            </p:stCondLst>
+                            <p:childTnLst>
+                              <p:par>
+                                <p:cTn id="19" presetID="1" presetClass="entr" presetSubtype="0" fill="hold" nodeType="clickEffect">
+                                  <p:stCondLst>
+                                    <p:cond delay="0"/>
+                                  </p:stCondLst>
+                                  <p:childTnLst>
+                                    <p:set>
+                                      <p:cBhvr>
+                                        <p:cTn id="20" dur="1" fill="hold">
+                                          <p:stCondLst>
+                                            <p:cond delay="0"/>
+                                          </p:stCondLst>
+                                        </p:cTn>
+                                        <p:tgtEl>
+                                          <p:spTgt spid="5">
+                                            <p:txEl>
+                                              <p:pRg st="6" end="6"/>
+                                            </p:txEl>
+                                          </p:spTgt>
+                                        </p:tgtEl>
+                                        <p:attrNameLst>
+                                          <p:attrName>style.visibility</p:attrName>
+                                        </p:attrNameLst>
+                                      </p:cBhvr>
+                                      <p:to>
+                                        <p:strVal val="visible"/>
+                                      </p:to>
+                                    </p:set>
+                                  </p:childTnLst>
+                                </p:cTn>
+                              </p:par>
+                              <p:par>
+                                <p:cTn id="21" presetID="1" presetClass="entr" presetSubtype="0" fill="hold" nodeType="withEffect">
+                                  <p:stCondLst>
+                                    <p:cond delay="0"/>
+                                  </p:stCondLst>
+                                  <p:childTnLst>
+                                    <p:set>
+                                      <p:cBhvr>
+                                        <p:cTn id="22" dur="1" fill="hold">
+                                          <p:stCondLst>
+                                            <p:cond delay="0"/>
+                                          </p:stCondLst>
+                                        </p:cTn>
+                                        <p:tgtEl>
+                                          <p:spTgt spid="5">
+                                            <p:txEl>
+                                              <p:pRg st="7" end="7"/>
+                                            </p:txEl>
+                                          </p:spTgt>
+                                        </p:tgtEl>
+                                        <p:attrNameLst>
+                                          <p:attrName>style.visibility</p:attrName>
+                                        </p:attrNameLst>
+                                      </p:cBhvr>
+                                      <p:to>
+                                        <p:strVal val="visible"/>
+                                      </p:to>
+                                    </p:set>
+                                  </p:childTnLst>
+                                </p:cTn>
+                              </p:par>
+                            </p:childTnLst>
+                          </p:cTn>
+                        </p:par>
+                      </p:childTnLst>
+                    </p:cTn>
+                  </p:par>
+                  <p:par>
+                    <p:cTn id="23" fill="hold">
+                      <p:stCondLst>
+                        <p:cond delay="indefinite"/>
+                      </p:stCondLst>
+                      <p:childTnLst>
+                        <p:par>
+                          <p:cTn id="24" fill="hold">
+                            <p:stCondLst>
+                              <p:cond delay="0"/>
+                            </p:stCondLst>
+                            <p:childTnLst>
+                              <p:par>
+                                <p:cTn id="25" presetID="1" presetClass="entr" presetSubtype="0" fill="hold" grpId="0" nodeType="clickEffect">
+                                  <p:stCondLst>
+                                    <p:cond delay="0"/>
+                                  </p:stCondLst>
+                                  <p:childTnLst>
+                                    <p:set>
+                                      <p:cBhvr>
+                                        <p:cTn id="26" dur="1" fill="hold">
+                                          <p:stCondLst>
+                                            <p:cond delay="0"/>
+                                          </p:stCondLst>
+                                        </p:cTn>
+                                        <p:tgtEl>
+                                          <p:spTgt spid="2"/>
+                                        </p:tgtEl>
+                                        <p:attrNameLst>
+                                          <p:attrName>style.visibility</p:attrName>
+                                        </p:attrNameLst>
+                                      </p:cBhvr>
+                                      <p:to>
+                                        <p:strVal val="visible"/>
+                                      </p:to>
+                                    </p:set>
+                                  </p:childTnLst>
+                                </p:cTn>
+                              </p:par>
+                              <p:par>
+                                <p:cTn id="27" presetID="1" presetClass="entr" presetSubtype="0" fill="hold" nodeType="withEffect">
+                                  <p:stCondLst>
+                                    <p:cond delay="0"/>
+                                  </p:stCondLst>
+                                  <p:childTnLst>
+                                    <p:set>
+                                      <p:cBhvr>
+                                        <p:cTn id="28" dur="1" fill="hold">
+                                          <p:stCondLst>
+                                            <p:cond delay="0"/>
+                                          </p:stCondLst>
+                                        </p:cTn>
+                                        <p:tgtEl>
+                                          <p:spTgt spid="5">
+                                            <p:txEl>
+                                              <p:pRg st="8" end="8"/>
+                                            </p:txEl>
+                                          </p:spTgt>
+                                        </p:tgtEl>
+                                        <p:attrNameLst>
+                                          <p:attrName>style.visibility</p:attrName>
+                                        </p:attrNameLst>
+                                      </p:cBhvr>
+                                      <p:to>
+                                        <p:strVal val="visible"/>
+                                      </p:to>
+                                    </p:set>
+                                  </p:childTnLst>
+                                </p:cTn>
+                              </p:par>
+                            </p:childTnLst>
+                          </p:cTn>
+                        </p:par>
+                      </p:childTnLst>
+                    </p:cTn>
+                  </p:par>
+                </p:childTnLst>
+              </p:cTn>
+              <p:prevCondLst>
+                <p:cond evt="onPrev" delay="0">
+                  <p:tgtEl>
+                    <p:sldTgt/>
+                  </p:tgtEl>
+                </p:cond>
+              </p:prevCondLst>
+              <p:nextCondLst>
+                <p:cond evt="onNext" delay="0">
+                  <p:tgtEl>
+                    <p:sldTgt/>
+                  </p:tgtEl>
+                </p:cond>
+              </p:nextCondLst>
+            </p:seq>
+          </p:childTnLst>
+        </p:cTn>
+      </p:par>
+    </p:tnLst>
+    <p:bldLst>
+      <p:bldP spid="2" grpId="0"/>
+    </p:bldLst>
+  </p:timing>
+</p:sld>
+</file>
+
+<file path=ppt/slides/slide32.xml><?xml version="1.0" encoding="utf-8"?>
+<p:sld xmlns:a="http://schemas.openxmlformats.org/drawingml/2006/main" xmlns:r="http://schemas.openxmlformats.org/officeDocument/2006/relationships" xmlns:p="http://schemas.openxmlformats.org/presentationml/2006/main">
+  <p:cSld>
+    <p:spTree>
+      <p:nvGrpSpPr>
+        <p:cNvPr id="1" name=""/>
+        <p:cNvGrpSpPr/>
+        <p:nvPr/>
+      </p:nvGrpSpPr>
+      <p:grpSpPr>
+        <a:xfrm>
+          <a:off x="0" y="0"/>
+          <a:ext cx="0" cy="0"/>
+          <a:chOff x="0" y="0"/>
+          <a:chExt cx="0" cy="0"/>
+        </a:xfrm>
+      </p:grpSpPr>
+      <p:sp>
+        <p:nvSpPr>
+          <p:cNvPr id="4" name="TextBox 3"/>
+          <p:cNvSpPr txBox="1"/>
+          <p:nvPr/>
+        </p:nvSpPr>
+        <p:spPr>
+          <a:xfrm>
+            <a:off x="1465632" y="6536992"/>
+            <a:ext cx="2754280" cy="307777"/>
+          </a:xfrm>
+          <a:prstGeom prst="rect">
+            <a:avLst/>
+          </a:prstGeom>
+          <a:noFill/>
+        </p:spPr>
+        <p:txBody>
+          <a:bodyPr wrap="none" rtlCol="0">
+            <a:spAutoFit/>
+          </a:bodyPr>
+          <a:lstStyle/>
+          <a:p>
+            <a:r>
+              <a:rPr lang="en-US" dirty="0" err="1"/>
+              <a:t>Biol</a:t>
+            </a:r>
+            <a:r>
+              <a:rPr lang="en-US" dirty="0"/>
+              <a:t> 4463/6463 Scientific Writing</a:t>
+            </a:r>
+          </a:p>
+        </p:txBody>
+      </p:sp>
+      <p:sp>
+        <p:nvSpPr>
+          <p:cNvPr id="6" name="TextBox 5"/>
+          <p:cNvSpPr txBox="1"/>
+          <p:nvPr/>
+        </p:nvSpPr>
+        <p:spPr>
+          <a:xfrm>
+            <a:off x="3475924" y="116732"/>
+            <a:ext cx="5003293" cy="523220"/>
+          </a:xfrm>
+          <a:prstGeom prst="rect">
+            <a:avLst/>
+          </a:prstGeom>
+          <a:noFill/>
+        </p:spPr>
+        <p:txBody>
+          <a:bodyPr wrap="none" rtlCol="0">
+            <a:spAutoFit/>
+          </a:bodyPr>
+          <a:lstStyle/>
+          <a:p>
+            <a:pPr algn="ctr"/>
+            <a:r>
+              <a:rPr lang="en-US" sz="2800" dirty="0"/>
+              <a:t>Precision and significant digits</a:t>
+            </a:r>
+          </a:p>
+        </p:txBody>
+      </p:sp>
+      <p:sp>
+        <p:nvSpPr>
+          <p:cNvPr id="5" name="TextBox 4"/>
+          <p:cNvSpPr txBox="1"/>
+          <p:nvPr/>
+        </p:nvSpPr>
+        <p:spPr>
+          <a:xfrm>
+            <a:off x="1943763" y="1328557"/>
+            <a:ext cx="8220075" cy="4016484"/>
+          </a:xfrm>
+          <a:prstGeom prst="rect">
+            <a:avLst/>
+          </a:prstGeom>
+          <a:noFill/>
+        </p:spPr>
+        <p:txBody>
+          <a:bodyPr wrap="square" rtlCol="0">
+            <a:spAutoFit/>
+          </a:bodyPr>
+          <a:lstStyle/>
+          <a:p>
+            <a:pPr marL="171450" indent="-171450">
+              <a:spcAft>
+                <a:spcPts val="600"/>
+              </a:spcAft>
+              <a:buFont typeface="Arial" panose="020B0604020202020204" pitchFamily="34" charset="0"/>
+              <a:buChar char="•"/>
+            </a:pPr>
+            <a:r>
+              <a:rPr lang="en-US" sz="2000" dirty="0"/>
+              <a:t>Did black kittens weigh 110 g, 111.4 g, or 111.43238722 g?</a:t>
+            </a:r>
+          </a:p>
+          <a:p>
+            <a:pPr marL="171450" indent="-171450">
+              <a:spcAft>
+                <a:spcPts val="600"/>
+              </a:spcAft>
+              <a:buFont typeface="Arial" panose="020B0604020202020204" pitchFamily="34" charset="0"/>
+              <a:buChar char="•"/>
+            </a:pPr>
+            <a:r>
+              <a:rPr lang="en-US" sz="2000" dirty="0"/>
+              <a:t>It depends.</a:t>
+            </a:r>
+          </a:p>
+          <a:p>
+            <a:pPr marL="628650" lvl="1" indent="-171450">
+              <a:spcAft>
+                <a:spcPts val="600"/>
+              </a:spcAft>
+              <a:buFont typeface="Arial" panose="020B0604020202020204" pitchFamily="34" charset="0"/>
+              <a:buChar char="•"/>
+            </a:pPr>
+            <a:r>
+              <a:rPr lang="en-US" sz="2000" dirty="0"/>
+              <a:t>How precise was your balance?  </a:t>
+            </a:r>
+            <a:r>
+              <a:rPr lang="en-US" sz="2000" i="1" dirty="0"/>
+              <a:t>Significant digits</a:t>
+            </a:r>
+          </a:p>
+          <a:p>
+            <a:pPr marL="628650" lvl="1" indent="-171450">
+              <a:spcAft>
+                <a:spcPts val="600"/>
+              </a:spcAft>
+              <a:buFont typeface="Arial" panose="020B0604020202020204" pitchFamily="34" charset="0"/>
+              <a:buChar char="•"/>
+            </a:pPr>
+            <a:r>
+              <a:rPr lang="en-US" sz="2000" dirty="0"/>
+              <a:t>How precisely does your reader need to know?  </a:t>
+            </a:r>
+            <a:r>
+              <a:rPr lang="en-US" sz="2000" i="1" dirty="0"/>
+              <a:t>Remember your story</a:t>
+            </a:r>
+          </a:p>
+          <a:p>
+            <a:pPr marL="628650" lvl="1" indent="-171450">
+              <a:spcAft>
+                <a:spcPts val="600"/>
+              </a:spcAft>
+              <a:buFont typeface="Arial" panose="020B0604020202020204" pitchFamily="34" charset="0"/>
+              <a:buChar char="•"/>
+            </a:pPr>
+            <a:r>
+              <a:rPr lang="en-US" sz="2000" dirty="0"/>
+              <a:t>Maybe call these “data-significant digits” and “reader-significant digits” </a:t>
+            </a:r>
+          </a:p>
+          <a:p>
+            <a:pPr marL="628650" lvl="1" indent="-171450">
+              <a:spcAft>
+                <a:spcPts val="600"/>
+              </a:spcAft>
+              <a:buFont typeface="Arial" panose="020B0604020202020204" pitchFamily="34" charset="0"/>
+              <a:buChar char="•"/>
+            </a:pPr>
+            <a:endParaRPr lang="en-US" sz="2000" i="1" dirty="0"/>
+          </a:p>
+          <a:p>
+            <a:pPr marL="171450" indent="-171450">
+              <a:spcAft>
+                <a:spcPts val="600"/>
+              </a:spcAft>
+              <a:buFont typeface="Arial" panose="020B0604020202020204" pitchFamily="34" charset="0"/>
+              <a:buChar char="•"/>
+            </a:pPr>
+            <a:r>
+              <a:rPr lang="en-US" sz="2000" dirty="0"/>
+              <a:t>This applies to statistics too.</a:t>
+            </a:r>
+          </a:p>
+          <a:p>
+            <a:pPr>
+              <a:spcAft>
+                <a:spcPts val="600"/>
+              </a:spcAft>
+            </a:pPr>
+            <a:r>
+              <a:rPr lang="en-US" sz="2000" dirty="0"/>
+              <a:t>			Never write </a:t>
+            </a:r>
+            <a:r>
+              <a:rPr lang="en-US" sz="2000" i="1" dirty="0"/>
+              <a:t>“P = 0.37311002”</a:t>
+            </a:r>
+            <a:r>
+              <a:rPr lang="en-US" sz="2000" dirty="0"/>
+              <a:t>, or even </a:t>
+            </a:r>
+            <a:r>
+              <a:rPr lang="en-US" sz="2000" i="1" dirty="0"/>
+              <a:t>“P = 0.3731”!</a:t>
+            </a:r>
+          </a:p>
+        </p:txBody>
+      </p:sp>
+      <p:sp>
+        <p:nvSpPr>
+          <p:cNvPr id="7" name="TextBox 6"/>
+          <p:cNvSpPr txBox="1"/>
+          <p:nvPr/>
+        </p:nvSpPr>
+        <p:spPr>
+          <a:xfrm>
+            <a:off x="9862344" y="6533749"/>
+            <a:ext cx="782587" cy="307777"/>
+          </a:xfrm>
+          <a:prstGeom prst="rect">
+            <a:avLst/>
+          </a:prstGeom>
+          <a:noFill/>
+        </p:spPr>
+        <p:txBody>
+          <a:bodyPr wrap="none" rtlCol="0">
+            <a:spAutoFit/>
+          </a:bodyPr>
+          <a:lstStyle/>
+          <a:p>
+            <a:pPr algn="r"/>
+            <a:r>
+              <a:rPr lang="en-US" dirty="0"/>
+              <a:t>Results</a:t>
+            </a:r>
+          </a:p>
+        </p:txBody>
+      </p:sp>
+    </p:spTree>
+    <p:extLst>
+      <p:ext uri="{BB962C8B-B14F-4D97-AF65-F5344CB8AC3E}">
+        <p14:creationId xmlns:p14="http://schemas.microsoft.com/office/powerpoint/2010/main" val="1351454324"/>
+      </p:ext>
+    </p:extLst>
+  </p:cSld>
+  <p:clrMapOvr>
+    <a:masterClrMapping/>
+  </p:clrMapOvr>
+  <p:timing>
+    <p:tnLst>
+      <p:par>
+        <p:cTn id="1" dur="indefinite" restart="never" nodeType="tmRoot">
+          <p:childTnLst>
+            <p:seq concurrent="1" nextAc="seek">
+              <p:cTn id="2" dur="indefinite" nodeType="mainSeq">
+                <p:childTnLst>
+                  <p:par>
+                    <p:cTn id="3" fill="hold">
+                      <p:stCondLst>
+                        <p:cond delay="indefinite"/>
+                      </p:stCondLst>
+                      <p:childTnLst>
+                        <p:par>
+                          <p:cTn id="4" fill="hold">
+                            <p:stCondLst>
+                              <p:cond delay="0"/>
+                            </p:stCondLst>
+                            <p:childTnLst>
+                              <p:par>
+                                <p:cTn id="5" presetID="1" presetClass="entr" presetSubtype="0" fill="hold" nodeType="clickEffect">
+                                  <p:stCondLst>
+                                    <p:cond delay="0"/>
+                                  </p:stCondLst>
+                                  <p:childTnLst>
+                                    <p:set>
+                                      <p:cBhvr>
+                                        <p:cTn id="6" dur="1" fill="hold">
+                                          <p:stCondLst>
+                                            <p:cond delay="0"/>
+                                          </p:stCondLst>
+                                        </p:cTn>
+                                        <p:tgtEl>
+                                          <p:spTgt spid="5">
+                                            <p:txEl>
+                                              <p:pRg st="1" end="1"/>
+                                            </p:txEl>
+                                          </p:spTgt>
+                                        </p:tgtEl>
+                                        <p:attrNameLst>
+                                          <p:attrName>style.visibility</p:attrName>
+                                        </p:attrNameLst>
+                                      </p:cBhvr>
+                                      <p:to>
+                                        <p:strVal val="visible"/>
+                                      </p:to>
+                                    </p:set>
+                                  </p:childTnLst>
+                                </p:cTn>
+                              </p:par>
+                              <p:par>
+                                <p:cTn id="7" presetID="1" presetClass="entr" presetSubtype="0" fill="hold" nodeType="withEffect">
+                                  <p:stCondLst>
+                                    <p:cond delay="0"/>
+                                  </p:stCondLst>
+                                  <p:childTnLst>
+                                    <p:set>
+                                      <p:cBhvr>
+                                        <p:cTn id="8" dur="1" fill="hold">
+                                          <p:stCondLst>
+                                            <p:cond delay="0"/>
+                                          </p:stCondLst>
+                                        </p:cTn>
+                                        <p:tgtEl>
+                                          <p:spTgt spid="5">
+                                            <p:txEl>
+                                              <p:pRg st="2" end="2"/>
+                                            </p:txEl>
+                                          </p:spTgt>
+                                        </p:tgtEl>
+                                        <p:attrNameLst>
+                                          <p:attrName>style.visibility</p:attrName>
+                                        </p:attrNameLst>
+                                      </p:cBhvr>
+                                      <p:to>
+                                        <p:strVal val="visible"/>
+                                      </p:to>
+                                    </p:set>
+                                  </p:childTnLst>
+                                </p:cTn>
+                              </p:par>
+                              <p:par>
+                                <p:cTn id="9" presetID="1" presetClass="entr" presetSubtype="0" fill="hold" nodeType="withEffect">
+                                  <p:stCondLst>
+                                    <p:cond delay="0"/>
+                                  </p:stCondLst>
+                                  <p:childTnLst>
+                                    <p:set>
+                                      <p:cBhvr>
+                                        <p:cTn id="10" dur="1" fill="hold">
+                                          <p:stCondLst>
+                                            <p:cond delay="0"/>
+                                          </p:stCondLst>
+                                        </p:cTn>
+                                        <p:tgtEl>
+                                          <p:spTgt spid="5">
+                                            <p:txEl>
+                                              <p:pRg st="3" end="3"/>
+                                            </p:txEl>
+                                          </p:spTgt>
+                                        </p:tgtEl>
+                                        <p:attrNameLst>
+                                          <p:attrName>style.visibility</p:attrName>
+                                        </p:attrNameLst>
+                                      </p:cBhvr>
+                                      <p:to>
+                                        <p:strVal val="visible"/>
+                                      </p:to>
+                                    </p:set>
+                                  </p:childTnLst>
+                                </p:cTn>
+                              </p:par>
+                              <p:par>
+                                <p:cTn id="11" presetID="1" presetClass="entr" presetSubtype="0" fill="hold" nodeType="withEffect">
+                                  <p:stCondLst>
+                                    <p:cond delay="0"/>
+                                  </p:stCondLst>
+                                  <p:childTnLst>
+                                    <p:set>
+                                      <p:cBhvr>
+                                        <p:cTn id="12" dur="1" fill="hold">
+                                          <p:stCondLst>
+                                            <p:cond delay="0"/>
+                                          </p:stCondLst>
+                                        </p:cTn>
+                                        <p:tgtEl>
+                                          <p:spTgt spid="5">
+                                            <p:txEl>
+                                              <p:pRg st="4" end="4"/>
+                                            </p:txEl>
+                                          </p:spTgt>
+                                        </p:tgtEl>
+                                        <p:attrNameLst>
+                                          <p:attrName>style.visibility</p:attrName>
+                                        </p:attrNameLst>
+                                      </p:cBhvr>
+                                      <p:to>
+                                        <p:strVal val="visible"/>
+                                      </p:to>
+                                    </p:set>
+                                  </p:childTnLst>
+                                </p:cTn>
+                              </p:par>
+                            </p:childTnLst>
+                          </p:cTn>
+                        </p:par>
+                      </p:childTnLst>
+                    </p:cTn>
+                  </p:par>
+                  <p:par>
+                    <p:cTn id="13" fill="hold">
+                      <p:stCondLst>
+                        <p:cond delay="indefinite"/>
+                      </p:stCondLst>
+                      <p:childTnLst>
+                        <p:par>
+                          <p:cTn id="14" fill="hold">
+                            <p:stCondLst>
+                              <p:cond delay="0"/>
+                            </p:stCondLst>
+                            <p:childTnLst>
+                              <p:par>
+                                <p:cTn id="15" presetID="1" presetClass="entr" presetSubtype="0" fill="hold" nodeType="clickEffect">
+                                  <p:stCondLst>
+                                    <p:cond delay="0"/>
+                                  </p:stCondLst>
+                                  <p:childTnLst>
+                                    <p:set>
+                                      <p:cBhvr>
+                                        <p:cTn id="16" dur="1" fill="hold">
+                                          <p:stCondLst>
+                                            <p:cond delay="0"/>
+                                          </p:stCondLst>
+                                        </p:cTn>
+                                        <p:tgtEl>
+                                          <p:spTgt spid="5">
+                                            <p:txEl>
+                                              <p:pRg st="6" end="6"/>
+                                            </p:txEl>
+                                          </p:spTgt>
+                                        </p:tgtEl>
+                                        <p:attrNameLst>
+                                          <p:attrName>style.visibility</p:attrName>
+                                        </p:attrNameLst>
+                                      </p:cBhvr>
+                                      <p:to>
+                                        <p:strVal val="visible"/>
+                                      </p:to>
+                                    </p:set>
+                                  </p:childTnLst>
+                                </p:cTn>
+                              </p:par>
+                              <p:par>
+                                <p:cTn id="17" presetID="1" presetClass="entr" presetSubtype="0" fill="hold" nodeType="withEffect">
+                                  <p:stCondLst>
+                                    <p:cond delay="0"/>
+                                  </p:stCondLst>
+                                  <p:childTnLst>
+                                    <p:set>
+                                      <p:cBhvr>
+                                        <p:cTn id="18" dur="1" fill="hold">
+                                          <p:stCondLst>
+                                            <p:cond delay="0"/>
+                                          </p:stCondLst>
+                                        </p:cTn>
+                                        <p:tgtEl>
+                                          <p:spTgt spid="5">
+                                            <p:txEl>
+                                              <p:pRg st="7" end="7"/>
+                                            </p:txEl>
+                                          </p:spTgt>
+                                        </p:tgtEl>
+                                        <p:attrNameLst>
+                                          <p:attrName>style.visibility</p:attrName>
+                                        </p:attrNameLst>
+                                      </p:cBhvr>
+                                      <p:to>
+                                        <p:strVal val="visible"/>
+                                      </p:to>
+                                    </p:set>
+                                  </p:childTnLst>
+                                </p:cTn>
+                              </p:par>
+                            </p:childTnLst>
+                          </p:cTn>
+                        </p:par>
+                      </p:childTnLst>
+                    </p:cTn>
+                  </p:par>
+                </p:childTnLst>
+              </p:cTn>
+              <p:prevCondLst>
+                <p:cond evt="onPrev" delay="0">
+                  <p:tgtEl>
+                    <p:sldTgt/>
+                  </p:tgtEl>
+                </p:cond>
+              </p:prevCondLst>
+              <p:nextCondLst>
+                <p:cond evt="onNext" delay="0">
+                  <p:tgtEl>
+                    <p:sldTgt/>
+                  </p:tgtEl>
+                </p:cond>
+              </p:nextCondLst>
+            </p:seq>
+          </p:childTnLst>
+        </p:cTn>
+      </p:par>
+    </p:tnLst>
+  </p:timing>
 </p:sld>
 </file>
 
@@ -19826,10 +25600,245 @@
           <p:cNvPr id="2" name="Title 1">
             <a:extLst>
               <a:ext uri="{FF2B5EF4-FFF2-40B4-BE49-F238E27FC236}">
-                <a16:creationId xmlns:a16="http://schemas.microsoft.com/office/drawing/2014/main" id="{5B8FBCE9-55CF-3C8F-A9DC-E9E63D941C59}"/>
+                <a16:creationId xmlns:a16="http://schemas.microsoft.com/office/drawing/2014/main" id="{C7DE9867-75B5-ECFC-811D-1D1E405A8D26}"/>
               </a:ext>
             </a:extLst>
           </p:cNvPr>
+          <p:cNvSpPr>
+            <a:spLocks noGrp="1"/>
+          </p:cNvSpPr>
+          <p:nvPr>
+            <p:ph type="title"/>
+          </p:nvPr>
+        </p:nvSpPr>
+        <p:spPr>
+          <a:xfrm>
+            <a:off x="2592925" y="659279"/>
+            <a:ext cx="8911687" cy="1280890"/>
+          </a:xfrm>
+        </p:spPr>
+        <p:txBody>
+          <a:bodyPr/>
+          <a:lstStyle/>
+          <a:p>
+            <a:r>
+              <a:rPr lang="en-US" dirty="0"/>
+              <a:t>Multiple Regression</a:t>
+            </a:r>
+          </a:p>
+        </p:txBody>
+      </p:sp>
+      <p:sp>
+        <p:nvSpPr>
+          <p:cNvPr id="3" name="Text Placeholder 2">
+            <a:extLst>
+              <a:ext uri="{FF2B5EF4-FFF2-40B4-BE49-F238E27FC236}">
+                <a16:creationId xmlns:a16="http://schemas.microsoft.com/office/drawing/2014/main" id="{BD1DA684-49ED-3286-A741-E73FBACEA241}"/>
+              </a:ext>
+            </a:extLst>
+          </p:cNvPr>
+          <p:cNvSpPr>
+            <a:spLocks noGrp="1"/>
+          </p:cNvSpPr>
+          <p:nvPr>
+            <p:ph type="body" idx="1"/>
+          </p:nvPr>
+        </p:nvSpPr>
+        <p:spPr>
+          <a:xfrm>
+            <a:off x="2124002" y="1600200"/>
+            <a:ext cx="3737537" cy="3971053"/>
+          </a:xfrm>
+        </p:spPr>
+        <p:txBody>
+          <a:bodyPr>
+            <a:normAutofit fontScale="92500" lnSpcReduction="10000"/>
+          </a:bodyPr>
+          <a:lstStyle/>
+          <a:p>
+            <a:r>
+              <a:rPr lang="en-US" dirty="0"/>
+              <a:t>Essentially considering all possible* parameters at once to explain variance in response variable</a:t>
+            </a:r>
+          </a:p>
+          <a:p>
+            <a:r>
+              <a:rPr lang="en-US" dirty="0"/>
+              <a:t>Because it might be complicated!</a:t>
+            </a:r>
+          </a:p>
+          <a:p>
+            <a:r>
+              <a:rPr lang="en-US" dirty="0"/>
+              <a:t>Worth thinking a bit about strong inference vs multiple competing hypotheses</a:t>
+            </a:r>
+          </a:p>
+          <a:p>
+            <a:r>
+              <a:rPr lang="en-US" dirty="0"/>
+              <a:t>N&gt;P!</a:t>
+            </a:r>
+          </a:p>
+          <a:p>
+            <a:r>
+              <a:rPr lang="en-US" dirty="0"/>
+              <a:t>The assumptions are otherwise the same as linear regression!</a:t>
+            </a:r>
+          </a:p>
+        </p:txBody>
+      </p:sp>
+      <p:pic>
+        <p:nvPicPr>
+          <p:cNvPr id="5" name="Picture 4">
+            <a:extLst>
+              <a:ext uri="{FF2B5EF4-FFF2-40B4-BE49-F238E27FC236}">
+                <a16:creationId xmlns:a16="http://schemas.microsoft.com/office/drawing/2014/main" id="{8E729492-BC43-81B0-0F6C-5B7EE6488756}"/>
+              </a:ext>
+            </a:extLst>
+          </p:cNvPr>
+          <p:cNvPicPr>
+            <a:picLocks noChangeAspect="1"/>
+          </p:cNvPicPr>
+          <p:nvPr/>
+        </p:nvPicPr>
+        <p:blipFill>
+          <a:blip r:embed="rId2"/>
+          <a:stretch>
+            <a:fillRect/>
+          </a:stretch>
+        </p:blipFill>
+        <p:spPr>
+          <a:xfrm>
+            <a:off x="6330462" y="1600200"/>
+            <a:ext cx="5861538" cy="3907692"/>
+          </a:xfrm>
+          <a:prstGeom prst="rect">
+            <a:avLst/>
+          </a:prstGeom>
+        </p:spPr>
+      </p:pic>
+    </p:spTree>
+    <p:extLst>
+      <p:ext uri="{BB962C8B-B14F-4D97-AF65-F5344CB8AC3E}">
+        <p14:creationId xmlns:p14="http://schemas.microsoft.com/office/powerpoint/2010/main" val="3668183772"/>
+      </p:ext>
+    </p:extLst>
+  </p:cSld>
+  <p:clrMapOvr>
+    <a:masterClrMapping/>
+  </p:clrMapOvr>
+</p:sld>
+</file>
+
+<file path=ppt/slides/slide6.xml><?xml version="1.0" encoding="utf-8"?>
+<p:sld xmlns:a="http://schemas.openxmlformats.org/drawingml/2006/main" xmlns:r="http://schemas.openxmlformats.org/officeDocument/2006/relationships" xmlns:p="http://schemas.openxmlformats.org/presentationml/2006/main">
+  <p:cSld>
+    <p:spTree>
+      <p:nvGrpSpPr>
+        <p:cNvPr id="1" name=""/>
+        <p:cNvGrpSpPr/>
+        <p:nvPr/>
+      </p:nvGrpSpPr>
+      <p:grpSpPr>
+        <a:xfrm>
+          <a:off x="0" y="0"/>
+          <a:ext cx="0" cy="0"/>
+          <a:chOff x="0" y="0"/>
+          <a:chExt cx="0" cy="0"/>
+        </a:xfrm>
+      </p:grpSpPr>
+      <p:sp>
+        <p:nvSpPr>
+          <p:cNvPr id="2" name="Title 1"/>
+          <p:cNvSpPr>
+            <a:spLocks noGrp="1"/>
+          </p:cNvSpPr>
+          <p:nvPr>
+            <p:ph type="ctrTitle"/>
+          </p:nvPr>
+        </p:nvSpPr>
+        <p:spPr/>
+        <p:txBody>
+          <a:bodyPr>
+            <a:normAutofit fontScale="90000"/>
+          </a:bodyPr>
+          <a:lstStyle/>
+          <a:p>
+            <a:r>
+              <a:rPr lang="en-US" dirty="0"/>
+              <a:t>Strong Inference and Multiple Working Hypotheses</a:t>
+            </a:r>
+          </a:p>
+        </p:txBody>
+      </p:sp>
+      <p:sp>
+        <p:nvSpPr>
+          <p:cNvPr id="3" name="TextBox 2">
+            <a:extLst>
+              <a:ext uri="{FF2B5EF4-FFF2-40B4-BE49-F238E27FC236}">
+                <a16:creationId xmlns:a16="http://schemas.microsoft.com/office/drawing/2014/main" id="{C7CD1B6E-C473-9D74-4E98-9BA0D0C30E9C}"/>
+              </a:ext>
+            </a:extLst>
+          </p:cNvPr>
+          <p:cNvSpPr txBox="1"/>
+          <p:nvPr/>
+        </p:nvSpPr>
+        <p:spPr>
+          <a:xfrm>
+            <a:off x="7315200" y="5955323"/>
+            <a:ext cx="4189412" cy="523220"/>
+          </a:xfrm>
+          <a:prstGeom prst="rect">
+            <a:avLst/>
+          </a:prstGeom>
+          <a:noFill/>
+        </p:spPr>
+        <p:txBody>
+          <a:bodyPr wrap="square" rtlCol="0">
+            <a:spAutoFit/>
+          </a:bodyPr>
+          <a:lstStyle/>
+          <a:p>
+            <a:r>
+              <a:rPr lang="en-US" dirty="0"/>
+              <a:t>Shamelessly taken from my Uppsala University Philosophy of Science Course</a:t>
+            </a:r>
+          </a:p>
+        </p:txBody>
+      </p:sp>
+    </p:spTree>
+    <p:extLst>
+      <p:ext uri="{BB962C8B-B14F-4D97-AF65-F5344CB8AC3E}">
+        <p14:creationId xmlns:p14="http://schemas.microsoft.com/office/powerpoint/2010/main" val="3441505250"/>
+      </p:ext>
+    </p:extLst>
+  </p:cSld>
+  <p:clrMapOvr>
+    <a:masterClrMapping/>
+  </p:clrMapOvr>
+</p:sld>
+</file>
+
+<file path=ppt/slides/slide7.xml><?xml version="1.0" encoding="utf-8"?>
+<p:sld xmlns:a="http://schemas.openxmlformats.org/drawingml/2006/main" xmlns:r="http://schemas.openxmlformats.org/officeDocument/2006/relationships" xmlns:p="http://schemas.openxmlformats.org/presentationml/2006/main">
+  <p:cSld>
+    <p:spTree>
+      <p:nvGrpSpPr>
+        <p:cNvPr id="1" name=""/>
+        <p:cNvGrpSpPr/>
+        <p:nvPr/>
+      </p:nvGrpSpPr>
+      <p:grpSpPr>
+        <a:xfrm>
+          <a:off x="0" y="0"/>
+          <a:ext cx="0" cy="0"/>
+          <a:chOff x="0" y="0"/>
+          <a:chExt cx="0" cy="0"/>
+        </a:xfrm>
+      </p:grpSpPr>
+      <p:sp>
+        <p:nvSpPr>
+          <p:cNvPr id="2" name="Title 1"/>
           <p:cNvSpPr>
             <a:spLocks noGrp="1"/>
           </p:cNvSpPr>
@@ -19848,33 +25857,691 @@
       </p:sp>
       <p:sp>
         <p:nvSpPr>
-          <p:cNvPr id="3" name="Text Placeholder 2">
-            <a:extLst>
-              <a:ext uri="{FF2B5EF4-FFF2-40B4-BE49-F238E27FC236}">
-                <a16:creationId xmlns:a16="http://schemas.microsoft.com/office/drawing/2014/main" id="{E02C7473-0768-98ED-E367-889EC61AD0F0}"/>
-              </a:ext>
-            </a:extLst>
-          </p:cNvPr>
+          <p:cNvPr id="3" name="Content Placeholder 2"/>
           <p:cNvSpPr>
             <a:spLocks noGrp="1"/>
           </p:cNvSpPr>
           <p:nvPr>
-            <p:ph type="body" idx="1"/>
+            <p:ph idx="1"/>
           </p:nvPr>
         </p:nvSpPr>
         <p:spPr/>
         <p:txBody>
-          <a:bodyPr/>
+          <a:bodyPr>
+            <a:normAutofit fontScale="92500" lnSpcReduction="10000"/>
+          </a:bodyPr>
           <a:lstStyle/>
           <a:p>
-            <a:endParaRPr lang="en-US"/>
+            <a:pPr marL="0" indent="0">
+              <a:buNone/>
+            </a:pPr>
+            <a:r>
+              <a:rPr lang="en-US" dirty="0"/>
+              <a:t>Strong Inference – Platt 1964</a:t>
+            </a:r>
+          </a:p>
+          <a:p>
+            <a:pPr marL="0" indent="0">
+              <a:buNone/>
+            </a:pPr>
+            <a:endParaRPr lang="en-US" dirty="0"/>
+          </a:p>
+          <a:p>
+            <a:pPr marL="457200" lvl="1" indent="0">
+              <a:buNone/>
+            </a:pPr>
+            <a:r>
+              <a:rPr lang="en-US" sz="2000" dirty="0"/>
+              <a:t>Step 1: Devising alternative hypotheses</a:t>
+            </a:r>
+          </a:p>
+          <a:p>
+            <a:pPr marL="457200" lvl="1" indent="0">
+              <a:buNone/>
+            </a:pPr>
+            <a:endParaRPr lang="en-US" sz="2000" dirty="0"/>
+          </a:p>
+          <a:p>
+            <a:pPr marL="457200" lvl="1" indent="0">
+              <a:buNone/>
+            </a:pPr>
+            <a:r>
+              <a:rPr lang="en-US" sz="2000" dirty="0"/>
+              <a:t>Step 2: devising a crucial experiment, which will exclude hypotheses</a:t>
+            </a:r>
+          </a:p>
+          <a:p>
+            <a:pPr marL="457200" lvl="1" indent="0">
+              <a:buNone/>
+            </a:pPr>
+            <a:endParaRPr lang="en-US" sz="2000" dirty="0"/>
+          </a:p>
+          <a:p>
+            <a:pPr marL="457200" lvl="1" indent="0">
+              <a:buNone/>
+            </a:pPr>
+            <a:r>
+              <a:rPr lang="en-US" sz="2000" dirty="0"/>
+              <a:t>Step 3: Carry out the experiment</a:t>
+            </a:r>
+          </a:p>
+          <a:p>
+            <a:pPr marL="457200" lvl="1" indent="0">
+              <a:buNone/>
+            </a:pPr>
+            <a:endParaRPr lang="en-US" sz="2000" dirty="0"/>
+          </a:p>
+          <a:p>
+            <a:pPr marL="457200" lvl="1" indent="0">
+              <a:buNone/>
+            </a:pPr>
+            <a:r>
+              <a:rPr lang="en-US" sz="2000" dirty="0"/>
+              <a:t>Step 1</a:t>
+            </a:r>
+            <a:r>
+              <a:rPr lang="en-US" sz="2000" baseline="30000" dirty="0"/>
+              <a:t>I</a:t>
+            </a:r>
+            <a:r>
+              <a:rPr lang="en-US" sz="2000" dirty="0"/>
+              <a:t>: Recycle the procedure</a:t>
+            </a:r>
           </a:p>
         </p:txBody>
       </p:sp>
     </p:spTree>
     <p:extLst>
       <p:ext uri="{BB962C8B-B14F-4D97-AF65-F5344CB8AC3E}">
-        <p14:creationId xmlns:p14="http://schemas.microsoft.com/office/powerpoint/2010/main" val="59987815"/>
+        <p14:creationId xmlns:p14="http://schemas.microsoft.com/office/powerpoint/2010/main" val="232601984"/>
+      </p:ext>
+    </p:extLst>
+  </p:cSld>
+  <p:clrMapOvr>
+    <a:masterClrMapping/>
+  </p:clrMapOvr>
+</p:sld>
+</file>
+
+<file path=ppt/slides/slide8.xml><?xml version="1.0" encoding="utf-8"?>
+<p:sld xmlns:a="http://schemas.openxmlformats.org/drawingml/2006/main" xmlns:r="http://schemas.openxmlformats.org/officeDocument/2006/relationships" xmlns:p="http://schemas.openxmlformats.org/presentationml/2006/main">
+  <p:cSld>
+    <p:spTree>
+      <p:nvGrpSpPr>
+        <p:cNvPr id="1" name=""/>
+        <p:cNvGrpSpPr/>
+        <p:nvPr/>
+      </p:nvGrpSpPr>
+      <p:grpSpPr>
+        <a:xfrm>
+          <a:off x="0" y="0"/>
+          <a:ext cx="0" cy="0"/>
+          <a:chOff x="0" y="0"/>
+          <a:chExt cx="0" cy="0"/>
+        </a:xfrm>
+      </p:grpSpPr>
+      <p:sp>
+        <p:nvSpPr>
+          <p:cNvPr id="3" name="Content Placeholder 2"/>
+          <p:cNvSpPr>
+            <a:spLocks noGrp="1"/>
+          </p:cNvSpPr>
+          <p:nvPr>
+            <p:ph idx="1"/>
+          </p:nvPr>
+        </p:nvSpPr>
+        <p:spPr>
+          <a:xfrm>
+            <a:off x="1981200" y="1600201"/>
+            <a:ext cx="4114800" cy="4525963"/>
+          </a:xfrm>
+        </p:spPr>
+        <p:txBody>
+          <a:bodyPr>
+            <a:normAutofit/>
+          </a:bodyPr>
+          <a:lstStyle/>
+          <a:p>
+            <a:pPr marL="0" indent="0">
+              <a:buNone/>
+            </a:pPr>
+            <a:r>
+              <a:rPr lang="en-US" sz="2000" dirty="0"/>
+              <a:t>Logic tree</a:t>
+            </a:r>
+          </a:p>
+          <a:p>
+            <a:pPr marL="0" indent="0">
+              <a:buNone/>
+            </a:pPr>
+            <a:r>
+              <a:rPr lang="en-US" sz="2000" dirty="0"/>
+              <a:t>	derived from Francis Bacon</a:t>
+            </a:r>
+          </a:p>
+          <a:p>
+            <a:pPr marL="0" indent="0">
+              <a:buNone/>
+            </a:pPr>
+            <a:endParaRPr lang="en-US" sz="2000" dirty="0"/>
+          </a:p>
+          <a:p>
+            <a:pPr marL="0" indent="0">
+              <a:buNone/>
+            </a:pPr>
+            <a:r>
+              <a:rPr lang="en-US" sz="2000" dirty="0"/>
+              <a:t>Experiment at each branch</a:t>
+            </a:r>
+          </a:p>
+          <a:p>
+            <a:pPr marL="0" indent="0">
+              <a:buNone/>
+            </a:pPr>
+            <a:r>
+              <a:rPr lang="en-US" sz="2000" dirty="0"/>
+              <a:t>	Are experiments necessary?</a:t>
+            </a:r>
+          </a:p>
+          <a:p>
+            <a:pPr marL="0" indent="0">
+              <a:buNone/>
+            </a:pPr>
+            <a:endParaRPr lang="en-US" sz="2000" dirty="0"/>
+          </a:p>
+          <a:p>
+            <a:pPr marL="0" indent="0">
+              <a:buNone/>
+            </a:pPr>
+            <a:r>
+              <a:rPr lang="en-US" sz="2000" dirty="0"/>
+              <a:t>Increases the rate of progress</a:t>
+            </a:r>
+          </a:p>
+          <a:p>
+            <a:pPr marL="0" indent="0">
+              <a:buNone/>
+            </a:pPr>
+            <a:r>
+              <a:rPr lang="en-US" sz="2000" dirty="0"/>
+              <a:t>	Does this lead to “good science?</a:t>
+            </a:r>
+            <a:r>
+              <a:rPr lang="en-US" dirty="0"/>
+              <a:t>”</a:t>
+            </a:r>
+          </a:p>
+        </p:txBody>
+      </p:sp>
+      <p:cxnSp>
+        <p:nvCxnSpPr>
+          <p:cNvPr id="5" name="Straight Arrow Connector 4"/>
+          <p:cNvCxnSpPr/>
+          <p:nvPr/>
+        </p:nvCxnSpPr>
+        <p:spPr>
+          <a:xfrm flipH="1" flipV="1">
+            <a:off x="8794896" y="1811409"/>
+            <a:ext cx="29536" cy="4430073"/>
+          </a:xfrm>
+          <a:prstGeom prst="straightConnector1">
+            <a:avLst/>
+          </a:prstGeom>
+          <a:ln w="152400">
+            <a:solidFill>
+              <a:schemeClr val="accent6">
+                <a:lumMod val="50000"/>
+              </a:schemeClr>
+            </a:solidFill>
+            <a:tailEnd type="none"/>
+          </a:ln>
+        </p:spPr>
+        <p:style>
+          <a:lnRef idx="2">
+            <a:schemeClr val="accent1"/>
+          </a:lnRef>
+          <a:fillRef idx="0">
+            <a:schemeClr val="accent1"/>
+          </a:fillRef>
+          <a:effectRef idx="1">
+            <a:schemeClr val="accent1"/>
+          </a:effectRef>
+          <a:fontRef idx="minor">
+            <a:schemeClr val="tx1"/>
+          </a:fontRef>
+        </p:style>
+      </p:cxnSp>
+      <p:cxnSp>
+        <p:nvCxnSpPr>
+          <p:cNvPr id="7" name="Straight Arrow Connector 6"/>
+          <p:cNvCxnSpPr/>
+          <p:nvPr/>
+        </p:nvCxnSpPr>
+        <p:spPr>
+          <a:xfrm flipH="1" flipV="1">
+            <a:off x="7849728" y="2205193"/>
+            <a:ext cx="945168" cy="2726957"/>
+          </a:xfrm>
+          <a:prstGeom prst="straightConnector1">
+            <a:avLst/>
+          </a:prstGeom>
+          <a:ln w="152400">
+            <a:solidFill>
+              <a:schemeClr val="accent6">
+                <a:lumMod val="50000"/>
+              </a:schemeClr>
+            </a:solidFill>
+            <a:tailEnd type="none"/>
+          </a:ln>
+        </p:spPr>
+        <p:style>
+          <a:lnRef idx="2">
+            <a:schemeClr val="accent1"/>
+          </a:lnRef>
+          <a:fillRef idx="0">
+            <a:schemeClr val="accent1"/>
+          </a:fillRef>
+          <a:effectRef idx="1">
+            <a:schemeClr val="accent1"/>
+          </a:effectRef>
+          <a:fontRef idx="minor">
+            <a:schemeClr val="tx1"/>
+          </a:fontRef>
+        </p:style>
+      </p:cxnSp>
+      <p:cxnSp>
+        <p:nvCxnSpPr>
+          <p:cNvPr id="9" name="Straight Arrow Connector 8"/>
+          <p:cNvCxnSpPr/>
+          <p:nvPr/>
+        </p:nvCxnSpPr>
+        <p:spPr>
+          <a:xfrm flipV="1">
+            <a:off x="8794896" y="1600202"/>
+            <a:ext cx="994394" cy="2357330"/>
+          </a:xfrm>
+          <a:prstGeom prst="straightConnector1">
+            <a:avLst/>
+          </a:prstGeom>
+          <a:ln w="152400">
+            <a:solidFill>
+              <a:schemeClr val="accent6">
+                <a:lumMod val="50000"/>
+              </a:schemeClr>
+            </a:solidFill>
+            <a:tailEnd type="none"/>
+          </a:ln>
+        </p:spPr>
+        <p:style>
+          <a:lnRef idx="2">
+            <a:schemeClr val="accent1"/>
+          </a:lnRef>
+          <a:fillRef idx="0">
+            <a:schemeClr val="accent1"/>
+          </a:fillRef>
+          <a:effectRef idx="1">
+            <a:schemeClr val="accent1"/>
+          </a:effectRef>
+          <a:fontRef idx="minor">
+            <a:schemeClr val="tx1"/>
+          </a:fontRef>
+        </p:style>
+      </p:cxnSp>
+      <p:cxnSp>
+        <p:nvCxnSpPr>
+          <p:cNvPr id="12" name="Straight Arrow Connector 11"/>
+          <p:cNvCxnSpPr/>
+          <p:nvPr/>
+        </p:nvCxnSpPr>
+        <p:spPr>
+          <a:xfrm flipH="1" flipV="1">
+            <a:off x="9178871" y="1417638"/>
+            <a:ext cx="137836" cy="1329008"/>
+          </a:xfrm>
+          <a:prstGeom prst="straightConnector1">
+            <a:avLst/>
+          </a:prstGeom>
+          <a:ln w="152400">
+            <a:solidFill>
+              <a:schemeClr val="accent6">
+                <a:lumMod val="50000"/>
+              </a:schemeClr>
+            </a:solidFill>
+            <a:tailEnd type="none"/>
+          </a:ln>
+        </p:spPr>
+        <p:style>
+          <a:lnRef idx="2">
+            <a:schemeClr val="accent1"/>
+          </a:lnRef>
+          <a:fillRef idx="0">
+            <a:schemeClr val="accent1"/>
+          </a:fillRef>
+          <a:effectRef idx="1">
+            <a:schemeClr val="accent1"/>
+          </a:effectRef>
+          <a:fontRef idx="minor">
+            <a:schemeClr val="tx1"/>
+          </a:fontRef>
+        </p:style>
+      </p:cxnSp>
+    </p:spTree>
+    <p:extLst>
+      <p:ext uri="{BB962C8B-B14F-4D97-AF65-F5344CB8AC3E}">
+        <p14:creationId xmlns:p14="http://schemas.microsoft.com/office/powerpoint/2010/main" val="1844290419"/>
+      </p:ext>
+    </p:extLst>
+  </p:cSld>
+  <p:clrMapOvr>
+    <a:masterClrMapping/>
+  </p:clrMapOvr>
+</p:sld>
+</file>
+
+<file path=ppt/slides/slide9.xml><?xml version="1.0" encoding="utf-8"?>
+<p:sld xmlns:a="http://schemas.openxmlformats.org/drawingml/2006/main" xmlns:r="http://schemas.openxmlformats.org/officeDocument/2006/relationships" xmlns:p="http://schemas.openxmlformats.org/presentationml/2006/main">
+  <p:cSld>
+    <p:spTree>
+      <p:nvGrpSpPr>
+        <p:cNvPr id="1" name=""/>
+        <p:cNvGrpSpPr/>
+        <p:nvPr/>
+      </p:nvGrpSpPr>
+      <p:grpSpPr>
+        <a:xfrm>
+          <a:off x="0" y="0"/>
+          <a:ext cx="0" cy="0"/>
+          <a:chOff x="0" y="0"/>
+          <a:chExt cx="0" cy="0"/>
+        </a:xfrm>
+      </p:grpSpPr>
+      <p:sp>
+        <p:nvSpPr>
+          <p:cNvPr id="3" name="Content Placeholder 2"/>
+          <p:cNvSpPr>
+            <a:spLocks noGrp="1"/>
+          </p:cNvSpPr>
+          <p:nvPr>
+            <p:ph idx="1"/>
+          </p:nvPr>
+        </p:nvSpPr>
+        <p:spPr>
+          <a:xfrm>
+            <a:off x="1981200" y="1600201"/>
+            <a:ext cx="4114800" cy="4525963"/>
+          </a:xfrm>
+        </p:spPr>
+        <p:txBody>
+          <a:bodyPr>
+            <a:normAutofit/>
+          </a:bodyPr>
+          <a:lstStyle/>
+          <a:p>
+            <a:pPr marL="0" indent="0">
+              <a:buNone/>
+            </a:pPr>
+            <a:r>
+              <a:rPr lang="en-US" sz="2000" dirty="0"/>
+              <a:t>Logic tree</a:t>
+            </a:r>
+          </a:p>
+          <a:p>
+            <a:pPr marL="0" indent="0">
+              <a:buNone/>
+            </a:pPr>
+            <a:r>
+              <a:rPr lang="en-US" sz="2000" dirty="0"/>
+              <a:t>	derived from Francis Bacon</a:t>
+            </a:r>
+          </a:p>
+          <a:p>
+            <a:pPr marL="0" indent="0">
+              <a:buNone/>
+            </a:pPr>
+            <a:endParaRPr lang="en-US" sz="2000" dirty="0"/>
+          </a:p>
+          <a:p>
+            <a:pPr marL="0" indent="0">
+              <a:buNone/>
+            </a:pPr>
+            <a:r>
+              <a:rPr lang="en-US" sz="2000" dirty="0"/>
+              <a:t>Experiment at each branch</a:t>
+            </a:r>
+          </a:p>
+          <a:p>
+            <a:pPr marL="0" indent="0">
+              <a:buNone/>
+            </a:pPr>
+            <a:r>
+              <a:rPr lang="en-US" sz="2000" dirty="0"/>
+              <a:t>	Are experiments necessary?</a:t>
+            </a:r>
+          </a:p>
+          <a:p>
+            <a:pPr marL="0" indent="0">
+              <a:buNone/>
+            </a:pPr>
+            <a:endParaRPr lang="en-US" sz="2000" dirty="0"/>
+          </a:p>
+          <a:p>
+            <a:pPr marL="0" indent="0">
+              <a:buNone/>
+            </a:pPr>
+            <a:r>
+              <a:rPr lang="en-US" sz="2000" dirty="0"/>
+              <a:t>Increases the rate of progress</a:t>
+            </a:r>
+          </a:p>
+          <a:p>
+            <a:pPr marL="0" indent="0">
+              <a:buNone/>
+            </a:pPr>
+            <a:r>
+              <a:rPr lang="en-US" sz="2000" dirty="0"/>
+              <a:t>	Does this lead to “good science?</a:t>
+            </a:r>
+            <a:r>
+              <a:rPr lang="en-US" dirty="0"/>
+              <a:t>”</a:t>
+            </a:r>
+          </a:p>
+        </p:txBody>
+      </p:sp>
+      <p:cxnSp>
+        <p:nvCxnSpPr>
+          <p:cNvPr id="5" name="Straight Arrow Connector 4"/>
+          <p:cNvCxnSpPr/>
+          <p:nvPr/>
+        </p:nvCxnSpPr>
+        <p:spPr>
+          <a:xfrm flipH="1" flipV="1">
+            <a:off x="8789973" y="1811409"/>
+            <a:ext cx="29536" cy="4430073"/>
+          </a:xfrm>
+          <a:prstGeom prst="straightConnector1">
+            <a:avLst/>
+          </a:prstGeom>
+          <a:ln w="152400">
+            <a:solidFill>
+              <a:schemeClr val="accent6">
+                <a:lumMod val="50000"/>
+              </a:schemeClr>
+            </a:solidFill>
+            <a:tailEnd type="none"/>
+          </a:ln>
+        </p:spPr>
+        <p:style>
+          <a:lnRef idx="2">
+            <a:schemeClr val="accent1"/>
+          </a:lnRef>
+          <a:fillRef idx="0">
+            <a:schemeClr val="accent1"/>
+          </a:fillRef>
+          <a:effectRef idx="1">
+            <a:schemeClr val="accent1"/>
+          </a:effectRef>
+          <a:fontRef idx="minor">
+            <a:schemeClr val="tx1"/>
+          </a:fontRef>
+        </p:style>
+      </p:cxnSp>
+      <p:cxnSp>
+        <p:nvCxnSpPr>
+          <p:cNvPr id="7" name="Straight Arrow Connector 6"/>
+          <p:cNvCxnSpPr/>
+          <p:nvPr/>
+        </p:nvCxnSpPr>
+        <p:spPr>
+          <a:xfrm flipH="1" flipV="1">
+            <a:off x="7844805" y="2205193"/>
+            <a:ext cx="945168" cy="2726957"/>
+          </a:xfrm>
+          <a:prstGeom prst="straightConnector1">
+            <a:avLst/>
+          </a:prstGeom>
+          <a:ln w="152400">
+            <a:solidFill>
+              <a:schemeClr val="accent6">
+                <a:lumMod val="50000"/>
+              </a:schemeClr>
+            </a:solidFill>
+            <a:tailEnd type="none"/>
+          </a:ln>
+        </p:spPr>
+        <p:style>
+          <a:lnRef idx="2">
+            <a:schemeClr val="accent1"/>
+          </a:lnRef>
+          <a:fillRef idx="0">
+            <a:schemeClr val="accent1"/>
+          </a:fillRef>
+          <a:effectRef idx="1">
+            <a:schemeClr val="accent1"/>
+          </a:effectRef>
+          <a:fontRef idx="minor">
+            <a:schemeClr val="tx1"/>
+          </a:fontRef>
+        </p:style>
+      </p:cxnSp>
+      <p:cxnSp>
+        <p:nvCxnSpPr>
+          <p:cNvPr id="9" name="Straight Arrow Connector 8"/>
+          <p:cNvCxnSpPr/>
+          <p:nvPr/>
+        </p:nvCxnSpPr>
+        <p:spPr>
+          <a:xfrm flipV="1">
+            <a:off x="8789973" y="1600202"/>
+            <a:ext cx="994394" cy="2357330"/>
+          </a:xfrm>
+          <a:prstGeom prst="straightConnector1">
+            <a:avLst/>
+          </a:prstGeom>
+          <a:ln w="152400">
+            <a:solidFill>
+              <a:schemeClr val="accent6">
+                <a:lumMod val="50000"/>
+              </a:schemeClr>
+            </a:solidFill>
+            <a:tailEnd type="none"/>
+          </a:ln>
+        </p:spPr>
+        <p:style>
+          <a:lnRef idx="2">
+            <a:schemeClr val="accent1"/>
+          </a:lnRef>
+          <a:fillRef idx="0">
+            <a:schemeClr val="accent1"/>
+          </a:fillRef>
+          <a:effectRef idx="1">
+            <a:schemeClr val="accent1"/>
+          </a:effectRef>
+          <a:fontRef idx="minor">
+            <a:schemeClr val="tx1"/>
+          </a:fontRef>
+        </p:style>
+      </p:cxnSp>
+      <p:cxnSp>
+        <p:nvCxnSpPr>
+          <p:cNvPr id="12" name="Straight Arrow Connector 11"/>
+          <p:cNvCxnSpPr/>
+          <p:nvPr/>
+        </p:nvCxnSpPr>
+        <p:spPr>
+          <a:xfrm flipH="1" flipV="1">
+            <a:off x="9173948" y="1417638"/>
+            <a:ext cx="137836" cy="1329008"/>
+          </a:xfrm>
+          <a:prstGeom prst="straightConnector1">
+            <a:avLst/>
+          </a:prstGeom>
+          <a:ln w="152400">
+            <a:solidFill>
+              <a:schemeClr val="accent6">
+                <a:lumMod val="50000"/>
+              </a:schemeClr>
+            </a:solidFill>
+            <a:tailEnd type="none"/>
+          </a:ln>
+        </p:spPr>
+        <p:style>
+          <a:lnRef idx="2">
+            <a:schemeClr val="accent1"/>
+          </a:lnRef>
+          <a:fillRef idx="0">
+            <a:schemeClr val="accent1"/>
+          </a:fillRef>
+          <a:effectRef idx="1">
+            <a:schemeClr val="accent1"/>
+          </a:effectRef>
+          <a:fontRef idx="minor">
+            <a:schemeClr val="tx1"/>
+          </a:fontRef>
+        </p:style>
+      </p:cxnSp>
+      <p:sp>
+        <p:nvSpPr>
+          <p:cNvPr id="16" name="Multiply 15"/>
+          <p:cNvSpPr/>
+          <p:nvPr/>
+        </p:nvSpPr>
+        <p:spPr>
+          <a:xfrm>
+            <a:off x="8327235" y="3957532"/>
+            <a:ext cx="462739" cy="521764"/>
+          </a:xfrm>
+          <a:prstGeom prst="mathMultiply">
+            <a:avLst/>
+          </a:prstGeom>
+        </p:spPr>
+        <p:style>
+          <a:lnRef idx="1">
+            <a:schemeClr val="accent1"/>
+          </a:lnRef>
+          <a:fillRef idx="3">
+            <a:schemeClr val="accent1"/>
+          </a:fillRef>
+          <a:effectRef idx="2">
+            <a:schemeClr val="accent1"/>
+          </a:effectRef>
+          <a:fontRef idx="minor">
+            <a:schemeClr val="lt1"/>
+          </a:fontRef>
+        </p:style>
+        <p:txBody>
+          <a:bodyPr rtlCol="0" anchor="ctr"/>
+          <a:lstStyle/>
+          <a:p>
+            <a:pPr algn="ctr"/>
+            <a:endParaRPr lang="en-US"/>
+          </a:p>
+        </p:txBody>
+      </p:sp>
+    </p:spTree>
+    <p:extLst>
+      <p:ext uri="{BB962C8B-B14F-4D97-AF65-F5344CB8AC3E}">
+        <p14:creationId xmlns:p14="http://schemas.microsoft.com/office/powerpoint/2010/main" val="3946055904"/>
       </p:ext>
     </p:extLst>
   </p:cSld>

--- a/Lecture4.pptx
+++ b/Lecture4.pptx
@@ -288,7 +288,7 @@
       <p15:sldGuideLst xmlns:p15="http://schemas.microsoft.com/office/powerpoint/2012/main"/>
     </p:ext>
     <p:ext uri="GoogleSlidesCustomDataVersion2">
-      <go:slidesCustomData xmlns="" xmlns:mc="http://schemas.openxmlformats.org/markup-compatibility/2006" xmlns:mv="urn:schemas-microsoft-com:mac:vml" xmlns:c="http://schemas.openxmlformats.org/drawingml/2006/chart" xmlns:dgm="http://schemas.openxmlformats.org/drawingml/2006/diagram" xmlns:o="urn:schemas-microsoft-com:office:office" xmlns:v="urn:schemas-microsoft-com:vml" xmlns:pvml="urn:schemas-microsoft-com:office:powerpoint" xmlns:com="http://schemas.openxmlformats.org/drawingml/2006/compatibility" xmlns:p14="http://schemas.microsoft.com/office/powerpoint/2010/main" xmlns:p15="http://schemas.microsoft.com/office/powerpoint/2012/main" xmlns:ahyp="http://schemas.microsoft.com/office/drawing/2018/hyperlinkcolor" xmlns:go="http://customooxmlschemas.google.com/" r:id="rId41" roundtripDataSignature="AMtx7mhEk3kr15p5MvOwX8Siehu9UxAE2A=="/>
+      <go:slidesCustomData xmlns:go="http://customooxmlschemas.google.com/" xmlns:ahyp="http://schemas.microsoft.com/office/drawing/2018/hyperlinkcolor" xmlns:p15="http://schemas.microsoft.com/office/powerpoint/2012/main" xmlns:p14="http://schemas.microsoft.com/office/powerpoint/2010/main" xmlns:com="http://schemas.openxmlformats.org/drawingml/2006/compatibility" xmlns:pvml="urn:schemas-microsoft-com:office:powerpoint" xmlns:v="urn:schemas-microsoft-com:vml" xmlns:o="urn:schemas-microsoft-com:office:office" xmlns:dgm="http://schemas.openxmlformats.org/drawingml/2006/diagram" xmlns:c="http://schemas.openxmlformats.org/drawingml/2006/chart" xmlns:mv="urn:schemas-microsoft-com:mac:vml" xmlns:mc="http://schemas.openxmlformats.org/markup-compatibility/2006" xmlns="" r:id="rId41" roundtripDataSignature="AMtx7mhEk3kr15p5MvOwX8Siehu9UxAE2A=="/>
     </p:ext>
   </p:extLst>
 </p:presentation>
@@ -2317,6 +2317,118 @@
     <p:extLst>
       <p:ext uri="{BB962C8B-B14F-4D97-AF65-F5344CB8AC3E}">
         <p14:creationId xmlns:p14="http://schemas.microsoft.com/office/powerpoint/2010/main" val="2676774349"/>
+      </p:ext>
+    </p:extLst>
+  </p:cSld>
+  <p:clrMapOvr>
+    <a:masterClrMapping/>
+  </p:clrMapOvr>
+</p:notes>
+</file>
+
+<file path=ppt/notesSlides/notesSlide9.xml><?xml version="1.0" encoding="utf-8"?>
+<p:notes xmlns:a="http://schemas.openxmlformats.org/drawingml/2006/main" xmlns:r="http://schemas.openxmlformats.org/officeDocument/2006/relationships" xmlns:p="http://schemas.openxmlformats.org/presentationml/2006/main">
+  <p:cSld>
+    <p:spTree>
+      <p:nvGrpSpPr>
+        <p:cNvPr id="1" name=""/>
+        <p:cNvGrpSpPr/>
+        <p:nvPr/>
+      </p:nvGrpSpPr>
+      <p:grpSpPr>
+        <a:xfrm>
+          <a:off x="0" y="0"/>
+          <a:ext cx="0" cy="0"/>
+          <a:chOff x="0" y="0"/>
+          <a:chExt cx="0" cy="0"/>
+        </a:xfrm>
+      </p:grpSpPr>
+      <p:sp>
+        <p:nvSpPr>
+          <p:cNvPr id="2" name="Slide Image Placeholder 1"/>
+          <p:cNvSpPr>
+            <a:spLocks noGrp="1" noRot="1" noChangeAspect="1"/>
+          </p:cNvSpPr>
+          <p:nvPr>
+            <p:ph type="sldImg"/>
+          </p:nvPr>
+        </p:nvSpPr>
+        <p:spPr/>
+      </p:sp>
+      <p:sp>
+        <p:nvSpPr>
+          <p:cNvPr id="3" name="Notes Placeholder 2"/>
+          <p:cNvSpPr>
+            <a:spLocks noGrp="1"/>
+          </p:cNvSpPr>
+          <p:nvPr>
+            <p:ph type="body" idx="1"/>
+          </p:nvPr>
+        </p:nvSpPr>
+        <p:spPr/>
+        <p:txBody>
+          <a:bodyPr/>
+          <a:lstStyle/>
+          <a:p>
+            <a:r>
+              <a:rPr lang="en-US" dirty="0"/>
+              <a:t>Biology First Results Sections!</a:t>
+            </a:r>
+          </a:p>
+        </p:txBody>
+      </p:sp>
+      <p:sp>
+        <p:nvSpPr>
+          <p:cNvPr id="4" name="Slide Number Placeholder 3"/>
+          <p:cNvSpPr>
+            <a:spLocks noGrp="1"/>
+          </p:cNvSpPr>
+          <p:nvPr>
+            <p:ph type="sldNum" idx="12"/>
+          </p:nvPr>
+        </p:nvSpPr>
+        <p:spPr/>
+        <p:txBody>
+          <a:bodyPr/>
+          <a:lstStyle/>
+          <a:p>
+            <a:pPr marL="0" marR="0" lvl="0" indent="0" algn="r" rtl="0">
+              <a:spcBef>
+                <a:spcPts val="0"/>
+              </a:spcBef>
+              <a:spcAft>
+                <a:spcPts val="0"/>
+              </a:spcAft>
+              <a:buNone/>
+            </a:pPr>
+            <a:fld id="{00000000-1234-1234-1234-123412341234}" type="slidenum">
+              <a:rPr lang="en-US" sz="1200" b="0" i="0" u="none" strike="noStrike" cap="none" smtClean="0">
+                <a:solidFill>
+                  <a:schemeClr val="dk1"/>
+                </a:solidFill>
+                <a:latin typeface="Calibri"/>
+                <a:ea typeface="Calibri"/>
+                <a:cs typeface="Calibri"/>
+                <a:sym typeface="Calibri"/>
+              </a:rPr>
+              <a:t>30</a:t>
+            </a:fld>
+            <a:endParaRPr lang="en-US" sz="1200" b="0" i="0" u="none" strike="noStrike" cap="none">
+              <a:solidFill>
+                <a:schemeClr val="dk1"/>
+              </a:solidFill>
+              <a:latin typeface="Calibri"/>
+              <a:ea typeface="Calibri"/>
+              <a:cs typeface="Calibri"/>
+              <a:sym typeface="Calibri"/>
+            </a:endParaRPr>
+          </a:p>
+        </p:txBody>
+      </p:sp>
+    </p:spTree>
+    <p:extLst>
+      <p:ext uri="{BB962C8B-B14F-4D97-AF65-F5344CB8AC3E}">
+        <p14:creationId xmlns:p14="http://schemas.microsoft.com/office/powerpoint/2010/main" val="4090383827"/>
       </p:ext>
     </p:extLst>
   </p:cSld>
@@ -22567,7 +22679,7 @@
           <a:p>
             <a:r>
               <a:rPr lang="en-US" dirty="0"/>
-              <a:t>Generally, a whole topic on it’s own, which we could talk about if anyone thinks they’re likely to use them!</a:t>
+              <a:t>Generally, a whole topic on its own, which we could talk about if anyone thinks they’re likely to use them!</a:t>
             </a:r>
           </a:p>
         </p:txBody>
@@ -22722,8 +22834,8 @@
         </p:nvSpPr>
         <p:spPr>
           <a:xfrm>
-            <a:off x="4735877" y="116732"/>
-            <a:ext cx="2483372" cy="523220"/>
+            <a:off x="3427829" y="116732"/>
+            <a:ext cx="5099473" cy="523220"/>
           </a:xfrm>
           <a:prstGeom prst="rect">
             <a:avLst/>
@@ -22739,7 +22851,7 @@
             <a:pPr algn="ctr"/>
             <a:r>
               <a:rPr lang="en-US" sz="2800" dirty="0"/>
-              <a:t>What goes in?</a:t>
+              <a:t>Writing Results: What goes in?</a:t>
             </a:r>
           </a:p>
         </p:txBody>
@@ -25230,7 +25342,7 @@
         <p:spPr>
           <a:xfrm>
             <a:off x="1943763" y="1328557"/>
-            <a:ext cx="8220075" cy="4016484"/>
+            <a:ext cx="8220075" cy="3708708"/>
           </a:xfrm>
           <a:prstGeom prst="rect">
             <a:avLst/>
@@ -25339,14 +25451,16 @@
             </a:r>
           </a:p>
           <a:p>
-            <a:pPr>
+            <a:pPr marL="171450" lvl="2" indent="-171450">
               <a:spcAft>
                 <a:spcPts val="600"/>
               </a:spcAft>
+              <a:buFont typeface="Arial" panose="020B0604020202020204" pitchFamily="34" charset="0"/>
+              <a:buChar char="•"/>
             </a:pPr>
             <a:r>
               <a:rPr lang="en-US" sz="2000" dirty="0"/>
-              <a:t>			Never write </a:t>
+              <a:t>Never write </a:t>
             </a:r>
             <a:r>
               <a:rPr lang="en-US" sz="2000" i="1" dirty="0"/>
@@ -25596,15 +25710,33 @@
                                   </p:childTnLst>
                                 </p:cTn>
                               </p:par>
+                            </p:childTnLst>
+                          </p:cTn>
+                        </p:par>
+                      </p:childTnLst>
+                    </p:cTn>
+                  </p:par>
+                  <p:par>
+                    <p:cTn id="17" fill="hold">
+                      <p:stCondLst>
+                        <p:cond delay="indefinite"/>
+                      </p:stCondLst>
+                      <p:childTnLst>
+                        <p:par>
+                          <p:cTn id="18" fill="hold">
+                            <p:stCondLst>
+                              <p:cond delay="0"/>
+                            </p:stCondLst>
+                            <p:childTnLst>
                               <p:par>
-                                <p:cTn id="17" presetID="1" presetClass="entr" presetSubtype="0" fill="hold" nodeType="withEffect">
+                                <p:cTn id="19" presetID="1" presetClass="entr" presetSubtype="0" fill="hold" nodeType="clickEffect">
                                   <p:stCondLst>
                                     <p:cond delay="0"/>
                                   </p:stCondLst>
                                   <p:childTnLst>
                                     <p:set>
                                       <p:cBhvr>
-                                        <p:cTn id="18" dur="1" fill="hold">
+                                        <p:cTn id="20" dur="1" fill="hold">
                                           <p:stCondLst>
                                             <p:cond delay="0"/>
                                           </p:stCondLst>
